--- a/training/day4/Day4.pptx
+++ b/training/day4/Day4.pptx
@@ -217,7 +217,7 @@
           <a:p>
             <a:fld id="{F15A6252-5F50-4106-9C23-9E03A675631E}" type="datetimeFigureOut">
               <a:rPr lang="en-IN" smtClean="0"/>
-              <a:t>01-05-2020</a:t>
+              <a:t>04-05-2020</a:t>
             </a:fld>
             <a:endParaRPr lang="en-IN"/>
           </a:p>
@@ -634,7 +634,7 @@
           <a:p>
             <a:fld id="{4086692B-153F-4DFE-BFBD-A2AE2C7443B6}" type="datetimeFigureOut">
               <a:rPr lang="en-IN" smtClean="0"/>
-              <a:t>01-05-2020</a:t>
+              <a:t>04-05-2020</a:t>
             </a:fld>
             <a:endParaRPr lang="en-IN"/>
           </a:p>
@@ -834,7 +834,7 @@
           <a:p>
             <a:fld id="{4086692B-153F-4DFE-BFBD-A2AE2C7443B6}" type="datetimeFigureOut">
               <a:rPr lang="en-IN" smtClean="0"/>
-              <a:t>01-05-2020</a:t>
+              <a:t>04-05-2020</a:t>
             </a:fld>
             <a:endParaRPr lang="en-IN"/>
           </a:p>
@@ -1044,7 +1044,7 @@
           <a:p>
             <a:fld id="{4086692B-153F-4DFE-BFBD-A2AE2C7443B6}" type="datetimeFigureOut">
               <a:rPr lang="en-IN" smtClean="0"/>
-              <a:t>01-05-2020</a:t>
+              <a:t>04-05-2020</a:t>
             </a:fld>
             <a:endParaRPr lang="en-IN"/>
           </a:p>
@@ -1244,7 +1244,7 @@
           <a:p>
             <a:fld id="{4086692B-153F-4DFE-BFBD-A2AE2C7443B6}" type="datetimeFigureOut">
               <a:rPr lang="en-IN" smtClean="0"/>
-              <a:t>01-05-2020</a:t>
+              <a:t>04-05-2020</a:t>
             </a:fld>
             <a:endParaRPr lang="en-IN"/>
           </a:p>
@@ -1520,7 +1520,7 @@
           <a:p>
             <a:fld id="{4086692B-153F-4DFE-BFBD-A2AE2C7443B6}" type="datetimeFigureOut">
               <a:rPr lang="en-IN" smtClean="0"/>
-              <a:t>01-05-2020</a:t>
+              <a:t>04-05-2020</a:t>
             </a:fld>
             <a:endParaRPr lang="en-IN"/>
           </a:p>
@@ -1788,7 +1788,7 @@
           <a:p>
             <a:fld id="{4086692B-153F-4DFE-BFBD-A2AE2C7443B6}" type="datetimeFigureOut">
               <a:rPr lang="en-IN" smtClean="0"/>
-              <a:t>01-05-2020</a:t>
+              <a:t>04-05-2020</a:t>
             </a:fld>
             <a:endParaRPr lang="en-IN"/>
           </a:p>
@@ -2203,7 +2203,7 @@
           <a:p>
             <a:fld id="{4086692B-153F-4DFE-BFBD-A2AE2C7443B6}" type="datetimeFigureOut">
               <a:rPr lang="en-IN" smtClean="0"/>
-              <a:t>01-05-2020</a:t>
+              <a:t>04-05-2020</a:t>
             </a:fld>
             <a:endParaRPr lang="en-IN"/>
           </a:p>
@@ -2345,7 +2345,7 @@
           <a:p>
             <a:fld id="{4086692B-153F-4DFE-BFBD-A2AE2C7443B6}" type="datetimeFigureOut">
               <a:rPr lang="en-IN" smtClean="0"/>
-              <a:t>01-05-2020</a:t>
+              <a:t>04-05-2020</a:t>
             </a:fld>
             <a:endParaRPr lang="en-IN"/>
           </a:p>
@@ -2458,7 +2458,7 @@
           <a:p>
             <a:fld id="{4086692B-153F-4DFE-BFBD-A2AE2C7443B6}" type="datetimeFigureOut">
               <a:rPr lang="en-IN" smtClean="0"/>
-              <a:t>01-05-2020</a:t>
+              <a:t>04-05-2020</a:t>
             </a:fld>
             <a:endParaRPr lang="en-IN"/>
           </a:p>
@@ -2771,7 +2771,7 @@
           <a:p>
             <a:fld id="{4086692B-153F-4DFE-BFBD-A2AE2C7443B6}" type="datetimeFigureOut">
               <a:rPr lang="en-IN" smtClean="0"/>
-              <a:t>01-05-2020</a:t>
+              <a:t>04-05-2020</a:t>
             </a:fld>
             <a:endParaRPr lang="en-IN"/>
           </a:p>
@@ -3060,7 +3060,7 @@
           <a:p>
             <a:fld id="{4086692B-153F-4DFE-BFBD-A2AE2C7443B6}" type="datetimeFigureOut">
               <a:rPr lang="en-IN" smtClean="0"/>
-              <a:t>01-05-2020</a:t>
+              <a:t>04-05-2020</a:t>
             </a:fld>
             <a:endParaRPr lang="en-IN"/>
           </a:p>
@@ -3303,7 +3303,7 @@
           <a:p>
             <a:fld id="{4086692B-153F-4DFE-BFBD-A2AE2C7443B6}" type="datetimeFigureOut">
               <a:rPr lang="en-IN" smtClean="0"/>
-              <a:t>01-05-2020</a:t>
+              <a:t>04-05-2020</a:t>
             </a:fld>
             <a:endParaRPr lang="en-IN"/>
           </a:p>
@@ -3790,7 +3790,7 @@
         <p:spPr>
           <a:xfrm>
             <a:off x="838200" y="1779687"/>
-            <a:ext cx="10515600" cy="4801314"/>
+            <a:ext cx="10515600" cy="4524315"/>
           </a:xfrm>
           <a:prstGeom prst="rect">
             <a:avLst/>
@@ -3809,57 +3809,57 @@
                   <a:schemeClr val="bg1"/>
                 </a:solidFill>
               </a:rPr>
-              <a:t>	How to make your application fault tolerant</a:t>
-            </a:r>
-          </a:p>
-          <a:p>
-            <a:r>
-              <a:rPr lang="en-US" b="1" dirty="0">
-                <a:solidFill>
-                  <a:schemeClr val="bg1"/>
-                </a:solidFill>
-              </a:rPr>
-              <a:t>	Difference between Fault tolerance and resilience</a:t>
-            </a:r>
-          </a:p>
-          <a:p>
-            <a:r>
-              <a:rPr lang="en-US" b="1" dirty="0">
-                <a:solidFill>
-                  <a:schemeClr val="bg1"/>
-                </a:solidFill>
-              </a:rPr>
-              <a:t>	Fault tolerance related challenges with Microservices</a:t>
-            </a:r>
-          </a:p>
-          <a:p>
-            <a:r>
-              <a:rPr lang="en-US" b="1" dirty="0">
-                <a:solidFill>
-                  <a:schemeClr val="bg1"/>
-                </a:solidFill>
-              </a:rPr>
-              <a:t>	Implementing Timeout</a:t>
-            </a:r>
-          </a:p>
-          <a:p>
-            <a:r>
-              <a:rPr lang="en-US" b="1" dirty="0">
-                <a:solidFill>
-                  <a:schemeClr val="bg1"/>
-                </a:solidFill>
-              </a:rPr>
-              <a:t>	Implementing mimicked cached response</a:t>
-            </a:r>
-          </a:p>
-          <a:p>
-            <a:r>
-              <a:rPr lang="en-US" b="1" dirty="0">
-                <a:solidFill>
-                  <a:schemeClr val="bg1"/>
-                </a:solidFill>
-              </a:rPr>
-              <a:t>	Implement Circuit breaker pattern using </a:t>
+              <a:t>How to make your application fault tolerant</a:t>
+            </a:r>
+          </a:p>
+          <a:p>
+            <a:r>
+              <a:rPr lang="en-US" b="1" dirty="0">
+                <a:solidFill>
+                  <a:schemeClr val="bg1"/>
+                </a:solidFill>
+              </a:rPr>
+              <a:t>Difference between Fault tolerance and resilience</a:t>
+            </a:r>
+          </a:p>
+          <a:p>
+            <a:r>
+              <a:rPr lang="en-US" b="1" dirty="0">
+                <a:solidFill>
+                  <a:schemeClr val="bg1"/>
+                </a:solidFill>
+              </a:rPr>
+              <a:t>Fault tolerance related challenges with Microservices</a:t>
+            </a:r>
+          </a:p>
+          <a:p>
+            <a:r>
+              <a:rPr lang="en-US" b="1" dirty="0">
+                <a:solidFill>
+                  <a:schemeClr val="bg1"/>
+                </a:solidFill>
+              </a:rPr>
+              <a:t>Implementing Timeout</a:t>
+            </a:r>
+          </a:p>
+          <a:p>
+            <a:r>
+              <a:rPr lang="en-US" b="1" dirty="0">
+                <a:solidFill>
+                  <a:schemeClr val="bg1"/>
+                </a:solidFill>
+              </a:rPr>
+              <a:t>Implementing mimicked cached response</a:t>
+            </a:r>
+          </a:p>
+          <a:p>
+            <a:r>
+              <a:rPr lang="en-US" b="1" dirty="0">
+                <a:solidFill>
+                  <a:schemeClr val="bg1"/>
+                </a:solidFill>
+              </a:rPr>
+              <a:t>Implement Circuit breaker pattern using </a:t>
             </a:r>
             <a:r>
               <a:rPr lang="en-US" b="1" dirty="0" err="1">
@@ -3882,7 +3882,37 @@
                   <a:schemeClr val="bg1"/>
                 </a:solidFill>
               </a:rPr>
-              <a:t>	Mimic fault tolerance and verify that it is working.</a:t>
+              <a:t>Mimic fault tolerance and verify that it is working.</a:t>
+            </a:r>
+          </a:p>
+          <a:p>
+            <a:r>
+              <a:rPr lang="en-US" b="1" dirty="0">
+                <a:solidFill>
+                  <a:schemeClr val="bg1"/>
+                </a:solidFill>
+              </a:rPr>
+              <a:t>	</a:t>
+            </a:r>
+          </a:p>
+          <a:p>
+            <a:r>
+              <a:rPr lang="en-US" b="1" dirty="0">
+                <a:solidFill>
+                  <a:schemeClr val="bg1"/>
+                </a:solidFill>
+              </a:rPr>
+              <a:t>Externalizing the properties of Spring boot</a:t>
+            </a:r>
+          </a:p>
+          <a:p>
+            <a:r>
+              <a:rPr lang="en-US" b="1" dirty="0">
+                <a:solidFill>
+                  <a:schemeClr val="bg1"/>
+                </a:solidFill>
+              </a:rPr>
+              <a:t>	Configuring your application</a:t>
             </a:r>
           </a:p>
           <a:p>
@@ -3893,36 +3923,6 @@
                 </a:solidFill>
               </a:rPr>
               <a:t>		</a:t>
-            </a:r>
-          </a:p>
-          <a:p>
-            <a:r>
-              <a:rPr lang="en-US" b="1" dirty="0">
-                <a:solidFill>
-                  <a:schemeClr val="bg1"/>
-                </a:solidFill>
-              </a:rPr>
-              <a:t>	Externalizing the properties of Spring boot</a:t>
-            </a:r>
-          </a:p>
-          <a:p>
-            <a:r>
-              <a:rPr lang="en-US" b="1" dirty="0">
-                <a:solidFill>
-                  <a:schemeClr val="bg1"/>
-                </a:solidFill>
-              </a:rPr>
-              <a:t>		Configuring your application</a:t>
-            </a:r>
-          </a:p>
-          <a:p>
-            <a:r>
-              <a:rPr lang="en-US" b="1" dirty="0">
-                <a:solidFill>
-                  <a:schemeClr val="bg1"/>
-                </a:solidFill>
-              </a:rPr>
-              <a:t>			</a:t>
             </a:r>
             <a:r>
               <a:rPr lang="en-US" b="1" dirty="0" err="1">
@@ -3945,55 +3945,53 @@
                   <a:schemeClr val="bg1"/>
                 </a:solidFill>
               </a:rPr>
-              <a:t>	Project  Lombok</a:t>
-            </a:r>
-          </a:p>
-          <a:p>
-            <a:r>
-              <a:rPr lang="en-US" b="1" dirty="0">
-                <a:solidFill>
-                  <a:schemeClr val="bg1"/>
-                </a:solidFill>
-              </a:rPr>
-              <a:t>		Overview of Project Lombok</a:t>
-            </a:r>
-          </a:p>
-          <a:p>
-            <a:r>
-              <a:rPr lang="en-US" b="1" dirty="0">
-                <a:solidFill>
-                  <a:schemeClr val="bg1"/>
-                </a:solidFill>
-              </a:rPr>
-              <a:t>		Project Lombok Configuration</a:t>
-            </a:r>
-          </a:p>
-          <a:p>
-            <a:r>
-              <a:rPr lang="en-US" b="1" dirty="0">
-                <a:solidFill>
-                  <a:schemeClr val="bg1"/>
-                </a:solidFill>
-              </a:rPr>
-              <a:t>		Project Lombok Examples</a:t>
-            </a:r>
-          </a:p>
-          <a:p>
+              <a:t>Project  Lombok</a:t>
+            </a:r>
+          </a:p>
+          <a:p>
+            <a:r>
+              <a:rPr lang="en-US" b="1" dirty="0">
+                <a:solidFill>
+                  <a:schemeClr val="bg1"/>
+                </a:solidFill>
+              </a:rPr>
+              <a:t>	Overview of Project Lombok</a:t>
+            </a:r>
+          </a:p>
+          <a:p>
+            <a:r>
+              <a:rPr lang="en-US" b="1" dirty="0">
+                <a:solidFill>
+                  <a:schemeClr val="bg1"/>
+                </a:solidFill>
+              </a:rPr>
+              <a:t>	Project Lombok Configuration</a:t>
+            </a:r>
+          </a:p>
+          <a:p>
+            <a:r>
+              <a:rPr lang="en-US" b="1" dirty="0">
+                <a:solidFill>
+                  <a:schemeClr val="bg1"/>
+                </a:solidFill>
+              </a:rPr>
+              <a:t>	Project Lombok Examples</a:t>
+            </a:r>
+          </a:p>
+          <a:p>
+            <a:r>
+              <a:rPr lang="en-US" b="1">
+                <a:solidFill>
+                  <a:schemeClr val="bg1"/>
+                </a:solidFill>
+              </a:rPr>
+              <a:t>Spring MVC</a:t>
+            </a:r>
             <a:endParaRPr lang="en-US" b="1" dirty="0">
               <a:solidFill>
                 <a:schemeClr val="bg1"/>
               </a:solidFill>
             </a:endParaRPr>
-          </a:p>
-          <a:p>
-            <a:r>
-              <a:rPr lang="en-US" b="1" dirty="0">
-                <a:solidFill>
-                  <a:schemeClr val="bg1"/>
-                </a:solidFill>
-              </a:rPr>
-              <a:t>	Spring MVC	</a:t>
-            </a:r>
           </a:p>
         </p:txBody>
       </p:sp>

--- a/training/day4/Day4.pptx
+++ b/training/day4/Day4.pptx
@@ -5,30 +5,28 @@
     <p:sldMasterId id="2147483648" r:id="rId1"/>
   </p:sldMasterIdLst>
   <p:notesMasterIdLst>
-    <p:notesMasterId r:id="rId23"/>
+    <p:notesMasterId r:id="rId21"/>
   </p:notesMasterIdLst>
   <p:sldIdLst>
     <p:sldId id="414" r:id="rId2"/>
     <p:sldId id="415" r:id="rId3"/>
     <p:sldId id="416" r:id="rId4"/>
-    <p:sldId id="417" r:id="rId5"/>
-    <p:sldId id="418" r:id="rId6"/>
-    <p:sldId id="419" r:id="rId7"/>
-    <p:sldId id="425" r:id="rId8"/>
-    <p:sldId id="420" r:id="rId9"/>
-    <p:sldId id="421" r:id="rId10"/>
-    <p:sldId id="423" r:id="rId11"/>
-    <p:sldId id="422" r:id="rId12"/>
-    <p:sldId id="426" r:id="rId13"/>
-    <p:sldId id="427" r:id="rId14"/>
-    <p:sldId id="424" r:id="rId15"/>
-    <p:sldId id="432" r:id="rId16"/>
-    <p:sldId id="435" r:id="rId17"/>
-    <p:sldId id="436" r:id="rId18"/>
-    <p:sldId id="433" r:id="rId19"/>
-    <p:sldId id="437" r:id="rId20"/>
-    <p:sldId id="434" r:id="rId21"/>
-    <p:sldId id="438" r:id="rId22"/>
+    <p:sldId id="419" r:id="rId5"/>
+    <p:sldId id="425" r:id="rId6"/>
+    <p:sldId id="420" r:id="rId7"/>
+    <p:sldId id="421" r:id="rId8"/>
+    <p:sldId id="422" r:id="rId9"/>
+    <p:sldId id="426" r:id="rId10"/>
+    <p:sldId id="427" r:id="rId11"/>
+    <p:sldId id="423" r:id="rId12"/>
+    <p:sldId id="424" r:id="rId13"/>
+    <p:sldId id="432" r:id="rId14"/>
+    <p:sldId id="435" r:id="rId15"/>
+    <p:sldId id="436" r:id="rId16"/>
+    <p:sldId id="433" r:id="rId17"/>
+    <p:sldId id="437" r:id="rId18"/>
+    <p:sldId id="434" r:id="rId19"/>
+    <p:sldId id="438" r:id="rId20"/>
   </p:sldIdLst>
   <p:sldSz cx="12192000" cy="6858000"/>
   <p:notesSz cx="6858000" cy="9144000"/>
@@ -217,7 +215,7 @@
           <a:p>
             <a:fld id="{F15A6252-5F50-4106-9C23-9E03A675631E}" type="datetimeFigureOut">
               <a:rPr lang="en-IN" smtClean="0"/>
-              <a:t>04-05-2020</a:t>
+              <a:t>07-05-2020</a:t>
             </a:fld>
             <a:endParaRPr lang="en-IN"/>
           </a:p>
@@ -634,7 +632,7 @@
           <a:p>
             <a:fld id="{4086692B-153F-4DFE-BFBD-A2AE2C7443B6}" type="datetimeFigureOut">
               <a:rPr lang="en-IN" smtClean="0"/>
-              <a:t>04-05-2020</a:t>
+              <a:t>07-05-2020</a:t>
             </a:fld>
             <a:endParaRPr lang="en-IN"/>
           </a:p>
@@ -834,7 +832,7 @@
           <a:p>
             <a:fld id="{4086692B-153F-4DFE-BFBD-A2AE2C7443B6}" type="datetimeFigureOut">
               <a:rPr lang="en-IN" smtClean="0"/>
-              <a:t>04-05-2020</a:t>
+              <a:t>07-05-2020</a:t>
             </a:fld>
             <a:endParaRPr lang="en-IN"/>
           </a:p>
@@ -1044,7 +1042,7 @@
           <a:p>
             <a:fld id="{4086692B-153F-4DFE-BFBD-A2AE2C7443B6}" type="datetimeFigureOut">
               <a:rPr lang="en-IN" smtClean="0"/>
-              <a:t>04-05-2020</a:t>
+              <a:t>07-05-2020</a:t>
             </a:fld>
             <a:endParaRPr lang="en-IN"/>
           </a:p>
@@ -1244,7 +1242,7 @@
           <a:p>
             <a:fld id="{4086692B-153F-4DFE-BFBD-A2AE2C7443B6}" type="datetimeFigureOut">
               <a:rPr lang="en-IN" smtClean="0"/>
-              <a:t>04-05-2020</a:t>
+              <a:t>07-05-2020</a:t>
             </a:fld>
             <a:endParaRPr lang="en-IN"/>
           </a:p>
@@ -1520,7 +1518,7 @@
           <a:p>
             <a:fld id="{4086692B-153F-4DFE-BFBD-A2AE2C7443B6}" type="datetimeFigureOut">
               <a:rPr lang="en-IN" smtClean="0"/>
-              <a:t>04-05-2020</a:t>
+              <a:t>07-05-2020</a:t>
             </a:fld>
             <a:endParaRPr lang="en-IN"/>
           </a:p>
@@ -1788,7 +1786,7 @@
           <a:p>
             <a:fld id="{4086692B-153F-4DFE-BFBD-A2AE2C7443B6}" type="datetimeFigureOut">
               <a:rPr lang="en-IN" smtClean="0"/>
-              <a:t>04-05-2020</a:t>
+              <a:t>07-05-2020</a:t>
             </a:fld>
             <a:endParaRPr lang="en-IN"/>
           </a:p>
@@ -2203,7 +2201,7 @@
           <a:p>
             <a:fld id="{4086692B-153F-4DFE-BFBD-A2AE2C7443B6}" type="datetimeFigureOut">
               <a:rPr lang="en-IN" smtClean="0"/>
-              <a:t>04-05-2020</a:t>
+              <a:t>07-05-2020</a:t>
             </a:fld>
             <a:endParaRPr lang="en-IN"/>
           </a:p>
@@ -2345,7 +2343,7 @@
           <a:p>
             <a:fld id="{4086692B-153F-4DFE-BFBD-A2AE2C7443B6}" type="datetimeFigureOut">
               <a:rPr lang="en-IN" smtClean="0"/>
-              <a:t>04-05-2020</a:t>
+              <a:t>07-05-2020</a:t>
             </a:fld>
             <a:endParaRPr lang="en-IN"/>
           </a:p>
@@ -2458,7 +2456,7 @@
           <a:p>
             <a:fld id="{4086692B-153F-4DFE-BFBD-A2AE2C7443B6}" type="datetimeFigureOut">
               <a:rPr lang="en-IN" smtClean="0"/>
-              <a:t>04-05-2020</a:t>
+              <a:t>07-05-2020</a:t>
             </a:fld>
             <a:endParaRPr lang="en-IN"/>
           </a:p>
@@ -2771,7 +2769,7 @@
           <a:p>
             <a:fld id="{4086692B-153F-4DFE-BFBD-A2AE2C7443B6}" type="datetimeFigureOut">
               <a:rPr lang="en-IN" smtClean="0"/>
-              <a:t>04-05-2020</a:t>
+              <a:t>07-05-2020</a:t>
             </a:fld>
             <a:endParaRPr lang="en-IN"/>
           </a:p>
@@ -3060,7 +3058,7 @@
           <a:p>
             <a:fld id="{4086692B-153F-4DFE-BFBD-A2AE2C7443B6}" type="datetimeFigureOut">
               <a:rPr lang="en-IN" smtClean="0"/>
-              <a:t>04-05-2020</a:t>
+              <a:t>07-05-2020</a:t>
             </a:fld>
             <a:endParaRPr lang="en-IN"/>
           </a:p>
@@ -3303,7 +3301,7 @@
           <a:p>
             <a:fld id="{4086692B-153F-4DFE-BFBD-A2AE2C7443B6}" type="datetimeFigureOut">
               <a:rPr lang="en-IN" smtClean="0"/>
-              <a:t>04-05-2020</a:t>
+              <a:t>07-05-2020</a:t>
             </a:fld>
             <a:endParaRPr lang="en-IN"/>
           </a:p>
@@ -4069,7 +4067,7 @@
                 </a:solidFill>
                 <a:latin typeface="+mn-lt"/>
               </a:rPr>
-              <a:t>Circuit Breaker</a:t>
+              <a:t>Retry – Not a great idea always</a:t>
             </a:r>
             <a:endParaRPr lang="en-IN" dirty="0">
               <a:solidFill>
@@ -4095,7 +4093,7 @@
         <p:spPr>
           <a:xfrm>
             <a:off x="838200" y="1779687"/>
-            <a:ext cx="10515600" cy="2031325"/>
+            <a:ext cx="10515600" cy="4247317"/>
           </a:xfrm>
           <a:prstGeom prst="rect">
             <a:avLst/>
@@ -4114,7 +4112,7 @@
                   <a:schemeClr val="bg1"/>
                 </a:solidFill>
               </a:rPr>
-              <a:t>Refer microservices-employee-catalog service</a:t>
+              <a:t>A -&gt; B -&gt; C -&gt; D</a:t>
             </a:r>
           </a:p>
           <a:p>
@@ -4131,17 +4129,7 @@
                   <a:schemeClr val="bg1"/>
                 </a:solidFill>
               </a:rPr>
-              <a:t>D:\PraiseTheLord\HSBGInfotech\Others\vilas\microservices\training\4\CircuitBreaker</a:t>
-            </a:r>
-          </a:p>
-          <a:p>
-            <a:r>
-              <a:rPr lang="en-US" b="1" dirty="0">
-                <a:solidFill>
-                  <a:schemeClr val="bg1"/>
-                </a:solidFill>
-              </a:rPr>
-              <a:t>\Instructions.txt</a:t>
+              <a:t>If each of them are configured for 3 retries and D fails consistently</a:t>
             </a:r>
           </a:p>
           <a:p>
@@ -4152,6 +4140,26 @@
             </a:endParaRPr>
           </a:p>
           <a:p>
+            <a:r>
+              <a:rPr lang="en-US" b="1" dirty="0">
+                <a:solidFill>
+                  <a:schemeClr val="bg1"/>
+                </a:solidFill>
+              </a:rPr>
+              <a:t>so B will face 3x load, C — 9x and D — 27x!. </a:t>
+            </a:r>
+          </a:p>
+          <a:p>
+            <a:r>
+              <a:rPr lang="en-US" b="1" dirty="0">
+                <a:solidFill>
+                  <a:schemeClr val="bg1"/>
+                </a:solidFill>
+              </a:rPr>
+              <a:t>This will create a storm of requests.</a:t>
+            </a:r>
+          </a:p>
+          <a:p>
             <a:endParaRPr lang="en-US" b="1" dirty="0">
               <a:solidFill>
                 <a:schemeClr val="bg1"/>
@@ -4159,18 +4167,129 @@
             </a:endParaRPr>
           </a:p>
           <a:p>
-            <a:endParaRPr lang="en-US" b="1" dirty="0">
-              <a:solidFill>
-                <a:schemeClr val="bg1"/>
-              </a:solidFill>
-            </a:endParaRPr>
+            <a:r>
+              <a:rPr lang="en-US" b="1" dirty="0">
+                <a:solidFill>
+                  <a:schemeClr val="bg1"/>
+                </a:solidFill>
+              </a:rPr>
+              <a:t>Solution:</a:t>
+            </a:r>
+          </a:p>
+          <a:p>
+            <a:r>
+              <a:rPr lang="en-US" b="1" dirty="0">
+                <a:solidFill>
+                  <a:schemeClr val="bg1"/>
+                </a:solidFill>
+              </a:rPr>
+              <a:t>	Distinguish </a:t>
+            </a:r>
+            <a:r>
+              <a:rPr lang="en-US" b="1" dirty="0" err="1">
+                <a:solidFill>
+                  <a:schemeClr val="bg1"/>
+                </a:solidFill>
+              </a:rPr>
+              <a:t>retryable</a:t>
+            </a:r>
+            <a:r>
+              <a:rPr lang="en-US" b="1" dirty="0">
+                <a:solidFill>
+                  <a:schemeClr val="bg1"/>
+                </a:solidFill>
+              </a:rPr>
+              <a:t> errors from non-</a:t>
+            </a:r>
+            <a:r>
+              <a:rPr lang="en-US" b="1" dirty="0" err="1">
+                <a:solidFill>
+                  <a:schemeClr val="bg1"/>
+                </a:solidFill>
+              </a:rPr>
+              <a:t>retryable</a:t>
+            </a:r>
+            <a:r>
+              <a:rPr lang="en-US" b="1" dirty="0">
+                <a:solidFill>
+                  <a:schemeClr val="bg1"/>
+                </a:solidFill>
+              </a:rPr>
+              <a:t>. </a:t>
+            </a:r>
+          </a:p>
+          <a:p>
+            <a:r>
+              <a:rPr lang="en-US" b="1" dirty="0">
+                <a:solidFill>
+                  <a:schemeClr val="bg1"/>
+                </a:solidFill>
+              </a:rPr>
+              <a:t>	It’s pointless to retry all request, </a:t>
+            </a:r>
+          </a:p>
+          <a:p>
+            <a:r>
+              <a:rPr lang="en-US" b="1" dirty="0">
+                <a:solidFill>
+                  <a:schemeClr val="bg1"/>
+                </a:solidFill>
+              </a:rPr>
+              <a:t>		when user doesn’t have permissions or payload doesn’t structured properly. </a:t>
+            </a:r>
+          </a:p>
+          <a:p>
+            <a:r>
+              <a:rPr lang="en-US" b="1" dirty="0">
+                <a:solidFill>
+                  <a:schemeClr val="bg1"/>
+                </a:solidFill>
+              </a:rPr>
+              <a:t>	Adopt error budgeting — </a:t>
+            </a:r>
+          </a:p>
+          <a:p>
+            <a:r>
+              <a:rPr lang="en-US" b="1" dirty="0">
+                <a:solidFill>
+                  <a:schemeClr val="bg1"/>
+                </a:solidFill>
+              </a:rPr>
+              <a:t>		Say 3 retries in D fails, A should stop making request. This could be 2</a:t>
+            </a:r>
+            <a:r>
+              <a:rPr lang="en-US" b="1" baseline="30000" dirty="0">
+                <a:solidFill>
+                  <a:schemeClr val="bg1"/>
+                </a:solidFill>
+              </a:rPr>
+              <a:t>nd</a:t>
+            </a:r>
+            <a:r>
+              <a:rPr lang="en-US" b="1" dirty="0">
+                <a:solidFill>
+                  <a:schemeClr val="bg1"/>
+                </a:solidFill>
+              </a:rPr>
+              <a:t> request of A though.</a:t>
+            </a:r>
+          </a:p>
+          <a:p>
+            <a:r>
+              <a:rPr lang="en-US" b="1" dirty="0">
+                <a:solidFill>
+                  <a:schemeClr val="bg1"/>
+                </a:solidFill>
+              </a:rPr>
+              <a:t>	Isn’t that similar to Circuit breaker???</a:t>
+            </a:r>
           </a:p>
         </p:txBody>
       </p:sp>
     </p:spTree>
     <p:extLst>
       <p:ext uri="{BB962C8B-B14F-4D97-AF65-F5344CB8AC3E}">
-        <p14:creationId xmlns:p14="http://schemas.microsoft.com/office/powerpoint/2010/main" val="2057979376"/>
+        <p14:creationId xmlns:p14="http://schemas.microsoft.com/office/powerpoint/2010/main" val="770807598"/>
       </p:ext>
     </p:extLst>
   </p:cSld>
@@ -4241,7 +4360,7 @@
                 </a:solidFill>
                 <a:latin typeface="+mn-lt"/>
               </a:rPr>
-              <a:t>Retry</a:t>
+              <a:t>Circuit Breaker</a:t>
             </a:r>
             <a:endParaRPr lang="en-IN" dirty="0">
               <a:solidFill>
@@ -4267,7 +4386,7 @@
         <p:spPr>
           <a:xfrm>
             <a:off x="838200" y="1779687"/>
-            <a:ext cx="10515600" cy="2862322"/>
+            <a:ext cx="10515600" cy="2031325"/>
           </a:xfrm>
           <a:prstGeom prst="rect">
             <a:avLst/>
@@ -4286,7 +4405,7 @@
                   <a:schemeClr val="bg1"/>
                 </a:solidFill>
               </a:rPr>
-              <a:t>Similar to restart computer</a:t>
+              <a:t>Refer microservices-employee-catalog service</a:t>
             </a:r>
           </a:p>
           <a:p>
@@ -4303,107 +4422,93 @@
                   <a:schemeClr val="bg1"/>
                 </a:solidFill>
               </a:rPr>
-              <a:t>Spring-retry </a:t>
-            </a:r>
-          </a:p>
-          <a:p>
-            <a:r>
-              <a:rPr lang="en-US" b="1" dirty="0">
-                <a:solidFill>
-                  <a:schemeClr val="bg1"/>
-                </a:solidFill>
-              </a:rPr>
-              <a:t>	from spring family is another utility module which can help us in handle the retry of any specific operation with standard fashion. </a:t>
-            </a:r>
-          </a:p>
-          <a:p>
-            <a:r>
-              <a:rPr lang="en-US" b="1" dirty="0">
-                <a:solidFill>
-                  <a:schemeClr val="bg1"/>
-                </a:solidFill>
-              </a:rPr>
-              <a:t>	</a:t>
-            </a:r>
-          </a:p>
-          <a:p>
-            <a:r>
-              <a:rPr lang="en-US" b="1" dirty="0">
-                <a:solidFill>
-                  <a:schemeClr val="bg1"/>
-                </a:solidFill>
-              </a:rPr>
-              <a:t>2.1. Spring retry annotations</a:t>
-            </a:r>
-          </a:p>
-          <a:p>
-            <a:r>
-              <a:rPr lang="en-US" b="1" dirty="0">
-                <a:solidFill>
-                  <a:schemeClr val="bg1"/>
-                </a:solidFill>
-              </a:rPr>
-              <a:t>	@</a:t>
-            </a:r>
-            <a:r>
-              <a:rPr lang="en-US" b="1" dirty="0" err="1">
-                <a:solidFill>
-                  <a:schemeClr val="bg1"/>
-                </a:solidFill>
-              </a:rPr>
-              <a:t>EnableRetry</a:t>
-            </a:r>
-            <a:r>
-              <a:rPr lang="en-US" b="1" dirty="0">
-                <a:solidFill>
-                  <a:schemeClr val="bg1"/>
-                </a:solidFill>
-              </a:rPr>
-              <a:t> – to enable spring retry in spring boot project</a:t>
-            </a:r>
-          </a:p>
-          <a:p>
-            <a:r>
-              <a:rPr lang="en-US" b="1" dirty="0">
-                <a:solidFill>
-                  <a:schemeClr val="bg1"/>
-                </a:solidFill>
-              </a:rPr>
-              <a:t>	@</a:t>
-            </a:r>
-            <a:r>
-              <a:rPr lang="en-US" b="1" dirty="0" err="1">
-                <a:solidFill>
-                  <a:schemeClr val="bg1"/>
-                </a:solidFill>
-              </a:rPr>
-              <a:t>Retryable</a:t>
-            </a:r>
-            <a:r>
-              <a:rPr lang="en-US" b="1" dirty="0">
-                <a:solidFill>
-                  <a:schemeClr val="bg1"/>
-                </a:solidFill>
-              </a:rPr>
-              <a:t> – to indicate any method to be a candidate of retry</a:t>
-            </a:r>
-          </a:p>
-          <a:p>
-            <a:r>
-              <a:rPr lang="en-US" b="1" dirty="0">
-                <a:solidFill>
-                  <a:schemeClr val="bg1"/>
-                </a:solidFill>
-              </a:rPr>
-              <a:t>	@Recover – to specify fallback method!</a:t>
-            </a:r>
-          </a:p>
-        </p:txBody>
-      </p:sp>
+              <a:t>D:\PraiseTheLord\HSBGInfotech\Others\vilas\microservices\training\4\CircuitBreaker</a:t>
+            </a:r>
+          </a:p>
+          <a:p>
+            <a:r>
+              <a:rPr lang="en-US" b="1" dirty="0">
+                <a:solidFill>
+                  <a:schemeClr val="bg1"/>
+                </a:solidFill>
+              </a:rPr>
+              <a:t>\Instructions.txt</a:t>
+            </a:r>
+          </a:p>
+          <a:p>
+            <a:endParaRPr lang="en-US" b="1" dirty="0">
+              <a:solidFill>
+                <a:schemeClr val="bg1"/>
+              </a:solidFill>
+            </a:endParaRPr>
+          </a:p>
+          <a:p>
+            <a:endParaRPr lang="en-US" b="1" dirty="0">
+              <a:solidFill>
+                <a:schemeClr val="bg1"/>
+              </a:solidFill>
+            </a:endParaRPr>
+          </a:p>
+          <a:p>
+            <a:endParaRPr lang="en-US" b="1" dirty="0">
+              <a:solidFill>
+                <a:schemeClr val="bg1"/>
+              </a:solidFill>
+            </a:endParaRPr>
+          </a:p>
+        </p:txBody>
+      </p:sp>
+      <p:pic>
+        <p:nvPicPr>
+          <p:cNvPr id="5" name="Picture 2" descr="Image result for circuit breaker image">
+            <a:extLst>
+              <a:ext uri="{FF2B5EF4-FFF2-40B4-BE49-F238E27FC236}">
+                <a16:creationId xmlns:a16="http://schemas.microsoft.com/office/drawing/2014/main" id="{4D7A8D73-5F37-46FE-ABCA-45198F1FEE1D}"/>
+              </a:ext>
+            </a:extLst>
+          </p:cNvPr>
+          <p:cNvPicPr>
+            <a:picLocks noChangeAspect="1" noChangeArrowheads="1"/>
+          </p:cNvPicPr>
+          <p:nvPr/>
+        </p:nvPicPr>
+        <p:blipFill>
+          <a:blip r:embed="rId2">
+            <a:extLst>
+              <a:ext uri="{28A0092B-C50C-407E-A947-70E740481C1C}">
+                <a14:useLocalDpi xmlns:a14="http://schemas.microsoft.com/office/drawing/2010/main" val="0"/>
+              </a:ext>
+            </a:extLst>
+          </a:blip>
+          <a:srcRect/>
+          <a:stretch>
+            <a:fillRect/>
+          </a:stretch>
+        </p:blipFill>
+        <p:spPr bwMode="auto">
+          <a:xfrm>
+            <a:off x="7260772" y="3495326"/>
+            <a:ext cx="3027589" cy="2308324"/>
+          </a:xfrm>
+          <a:prstGeom prst="rect">
+            <a:avLst/>
+          </a:prstGeom>
+          <a:noFill/>
+          <a:extLst>
+            <a:ext uri="{909E8E84-426E-40DD-AFC4-6F175D3DCCD1}">
+              <a14:hiddenFill xmlns:a14="http://schemas.microsoft.com/office/drawing/2010/main">
+                <a:solidFill>
+                  <a:srgbClr val="FFFFFF"/>
+                </a:solidFill>
+              </a14:hiddenFill>
+            </a:ext>
+          </a:extLst>
+        </p:spPr>
+      </p:pic>
     </p:spTree>
     <p:extLst>
       <p:ext uri="{BB962C8B-B14F-4D97-AF65-F5344CB8AC3E}">
-        <p14:creationId xmlns:p14="http://schemas.microsoft.com/office/powerpoint/2010/main" val="838854125"/>
+        <p14:creationId xmlns:p14="http://schemas.microsoft.com/office/powerpoint/2010/main" val="2057979376"/>
       </p:ext>
     </p:extLst>
   </p:cSld>
@@ -4474,7 +4579,7 @@
                 </a:solidFill>
                 <a:latin typeface="+mn-lt"/>
               </a:rPr>
-              <a:t>Retry</a:t>
+              <a:t>Deadlines/distributed timeouts</a:t>
             </a:r>
             <a:endParaRPr lang="en-IN" dirty="0">
               <a:solidFill>
@@ -4500,7 +4605,7 @@
         <p:spPr>
           <a:xfrm>
             <a:off x="838200" y="1779687"/>
-            <a:ext cx="10515600" cy="1477328"/>
+            <a:ext cx="10515600" cy="3139321"/>
           </a:xfrm>
           <a:prstGeom prst="rect">
             <a:avLst/>
@@ -4519,7 +4624,17 @@
                   <a:schemeClr val="bg1"/>
                 </a:solidFill>
               </a:rPr>
-              <a:t>D:\PraiseTheLord\HSBGInfotech\Others\vilas\microservices\training\4\Retries\Instructions</a:t>
+              <a:t>A -&gt; B -&gt; C -&gt; D</a:t>
+            </a:r>
+          </a:p>
+          <a:p>
+            <a:r>
+              <a:rPr lang="en-US" b="1" dirty="0">
+                <a:solidFill>
+                  <a:schemeClr val="bg1"/>
+                </a:solidFill>
+              </a:rPr>
+              <a:t>If A and B are both waiting for 5 seconds.</a:t>
             </a:r>
           </a:p>
           <a:p>
@@ -4536,7 +4651,7 @@
                   <a:schemeClr val="bg1"/>
                 </a:solidFill>
               </a:rPr>
-              <a:t>Or </a:t>
+              <a:t>If B has already completed waiting for 5 seconds, then there is no point for A to continue  waiting. A should exit in such a case.</a:t>
             </a:r>
           </a:p>
           <a:p>
@@ -4553,15 +4668,52 @@
                   <a:schemeClr val="bg1"/>
                 </a:solidFill>
               </a:rPr>
-              <a:t>https://howtodoinjava.com/spring-boot2/spring-retry-module/</a:t>
-            </a:r>
+              <a:t>This is very complex to implement.</a:t>
+            </a:r>
+          </a:p>
+          <a:p>
+            <a:endParaRPr lang="en-US" b="1" dirty="0">
+              <a:solidFill>
+                <a:schemeClr val="bg1"/>
+              </a:solidFill>
+            </a:endParaRPr>
+          </a:p>
+          <a:p>
+            <a:r>
+              <a:rPr lang="en-US" b="1" dirty="0">
+                <a:solidFill>
+                  <a:schemeClr val="bg1"/>
+                </a:solidFill>
+              </a:rPr>
+              <a:t>More details can be found at </a:t>
+            </a:r>
+          </a:p>
+          <a:p>
+            <a:r>
+              <a:rPr lang="en-IN">
+                <a:hlinkClick r:id="rId2"/>
+              </a:rPr>
+              <a:t>https://itnext.io/5-patterns-to-make-your-microservice-fault-tolerant-f3a1c73547b3</a:t>
+            </a:r>
+            <a:endParaRPr lang="en-US" b="1" dirty="0">
+              <a:solidFill>
+                <a:schemeClr val="bg1"/>
+              </a:solidFill>
+            </a:endParaRPr>
+          </a:p>
+          <a:p>
+            <a:endParaRPr lang="en-US" b="1" dirty="0">
+              <a:solidFill>
+                <a:schemeClr val="bg1"/>
+              </a:solidFill>
+            </a:endParaRPr>
           </a:p>
         </p:txBody>
       </p:sp>
     </p:spTree>
     <p:extLst>
       <p:ext uri="{BB962C8B-B14F-4D97-AF65-F5344CB8AC3E}">
-        <p14:creationId xmlns:p14="http://schemas.microsoft.com/office/powerpoint/2010/main" val="3156689497"/>
+        <p14:creationId xmlns:p14="http://schemas.microsoft.com/office/powerpoint/2010/main" val="1332125838"/>
       </p:ext>
     </p:extLst>
   </p:cSld>
@@ -4632,7 +4784,7 @@
                 </a:solidFill>
                 <a:latin typeface="+mn-lt"/>
               </a:rPr>
-              <a:t>Retry – Not a great idea always</a:t>
+              <a:t>Externalize Configurations</a:t>
             </a:r>
             <a:endParaRPr lang="en-IN" dirty="0">
               <a:solidFill>
@@ -4657,8 +4809,8 @@
         </p:nvSpPr>
         <p:spPr>
           <a:xfrm>
-            <a:off x="838200" y="1779687"/>
-            <a:ext cx="10515600" cy="4247317"/>
+            <a:off x="838200" y="1690688"/>
+            <a:ext cx="10515600" cy="5355312"/>
           </a:xfrm>
           <a:prstGeom prst="rect">
             <a:avLst/>
@@ -4677,10 +4829,230 @@
                   <a:schemeClr val="bg1"/>
                 </a:solidFill>
               </a:rPr>
-              <a:t>A -&gt; B -&gt; C -&gt; D</a:t>
-            </a:r>
-          </a:p>
-          <a:p>
+              <a:t>What is configuration </a:t>
+            </a:r>
+          </a:p>
+          <a:p>
+            <a:r>
+              <a:rPr lang="en-US" b="1" dirty="0">
+                <a:solidFill>
+                  <a:schemeClr val="bg1"/>
+                </a:solidFill>
+              </a:rPr>
+              <a:t>	Traditional best practices: </a:t>
+            </a:r>
+          </a:p>
+          <a:p>
+            <a:r>
+              <a:rPr lang="en-US" b="1" dirty="0">
+                <a:solidFill>
+                  <a:schemeClr val="bg1"/>
+                </a:solidFill>
+              </a:rPr>
+              <a:t>		</a:t>
+            </a:r>
+            <a:r>
+              <a:rPr lang="en-US" b="1" dirty="0" err="1">
+                <a:solidFill>
+                  <a:schemeClr val="bg1"/>
+                </a:solidFill>
+              </a:rPr>
+              <a:t>Seperate</a:t>
+            </a:r>
+            <a:r>
+              <a:rPr lang="en-US" b="1" dirty="0">
+                <a:solidFill>
+                  <a:schemeClr val="bg1"/>
+                </a:solidFill>
+              </a:rPr>
+              <a:t> code and config</a:t>
+            </a:r>
+          </a:p>
+          <a:p>
+            <a:r>
+              <a:rPr lang="en-US" b="1" dirty="0">
+                <a:solidFill>
+                  <a:schemeClr val="bg1"/>
+                </a:solidFill>
+              </a:rPr>
+              <a:t>			</a:t>
+            </a:r>
+            <a:r>
+              <a:rPr lang="en-US" b="1" dirty="0" err="1">
+                <a:solidFill>
+                  <a:schemeClr val="bg1"/>
+                </a:solidFill>
+              </a:rPr>
+              <a:t>db</a:t>
+            </a:r>
+            <a:r>
+              <a:rPr lang="en-US" b="1" dirty="0">
+                <a:solidFill>
+                  <a:schemeClr val="bg1"/>
+                </a:solidFill>
+              </a:rPr>
+              <a:t> connection details.</a:t>
+            </a:r>
+          </a:p>
+          <a:p>
+            <a:r>
+              <a:rPr lang="en-US" b="1" dirty="0">
+                <a:solidFill>
+                  <a:schemeClr val="bg1"/>
+                </a:solidFill>
+              </a:rPr>
+              <a:t>			port, host </a:t>
+            </a:r>
+            <a:r>
+              <a:rPr lang="en-US" b="1" dirty="0" err="1">
+                <a:solidFill>
+                  <a:schemeClr val="bg1"/>
+                </a:solidFill>
+              </a:rPr>
+              <a:t>ect</a:t>
+            </a:r>
+            <a:r>
+              <a:rPr lang="en-US" b="1" dirty="0">
+                <a:solidFill>
+                  <a:schemeClr val="bg1"/>
+                </a:solidFill>
+              </a:rPr>
+              <a:t>..</a:t>
+            </a:r>
+          </a:p>
+          <a:p>
+            <a:r>
+              <a:rPr lang="en-US" b="1" dirty="0">
+                <a:solidFill>
+                  <a:schemeClr val="bg1"/>
+                </a:solidFill>
+              </a:rPr>
+              <a:t>			File names </a:t>
+            </a:r>
+          </a:p>
+          <a:p>
+            <a:r>
+              <a:rPr lang="en-US" b="1" dirty="0">
+                <a:solidFill>
+                  <a:schemeClr val="bg1"/>
+                </a:solidFill>
+              </a:rPr>
+              <a:t>			profiles user details </a:t>
+            </a:r>
+            <a:r>
+              <a:rPr lang="en-US" b="1" dirty="0" err="1">
+                <a:solidFill>
+                  <a:schemeClr val="bg1"/>
+                </a:solidFill>
+              </a:rPr>
+              <a:t>ect</a:t>
+            </a:r>
+            <a:r>
+              <a:rPr lang="en-US" b="1" dirty="0">
+                <a:solidFill>
+                  <a:schemeClr val="bg1"/>
+                </a:solidFill>
+              </a:rPr>
+              <a:t>..</a:t>
+            </a:r>
+          </a:p>
+          <a:p>
+            <a:r>
+              <a:rPr lang="en-US" b="1" dirty="0">
+                <a:solidFill>
+                  <a:schemeClr val="bg1"/>
+                </a:solidFill>
+              </a:rPr>
+              <a:t>			Feature flags.</a:t>
+            </a:r>
+          </a:p>
+          <a:p>
+            <a:r>
+              <a:rPr lang="en-US" b="1" dirty="0">
+                <a:solidFill>
+                  <a:schemeClr val="bg1"/>
+                </a:solidFill>
+              </a:rPr>
+              <a:t>			</a:t>
+            </a:r>
+          </a:p>
+          <a:p>
+            <a:r>
+              <a:rPr lang="en-US" b="1" dirty="0">
+                <a:solidFill>
+                  <a:schemeClr val="bg1"/>
+                </a:solidFill>
+              </a:rPr>
+              <a:t>Don't hard code it</a:t>
+            </a:r>
+          </a:p>
+          <a:p>
+            <a:r>
+              <a:rPr lang="en-US" b="1" dirty="0">
+                <a:solidFill>
+                  <a:schemeClr val="bg1"/>
+                </a:solidFill>
+              </a:rPr>
+              <a:t>	Move it to a configuration file.</a:t>
+            </a:r>
+          </a:p>
+          <a:p>
+            <a:r>
+              <a:rPr lang="en-US" b="1" dirty="0">
+                <a:solidFill>
+                  <a:schemeClr val="bg1"/>
+                </a:solidFill>
+              </a:rPr>
+              <a:t>Make a change</a:t>
+            </a:r>
+          </a:p>
+          <a:p>
+            <a:r>
+              <a:rPr lang="en-US" b="1" dirty="0">
+                <a:solidFill>
+                  <a:schemeClr val="bg1"/>
+                </a:solidFill>
+              </a:rPr>
+              <a:t>	Inject without building.</a:t>
+            </a:r>
+          </a:p>
+          <a:p>
+            <a:r>
+              <a:rPr lang="en-US" b="1" dirty="0">
+                <a:solidFill>
+                  <a:schemeClr val="bg1"/>
+                </a:solidFill>
+              </a:rPr>
+              <a:t>Files supported </a:t>
+            </a:r>
+          </a:p>
+          <a:p>
+            <a:r>
+              <a:rPr lang="en-US" b="1" dirty="0">
+                <a:solidFill>
+                  <a:schemeClr val="bg1"/>
+                </a:solidFill>
+              </a:rPr>
+              <a:t>	.properties</a:t>
+            </a:r>
+          </a:p>
+          <a:p>
+            <a:r>
+              <a:rPr lang="en-US" b="1" dirty="0">
+                <a:solidFill>
+                  <a:schemeClr val="bg1"/>
+                </a:solidFill>
+              </a:rPr>
+              <a:t>	.</a:t>
+            </a:r>
+            <a:r>
+              <a:rPr lang="en-US" b="1" dirty="0" err="1">
+                <a:solidFill>
+                  <a:schemeClr val="bg1"/>
+                </a:solidFill>
+              </a:rPr>
+              <a:t>yaml</a:t>
+            </a:r>
             <a:endParaRPr lang="en-US" b="1" dirty="0">
               <a:solidFill>
                 <a:schemeClr val="bg1"/>
@@ -4694,7 +5066,7 @@
                   <a:schemeClr val="bg1"/>
                 </a:solidFill>
               </a:rPr>
-              <a:t>If each of them are configured for 3 retries and D fails consistently</a:t>
+              <a:t>	.json for some configurations</a:t>
             </a:r>
           </a:p>
           <a:p>
@@ -4705,156 +5077,18 @@
             </a:endParaRPr>
           </a:p>
           <a:p>
-            <a:r>
-              <a:rPr lang="en-US" b="1" dirty="0">
-                <a:solidFill>
-                  <a:schemeClr val="bg1"/>
-                </a:solidFill>
-              </a:rPr>
-              <a:t>so B will face 3x load, C — 9x and D — 27x!. </a:t>
-            </a:r>
-          </a:p>
-          <a:p>
-            <a:r>
-              <a:rPr lang="en-US" b="1" dirty="0">
-                <a:solidFill>
-                  <a:schemeClr val="bg1"/>
-                </a:solidFill>
-              </a:rPr>
-              <a:t>This will create a storm of requests.</a:t>
-            </a:r>
-          </a:p>
-          <a:p>
             <a:endParaRPr lang="en-US" b="1" dirty="0">
               <a:solidFill>
                 <a:schemeClr val="bg1"/>
               </a:solidFill>
             </a:endParaRPr>
           </a:p>
-          <a:p>
-            <a:r>
-              <a:rPr lang="en-US" b="1" dirty="0">
-                <a:solidFill>
-                  <a:schemeClr val="bg1"/>
-                </a:solidFill>
-              </a:rPr>
-              <a:t>Solution:</a:t>
-            </a:r>
-          </a:p>
-          <a:p>
-            <a:r>
-              <a:rPr lang="en-US" b="1" dirty="0">
-                <a:solidFill>
-                  <a:schemeClr val="bg1"/>
-                </a:solidFill>
-              </a:rPr>
-              <a:t>	Distinguish </a:t>
-            </a:r>
-            <a:r>
-              <a:rPr lang="en-US" b="1" dirty="0" err="1">
-                <a:solidFill>
-                  <a:schemeClr val="bg1"/>
-                </a:solidFill>
-              </a:rPr>
-              <a:t>retryable</a:t>
-            </a:r>
-            <a:r>
-              <a:rPr lang="en-US" b="1" dirty="0">
-                <a:solidFill>
-                  <a:schemeClr val="bg1"/>
-                </a:solidFill>
-              </a:rPr>
-              <a:t> errors from non-</a:t>
-            </a:r>
-            <a:r>
-              <a:rPr lang="en-US" b="1" dirty="0" err="1">
-                <a:solidFill>
-                  <a:schemeClr val="bg1"/>
-                </a:solidFill>
-              </a:rPr>
-              <a:t>retryable</a:t>
-            </a:r>
-            <a:r>
-              <a:rPr lang="en-US" b="1" dirty="0">
-                <a:solidFill>
-                  <a:schemeClr val="bg1"/>
-                </a:solidFill>
-              </a:rPr>
-              <a:t>. </a:t>
-            </a:r>
-          </a:p>
-          <a:p>
-            <a:r>
-              <a:rPr lang="en-US" b="1" dirty="0">
-                <a:solidFill>
-                  <a:schemeClr val="bg1"/>
-                </a:solidFill>
-              </a:rPr>
-              <a:t>	It’s pointless to retry all request, </a:t>
-            </a:r>
-          </a:p>
-          <a:p>
-            <a:r>
-              <a:rPr lang="en-US" b="1" dirty="0">
-                <a:solidFill>
-                  <a:schemeClr val="bg1"/>
-                </a:solidFill>
-              </a:rPr>
-              <a:t>		when user doesn’t have permissions or payload doesn’t structured properly. </a:t>
-            </a:r>
-          </a:p>
-          <a:p>
-            <a:r>
-              <a:rPr lang="en-US" b="1" dirty="0">
-                <a:solidFill>
-                  <a:schemeClr val="bg1"/>
-                </a:solidFill>
-              </a:rPr>
-              <a:t>	Adopt error budgeting — </a:t>
-            </a:r>
-          </a:p>
-          <a:p>
-            <a:r>
-              <a:rPr lang="en-US" b="1" dirty="0">
-                <a:solidFill>
-                  <a:schemeClr val="bg1"/>
-                </a:solidFill>
-              </a:rPr>
-              <a:t>		Say 3 retries in D fails, A should stop making request. This could be 2</a:t>
-            </a:r>
-            <a:r>
-              <a:rPr lang="en-US" b="1" baseline="30000" dirty="0">
-                <a:solidFill>
-                  <a:schemeClr val="bg1"/>
-                </a:solidFill>
-              </a:rPr>
-              <a:t>nd</a:t>
-            </a:r>
-            <a:r>
-              <a:rPr lang="en-US" b="1" dirty="0">
-                <a:solidFill>
-                  <a:schemeClr val="bg1"/>
-                </a:solidFill>
-              </a:rPr>
-              <a:t> request of A though.</a:t>
-            </a:r>
-          </a:p>
-          <a:p>
-            <a:r>
-              <a:rPr lang="en-US" b="1" dirty="0">
-                <a:solidFill>
-                  <a:schemeClr val="bg1"/>
-                </a:solidFill>
-              </a:rPr>
-              <a:t>	Isn’t that similar to Circuit breaker???</a:t>
-            </a:r>
-          </a:p>
         </p:txBody>
       </p:sp>
     </p:spTree>
     <p:extLst>
       <p:ext uri="{BB962C8B-B14F-4D97-AF65-F5344CB8AC3E}">
-        <p14:creationId xmlns:p14="http://schemas.microsoft.com/office/powerpoint/2010/main" val="770807598"/>
+        <p14:creationId xmlns:p14="http://schemas.microsoft.com/office/powerpoint/2010/main" val="2813440957"/>
       </p:ext>
     </p:extLst>
   </p:cSld>
@@ -4925,7 +5159,7 @@
                 </a:solidFill>
                 <a:latin typeface="+mn-lt"/>
               </a:rPr>
-              <a:t>Deadlines/distributed timeouts</a:t>
+              <a:t>Externalize Configurations</a:t>
             </a:r>
             <a:endParaRPr lang="en-IN" dirty="0">
               <a:solidFill>
@@ -4950,8 +5184,8 @@
         </p:nvSpPr>
         <p:spPr>
           <a:xfrm>
-            <a:off x="838200" y="1779687"/>
-            <a:ext cx="10515600" cy="3139321"/>
+            <a:off x="859972" y="1625372"/>
+            <a:ext cx="10515600" cy="5355312"/>
           </a:xfrm>
           <a:prstGeom prst="rect">
             <a:avLst/>
@@ -4970,96 +5204,224 @@
                   <a:schemeClr val="bg1"/>
                 </a:solidFill>
               </a:rPr>
-              <a:t>A -&gt; B -&gt; C -&gt; D</a:t>
-            </a:r>
-          </a:p>
-          <a:p>
-            <a:r>
-              <a:rPr lang="en-US" b="1" dirty="0">
-                <a:solidFill>
-                  <a:schemeClr val="bg1"/>
-                </a:solidFill>
-              </a:rPr>
-              <a:t>If A and B are both waiting for 5 seconds.</a:t>
-            </a:r>
-          </a:p>
-          <a:p>
+              <a:t>Why do you need it?</a:t>
+            </a:r>
+          </a:p>
+          <a:p>
+            <a:r>
+              <a:rPr lang="en-US" b="1" dirty="0">
+                <a:solidFill>
+                  <a:schemeClr val="bg1"/>
+                </a:solidFill>
+              </a:rPr>
+              <a:t>	Generally why do you need property files?</a:t>
+            </a:r>
+          </a:p>
+          <a:p>
+            <a:r>
+              <a:rPr lang="en-US" b="1" dirty="0">
+                <a:solidFill>
+                  <a:schemeClr val="bg1"/>
+                </a:solidFill>
+              </a:rPr>
+              <a:t>Additionally in microservices</a:t>
+            </a:r>
+          </a:p>
+          <a:p>
+            <a:r>
+              <a:rPr lang="en-US" b="1" dirty="0">
+                <a:solidFill>
+                  <a:schemeClr val="bg1"/>
+                </a:solidFill>
+              </a:rPr>
+              <a:t>	Multiple microservices</a:t>
+            </a:r>
+          </a:p>
+          <a:p>
+            <a:r>
+              <a:rPr lang="en-US" b="1" dirty="0">
+                <a:solidFill>
+                  <a:schemeClr val="bg1"/>
+                </a:solidFill>
+              </a:rPr>
+              <a:t>	Multiple instances of same service running.</a:t>
+            </a:r>
+          </a:p>
+          <a:p>
+            <a:r>
+              <a:rPr lang="en-US" b="1" dirty="0">
+                <a:solidFill>
+                  <a:schemeClr val="bg1"/>
+                </a:solidFill>
+              </a:rPr>
+              <a:t>		Some created earlier and some latter.</a:t>
+            </a:r>
+          </a:p>
+          <a:p>
+            <a:r>
+              <a:rPr lang="en-US" b="1" dirty="0">
+                <a:solidFill>
+                  <a:schemeClr val="bg1"/>
+                </a:solidFill>
+              </a:rPr>
+              <a:t>Define your microservices externalization goals.</a:t>
+            </a:r>
+          </a:p>
+          <a:p>
+            <a:r>
+              <a:rPr lang="en-US" b="1" dirty="0">
+                <a:solidFill>
+                  <a:schemeClr val="bg1"/>
+                </a:solidFill>
+              </a:rPr>
+              <a:t>A template could be as follows</a:t>
+            </a:r>
+          </a:p>
+          <a:p>
+            <a:r>
+              <a:rPr lang="en-US" b="1" dirty="0">
+                <a:solidFill>
+                  <a:schemeClr val="bg1"/>
+                </a:solidFill>
+              </a:rPr>
+              <a:t>	Externalized</a:t>
+            </a:r>
+          </a:p>
+          <a:p>
+            <a:r>
+              <a:rPr lang="en-US" b="1" dirty="0">
+                <a:solidFill>
+                  <a:schemeClr val="bg1"/>
+                </a:solidFill>
+              </a:rPr>
+              <a:t>		Move the configuration out</a:t>
+            </a:r>
+          </a:p>
+          <a:p>
+            <a:r>
+              <a:rPr lang="en-US" b="1" dirty="0">
+                <a:solidFill>
+                  <a:schemeClr val="bg1"/>
+                </a:solidFill>
+              </a:rPr>
+              <a:t>	Environment specific</a:t>
+            </a:r>
+          </a:p>
+          <a:p>
+            <a:r>
+              <a:rPr lang="en-US" b="1" dirty="0">
+                <a:solidFill>
+                  <a:schemeClr val="bg1"/>
+                </a:solidFill>
+              </a:rPr>
+              <a:t>		</a:t>
+            </a:r>
+            <a:r>
+              <a:rPr lang="en-US" b="1" dirty="0" err="1">
+                <a:solidFill>
+                  <a:schemeClr val="bg1"/>
+                </a:solidFill>
+              </a:rPr>
+              <a:t>db</a:t>
+            </a:r>
+            <a:r>
+              <a:rPr lang="en-US" b="1" dirty="0">
+                <a:solidFill>
+                  <a:schemeClr val="bg1"/>
+                </a:solidFill>
+              </a:rPr>
+              <a:t> string can very in dev, test, stage, production</a:t>
+            </a:r>
+          </a:p>
+          <a:p>
+            <a:r>
+              <a:rPr lang="en-US" b="1" dirty="0">
+                <a:solidFill>
+                  <a:schemeClr val="bg1"/>
+                </a:solidFill>
+              </a:rPr>
+              <a:t>	Consistent</a:t>
+            </a:r>
+          </a:p>
+          <a:p>
+            <a:r>
+              <a:rPr lang="en-US" b="1" dirty="0">
+                <a:solidFill>
+                  <a:schemeClr val="bg1"/>
+                </a:solidFill>
+              </a:rPr>
+              <a:t>		All instances should be referring to same configuring.</a:t>
+            </a:r>
+          </a:p>
+          <a:p>
+            <a:r>
+              <a:rPr lang="en-US" b="1" dirty="0">
+                <a:solidFill>
+                  <a:schemeClr val="bg1"/>
+                </a:solidFill>
+              </a:rPr>
+              <a:t>	Version history</a:t>
+            </a:r>
+          </a:p>
+          <a:p>
+            <a:r>
+              <a:rPr lang="en-US" b="1" dirty="0">
+                <a:solidFill>
+                  <a:schemeClr val="bg1"/>
+                </a:solidFill>
+              </a:rPr>
+              <a:t>		Should be able to track the changes</a:t>
+            </a:r>
+          </a:p>
+          <a:p>
+            <a:r>
+              <a:rPr lang="en-US" b="1" dirty="0">
+                <a:solidFill>
+                  <a:schemeClr val="bg1"/>
+                </a:solidFill>
+              </a:rPr>
+              <a:t>	Real-time management</a:t>
+            </a:r>
+          </a:p>
+          <a:p>
+            <a:r>
+              <a:rPr lang="en-US" b="1" dirty="0">
+                <a:solidFill>
+                  <a:schemeClr val="bg1"/>
+                </a:solidFill>
+              </a:rPr>
+              <a:t>		Say you want to modify the server listening port. </a:t>
+            </a:r>
+          </a:p>
+          <a:p>
+            <a:r>
+              <a:rPr lang="en-US" b="1" dirty="0">
+                <a:solidFill>
+                  <a:schemeClr val="bg1"/>
+                </a:solidFill>
+              </a:rPr>
+              <a:t>		Want to do this with Zero downtime. E.g. </a:t>
+            </a:r>
+            <a:r>
+              <a:rPr lang="en-US" b="1" dirty="0" err="1">
+                <a:solidFill>
+                  <a:schemeClr val="bg1"/>
+                </a:solidFill>
+              </a:rPr>
+              <a:t>threadCount</a:t>
+            </a:r>
             <a:endParaRPr lang="en-US" b="1" dirty="0">
               <a:solidFill>
                 <a:schemeClr val="bg1"/>
               </a:solidFill>
             </a:endParaRPr>
           </a:p>
-          <a:p>
-            <a:r>
-              <a:rPr lang="en-US" b="1" dirty="0">
-                <a:solidFill>
-                  <a:schemeClr val="bg1"/>
-                </a:solidFill>
-              </a:rPr>
-              <a:t>If B has already completed waiting for 5 seconds, then there is no point for A to continue  waiting. A should exit in such a case.</a:t>
-            </a:r>
-          </a:p>
-          <a:p>
-            <a:endParaRPr lang="en-US" b="1" dirty="0">
-              <a:solidFill>
-                <a:schemeClr val="bg1"/>
-              </a:solidFill>
-            </a:endParaRPr>
-          </a:p>
-          <a:p>
-            <a:r>
-              <a:rPr lang="en-US" b="1" dirty="0">
-                <a:solidFill>
-                  <a:schemeClr val="bg1"/>
-                </a:solidFill>
-              </a:rPr>
-              <a:t>This is very complex to implement.</a:t>
-            </a:r>
-          </a:p>
-          <a:p>
-            <a:endParaRPr lang="en-US" b="1" dirty="0">
-              <a:solidFill>
-                <a:schemeClr val="bg1"/>
-              </a:solidFill>
-            </a:endParaRPr>
-          </a:p>
-          <a:p>
-            <a:r>
-              <a:rPr lang="en-US" b="1" dirty="0">
-                <a:solidFill>
-                  <a:schemeClr val="bg1"/>
-                </a:solidFill>
-              </a:rPr>
-              <a:t>More details can be found at </a:t>
-            </a:r>
-          </a:p>
-          <a:p>
-            <a:r>
-              <a:rPr lang="en-IN">
-                <a:hlinkClick r:id="rId2"/>
-              </a:rPr>
-              <a:t>https://itnext.io/5-patterns-to-make-your-microservice-fault-tolerant-f3a1c73547b3</a:t>
-            </a:r>
-            <a:endParaRPr lang="en-US" b="1" dirty="0">
-              <a:solidFill>
-                <a:schemeClr val="bg1"/>
-              </a:solidFill>
-            </a:endParaRPr>
-          </a:p>
-          <a:p>
-            <a:endParaRPr lang="en-US" b="1" dirty="0">
-              <a:solidFill>
-                <a:schemeClr val="bg1"/>
-              </a:solidFill>
-            </a:endParaRPr>
-          </a:p>
         </p:txBody>
       </p:sp>
     </p:spTree>
     <p:extLst>
       <p:ext uri="{BB962C8B-B14F-4D97-AF65-F5344CB8AC3E}">
-        <p14:creationId xmlns:p14="http://schemas.microsoft.com/office/powerpoint/2010/main" val="1332125838"/>
+        <p14:creationId xmlns:p14="http://schemas.microsoft.com/office/powerpoint/2010/main" val="293547756"/>
       </p:ext>
     </p:extLst>
   </p:cSld>
@@ -5155,8 +5517,8 @@
         </p:nvSpPr>
         <p:spPr>
           <a:xfrm>
-            <a:off x="838200" y="1690688"/>
-            <a:ext cx="10515600" cy="5355312"/>
+            <a:off x="859972" y="1625372"/>
+            <a:ext cx="10515600" cy="1754326"/>
           </a:xfrm>
           <a:prstGeom prst="rect">
             <a:avLst/>
@@ -5175,27 +5537,17 @@
                   <a:schemeClr val="bg1"/>
                 </a:solidFill>
               </a:rPr>
-              <a:t>What is configuration </a:t>
-            </a:r>
-          </a:p>
-          <a:p>
-            <a:r>
-              <a:rPr lang="en-US" b="1" dirty="0">
-                <a:solidFill>
-                  <a:schemeClr val="bg1"/>
-                </a:solidFill>
-              </a:rPr>
-              <a:t>	Traditional best practices: </a:t>
-            </a:r>
-          </a:p>
-          <a:p>
-            <a:r>
-              <a:rPr lang="en-US" b="1" dirty="0">
-                <a:solidFill>
-                  <a:schemeClr val="bg1"/>
-                </a:solidFill>
-              </a:rPr>
-              <a:t>		</a:t>
+              <a:t>Property file</a:t>
+            </a:r>
+          </a:p>
+          <a:p>
+            <a:r>
+              <a:rPr lang="en-US" b="1" dirty="0">
+                <a:solidFill>
+                  <a:schemeClr val="bg1"/>
+                </a:solidFill>
+              </a:rPr>
+              <a:t>	</a:t>
             </a:r>
             <a:r>
               <a:rPr lang="en-US" b="1" dirty="0" err="1">
@@ -5203,25 +5555,35 @@
                   <a:schemeClr val="bg1"/>
                 </a:solidFill>
               </a:rPr>
-              <a:t>Seperate</a:t>
-            </a:r>
-            <a:r>
-              <a:rPr lang="en-US" b="1" dirty="0">
-                <a:solidFill>
-                  <a:schemeClr val="bg1"/>
-                </a:solidFill>
-              </a:rPr>
-              <a:t> code and config</a:t>
-            </a:r>
-          </a:p>
-          <a:p>
-            <a:r>
-              <a:rPr lang="en-US" b="1" dirty="0">
-                <a:solidFill>
-                  <a:schemeClr val="bg1"/>
-                </a:solidFill>
-              </a:rPr>
-              <a:t>			</a:t>
+              <a:t>application.properties</a:t>
+            </a:r>
+            <a:r>
+              <a:rPr lang="en-US" b="1" dirty="0">
+                <a:solidFill>
+                  <a:schemeClr val="bg1"/>
+                </a:solidFill>
+              </a:rPr>
+              <a:t> </a:t>
+            </a:r>
+          </a:p>
+          <a:p>
+            <a:r>
+              <a:rPr lang="en-US" b="1" dirty="0">
+                <a:solidFill>
+                  <a:schemeClr val="bg1"/>
+                </a:solidFill>
+              </a:rPr>
+              <a:t>		We have been using it.</a:t>
+            </a:r>
+          </a:p>
+          <a:p>
+            <a:r>
+              <a:rPr lang="en-US" b="1" dirty="0">
+                <a:solidFill>
+                  <a:schemeClr val="bg1"/>
+                </a:solidFill>
+              </a:rPr>
+              <a:t>		Could have been an </a:t>
             </a:r>
             <a:r>
               <a:rPr lang="en-US" b="1" dirty="0" err="1">
@@ -5229,176 +5591,18 @@
                   <a:schemeClr val="bg1"/>
                 </a:solidFill>
               </a:rPr>
-              <a:t>db</a:t>
-            </a:r>
-            <a:r>
-              <a:rPr lang="en-US" b="1" dirty="0">
-                <a:solidFill>
-                  <a:schemeClr val="bg1"/>
-                </a:solidFill>
-              </a:rPr>
-              <a:t> connection details.</a:t>
-            </a:r>
-          </a:p>
-          <a:p>
-            <a:r>
-              <a:rPr lang="en-US" b="1" dirty="0">
-                <a:solidFill>
-                  <a:schemeClr val="bg1"/>
-                </a:solidFill>
-              </a:rPr>
-              <a:t>			port, host </a:t>
-            </a:r>
-            <a:r>
-              <a:rPr lang="en-US" b="1" dirty="0" err="1">
-                <a:solidFill>
-                  <a:schemeClr val="bg1"/>
-                </a:solidFill>
-              </a:rPr>
-              <a:t>ect</a:t>
-            </a:r>
-            <a:r>
-              <a:rPr lang="en-US" b="1" dirty="0">
-                <a:solidFill>
-                  <a:schemeClr val="bg1"/>
-                </a:solidFill>
-              </a:rPr>
-              <a:t>..</a:t>
-            </a:r>
-          </a:p>
-          <a:p>
-            <a:r>
-              <a:rPr lang="en-US" b="1" dirty="0">
-                <a:solidFill>
-                  <a:schemeClr val="bg1"/>
-                </a:solidFill>
-              </a:rPr>
-              <a:t>			File names </a:t>
-            </a:r>
-          </a:p>
-          <a:p>
-            <a:r>
-              <a:rPr lang="en-US" b="1" dirty="0">
-                <a:solidFill>
-                  <a:schemeClr val="bg1"/>
-                </a:solidFill>
-              </a:rPr>
-              <a:t>			profiles user details </a:t>
-            </a:r>
-            <a:r>
-              <a:rPr lang="en-US" b="1" dirty="0" err="1">
-                <a:solidFill>
-                  <a:schemeClr val="bg1"/>
-                </a:solidFill>
-              </a:rPr>
-              <a:t>ect</a:t>
-            </a:r>
-            <a:r>
-              <a:rPr lang="en-US" b="1" dirty="0">
-                <a:solidFill>
-                  <a:schemeClr val="bg1"/>
-                </a:solidFill>
-              </a:rPr>
-              <a:t>..</a:t>
-            </a:r>
-          </a:p>
-          <a:p>
-            <a:r>
-              <a:rPr lang="en-US" b="1" dirty="0">
-                <a:solidFill>
-                  <a:schemeClr val="bg1"/>
-                </a:solidFill>
-              </a:rPr>
-              <a:t>			Feature flags.</a:t>
-            </a:r>
-          </a:p>
-          <a:p>
-            <a:r>
-              <a:rPr lang="en-US" b="1" dirty="0">
-                <a:solidFill>
-                  <a:schemeClr val="bg1"/>
-                </a:solidFill>
-              </a:rPr>
-              <a:t>			</a:t>
-            </a:r>
-          </a:p>
-          <a:p>
-            <a:r>
-              <a:rPr lang="en-US" b="1" dirty="0">
-                <a:solidFill>
-                  <a:schemeClr val="bg1"/>
-                </a:solidFill>
-              </a:rPr>
-              <a:t>Don't hard code it</a:t>
-            </a:r>
-          </a:p>
-          <a:p>
-            <a:r>
-              <a:rPr lang="en-US" b="1" dirty="0">
-                <a:solidFill>
-                  <a:schemeClr val="bg1"/>
-                </a:solidFill>
-              </a:rPr>
-              <a:t>	Move it to a configuration file.</a:t>
-            </a:r>
-          </a:p>
-          <a:p>
-            <a:r>
-              <a:rPr lang="en-US" b="1" dirty="0">
-                <a:solidFill>
-                  <a:schemeClr val="bg1"/>
-                </a:solidFill>
-              </a:rPr>
-              <a:t>Make a change</a:t>
-            </a:r>
-          </a:p>
-          <a:p>
-            <a:r>
-              <a:rPr lang="en-US" b="1" dirty="0">
-                <a:solidFill>
-                  <a:schemeClr val="bg1"/>
-                </a:solidFill>
-              </a:rPr>
-              <a:t>	Inject without building.</a:t>
-            </a:r>
-          </a:p>
-          <a:p>
-            <a:r>
-              <a:rPr lang="en-US" b="1" dirty="0">
-                <a:solidFill>
-                  <a:schemeClr val="bg1"/>
-                </a:solidFill>
-              </a:rPr>
-              <a:t>Files supported </a:t>
-            </a:r>
-          </a:p>
-          <a:p>
-            <a:r>
-              <a:rPr lang="en-US" b="1" dirty="0">
-                <a:solidFill>
-                  <a:schemeClr val="bg1"/>
-                </a:solidFill>
-              </a:rPr>
-              <a:t>	.properties</a:t>
-            </a:r>
-          </a:p>
-          <a:p>
-            <a:r>
-              <a:rPr lang="en-US" b="1" dirty="0">
-                <a:solidFill>
-                  <a:schemeClr val="bg1"/>
-                </a:solidFill>
-              </a:rPr>
-              <a:t>	.</a:t>
-            </a:r>
-            <a:r>
-              <a:rPr lang="en-US" b="1" dirty="0" err="1">
-                <a:solidFill>
-                  <a:schemeClr val="bg1"/>
-                </a:solidFill>
-              </a:rPr>
               <a:t>yaml</a:t>
             </a:r>
+            <a:r>
+              <a:rPr lang="en-US" b="1" dirty="0">
+                <a:solidFill>
+                  <a:schemeClr val="bg1"/>
+                </a:solidFill>
+              </a:rPr>
+              <a:t> file as well.</a:t>
+            </a:r>
+          </a:p>
+          <a:p>
             <a:endParaRPr lang="en-US" b="1" dirty="0">
               <a:solidFill>
                 <a:schemeClr val="bg1"/>
@@ -5412,29 +5616,31 @@
                   <a:schemeClr val="bg1"/>
                 </a:solidFill>
               </a:rPr>
-              <a:t>	.json for some configurations</a:t>
-            </a:r>
-          </a:p>
-          <a:p>
-            <a:endParaRPr lang="en-US" b="1" dirty="0">
-              <a:solidFill>
-                <a:schemeClr val="bg1"/>
-              </a:solidFill>
-            </a:endParaRPr>
-          </a:p>
-          <a:p>
-            <a:endParaRPr lang="en-US" b="1" dirty="0">
-              <a:solidFill>
-                <a:schemeClr val="bg1"/>
-              </a:solidFill>
-            </a:endParaRPr>
+              <a:t>Refer to training\day4\</a:t>
+            </a:r>
+            <a:r>
+              <a:rPr lang="en-US" b="1" dirty="0" err="1">
+                <a:solidFill>
+                  <a:schemeClr val="bg1"/>
+                </a:solidFill>
+              </a:rPr>
+              <a:t>ExternalizingConfiguration</a:t>
+            </a:r>
+            <a:r>
+              <a:rPr lang="en-US" b="1" dirty="0">
+                <a:solidFill>
+                  <a:schemeClr val="bg1"/>
+                </a:solidFill>
+              </a:rPr>
+              <a:t>\InstructionsForValues.txt</a:t>
+            </a:r>
           </a:p>
         </p:txBody>
       </p:sp>
     </p:spTree>
     <p:extLst>
       <p:ext uri="{BB962C8B-B14F-4D97-AF65-F5344CB8AC3E}">
-        <p14:creationId xmlns:p14="http://schemas.microsoft.com/office/powerpoint/2010/main" val="2813440957"/>
+        <p14:creationId xmlns:p14="http://schemas.microsoft.com/office/powerpoint/2010/main" val="2944743986"/>
       </p:ext>
     </p:extLst>
   </p:cSld>
@@ -5505,7 +5711,7 @@
                 </a:solidFill>
                 <a:latin typeface="+mn-lt"/>
               </a:rPr>
-              <a:t>Externalize Configurations</a:t>
+              <a:t>Project Lombok</a:t>
             </a:r>
             <a:endParaRPr lang="en-IN" dirty="0">
               <a:solidFill>
@@ -5530,8 +5736,8 @@
         </p:nvSpPr>
         <p:spPr>
           <a:xfrm>
-            <a:off x="859972" y="1625372"/>
-            <a:ext cx="10515600" cy="5355312"/>
+            <a:off x="838200" y="1779687"/>
+            <a:ext cx="10515600" cy="4801314"/>
           </a:xfrm>
           <a:prstGeom prst="rect">
             <a:avLst/>
@@ -5550,224 +5756,292 @@
                   <a:schemeClr val="bg1"/>
                 </a:solidFill>
               </a:rPr>
-              <a:t>Why do you need it?</a:t>
-            </a:r>
-          </a:p>
-          <a:p>
-            <a:r>
-              <a:rPr lang="en-US" b="1" dirty="0">
-                <a:solidFill>
-                  <a:schemeClr val="bg1"/>
-                </a:solidFill>
-              </a:rPr>
-              <a:t>	Generally why do you need property files?</a:t>
-            </a:r>
-          </a:p>
-          <a:p>
-            <a:r>
-              <a:rPr lang="en-US" b="1" dirty="0">
-                <a:solidFill>
-                  <a:schemeClr val="bg1"/>
-                </a:solidFill>
-              </a:rPr>
-              <a:t>Additionally in microservices</a:t>
-            </a:r>
-          </a:p>
-          <a:p>
-            <a:r>
-              <a:rPr lang="en-US" b="1" dirty="0">
-                <a:solidFill>
-                  <a:schemeClr val="bg1"/>
-                </a:solidFill>
-              </a:rPr>
-              <a:t>	Multiple microservices</a:t>
-            </a:r>
-          </a:p>
-          <a:p>
-            <a:r>
-              <a:rPr lang="en-US" b="1" dirty="0">
-                <a:solidFill>
-                  <a:schemeClr val="bg1"/>
-                </a:solidFill>
-              </a:rPr>
-              <a:t>	Multiple instances of same service running.</a:t>
-            </a:r>
-          </a:p>
-          <a:p>
-            <a:r>
-              <a:rPr lang="en-US" b="1" dirty="0">
-                <a:solidFill>
-                  <a:schemeClr val="bg1"/>
-                </a:solidFill>
-              </a:rPr>
-              <a:t>		Some created earlier and some latter.</a:t>
-            </a:r>
-          </a:p>
-          <a:p>
-            <a:r>
-              <a:rPr lang="en-US" b="1" dirty="0">
-                <a:solidFill>
-                  <a:schemeClr val="bg1"/>
-                </a:solidFill>
-              </a:rPr>
-              <a:t>Define your microservices externalization goals.</a:t>
-            </a:r>
-          </a:p>
-          <a:p>
-            <a:r>
-              <a:rPr lang="en-US" b="1" dirty="0">
-                <a:solidFill>
-                  <a:schemeClr val="bg1"/>
-                </a:solidFill>
-              </a:rPr>
-              <a:t>A template could be as follows</a:t>
-            </a:r>
-          </a:p>
-          <a:p>
-            <a:r>
-              <a:rPr lang="en-US" b="1" dirty="0">
-                <a:solidFill>
-                  <a:schemeClr val="bg1"/>
-                </a:solidFill>
-              </a:rPr>
-              <a:t>	Externalized</a:t>
-            </a:r>
-          </a:p>
-          <a:p>
-            <a:r>
-              <a:rPr lang="en-US" b="1" dirty="0">
-                <a:solidFill>
-                  <a:schemeClr val="bg1"/>
-                </a:solidFill>
-              </a:rPr>
-              <a:t>		Move the configuration out</a:t>
-            </a:r>
-          </a:p>
-          <a:p>
-            <a:r>
-              <a:rPr lang="en-US" b="1" dirty="0">
-                <a:solidFill>
-                  <a:schemeClr val="bg1"/>
-                </a:solidFill>
-              </a:rPr>
-              <a:t>	Environment specific</a:t>
-            </a:r>
-          </a:p>
-          <a:p>
-            <a:r>
-              <a:rPr lang="en-US" b="1" dirty="0">
-                <a:solidFill>
-                  <a:schemeClr val="bg1"/>
-                </a:solidFill>
-              </a:rPr>
-              <a:t>		</a:t>
-            </a:r>
-            <a:r>
-              <a:rPr lang="en-US" b="1" dirty="0" err="1">
-                <a:solidFill>
-                  <a:schemeClr val="bg1"/>
-                </a:solidFill>
-              </a:rPr>
-              <a:t>db</a:t>
-            </a:r>
-            <a:r>
-              <a:rPr lang="en-US" b="1" dirty="0">
-                <a:solidFill>
-                  <a:schemeClr val="bg1"/>
-                </a:solidFill>
-              </a:rPr>
-              <a:t> string can very in dev, test, stage, production</a:t>
-            </a:r>
-          </a:p>
-          <a:p>
-            <a:r>
-              <a:rPr lang="en-US" b="1" dirty="0">
-                <a:solidFill>
-                  <a:schemeClr val="bg1"/>
-                </a:solidFill>
-              </a:rPr>
-              <a:t>	Consistent</a:t>
-            </a:r>
-          </a:p>
-          <a:p>
-            <a:r>
-              <a:rPr lang="en-US" b="1" dirty="0">
-                <a:solidFill>
-                  <a:schemeClr val="bg1"/>
-                </a:solidFill>
-              </a:rPr>
-              <a:t>		All instances should be referring to same configuring.</a:t>
-            </a:r>
-          </a:p>
-          <a:p>
-            <a:r>
-              <a:rPr lang="en-US" b="1" dirty="0">
-                <a:solidFill>
-                  <a:schemeClr val="bg1"/>
-                </a:solidFill>
-              </a:rPr>
-              <a:t>	Version history</a:t>
-            </a:r>
-          </a:p>
-          <a:p>
-            <a:r>
-              <a:rPr lang="en-US" b="1" dirty="0">
-                <a:solidFill>
-                  <a:schemeClr val="bg1"/>
-                </a:solidFill>
-              </a:rPr>
-              <a:t>		Should be able to track the changes</a:t>
-            </a:r>
-          </a:p>
-          <a:p>
-            <a:r>
-              <a:rPr lang="en-US" b="1" dirty="0">
-                <a:solidFill>
-                  <a:schemeClr val="bg1"/>
-                </a:solidFill>
-              </a:rPr>
-              <a:t>	Real-time management</a:t>
-            </a:r>
-          </a:p>
-          <a:p>
-            <a:r>
-              <a:rPr lang="en-US" b="1" dirty="0">
-                <a:solidFill>
-                  <a:schemeClr val="bg1"/>
-                </a:solidFill>
-              </a:rPr>
-              <a:t>		Say you want to modify the server listening port. </a:t>
-            </a:r>
-          </a:p>
-          <a:p>
-            <a:r>
-              <a:rPr lang="en-US" b="1" dirty="0">
-                <a:solidFill>
-                  <a:schemeClr val="bg1"/>
-                </a:solidFill>
-              </a:rPr>
-              <a:t>		Want to do this with Zero downtime. E.g. </a:t>
-            </a:r>
-            <a:r>
-              <a:rPr lang="en-US" b="1" dirty="0" err="1">
-                <a:solidFill>
-                  <a:schemeClr val="bg1"/>
-                </a:solidFill>
-              </a:rPr>
-              <a:t>threadCount</a:t>
-            </a:r>
+              <a:t>Automatically generate </a:t>
+            </a:r>
+            <a:r>
+              <a:rPr lang="en-US" b="1" dirty="0"/>
+              <a:t>java bytecode </a:t>
+            </a:r>
+          </a:p>
+          <a:p>
+            <a:r>
+              <a:rPr lang="en-US" b="1" dirty="0">
+                <a:solidFill>
+                  <a:schemeClr val="bg1"/>
+                </a:solidFill>
+              </a:rPr>
+              <a:t>Based on some small configurations</a:t>
+            </a:r>
+          </a:p>
+          <a:p>
             <a:endParaRPr lang="en-US" b="1" dirty="0">
               <a:solidFill>
                 <a:schemeClr val="bg1"/>
               </a:solidFill>
             </a:endParaRPr>
           </a:p>
+          <a:p>
+            <a:r>
+              <a:rPr lang="en-US" b="1" dirty="0">
+                <a:solidFill>
+                  <a:schemeClr val="bg1"/>
+                </a:solidFill>
+              </a:rPr>
+              <a:t>Some of the important code that can be auto-generated</a:t>
+            </a:r>
+          </a:p>
+          <a:p>
+            <a:r>
+              <a:rPr lang="en-US" b="1" dirty="0">
+                <a:solidFill>
+                  <a:schemeClr val="bg1"/>
+                </a:solidFill>
+              </a:rPr>
+              <a:t>	@</a:t>
+            </a:r>
+            <a:r>
+              <a:rPr lang="en-US" b="1" dirty="0" err="1">
+                <a:solidFill>
+                  <a:schemeClr val="bg1"/>
+                </a:solidFill>
+              </a:rPr>
+              <a:t>NonNull</a:t>
+            </a:r>
+            <a:endParaRPr lang="en-US" b="1" dirty="0">
+              <a:solidFill>
+                <a:schemeClr val="bg1"/>
+              </a:solidFill>
+            </a:endParaRPr>
+          </a:p>
+          <a:p>
+            <a:r>
+              <a:rPr lang="en-US" b="1" dirty="0">
+                <a:solidFill>
+                  <a:schemeClr val="bg1"/>
+                </a:solidFill>
+              </a:rPr>
+              <a:t>		Ensure that code doesn't throw NPE.</a:t>
+            </a:r>
+          </a:p>
+          <a:p>
+            <a:r>
+              <a:rPr lang="en-US" b="1" dirty="0">
+                <a:solidFill>
+                  <a:schemeClr val="bg1"/>
+                </a:solidFill>
+              </a:rPr>
+              <a:t>	@Getter/@Setter</a:t>
+            </a:r>
+          </a:p>
+          <a:p>
+            <a:r>
+              <a:rPr lang="en-US" b="1" dirty="0">
+                <a:solidFill>
+                  <a:schemeClr val="bg1"/>
+                </a:solidFill>
+              </a:rPr>
+              <a:t>		Generate getter/setter methods.</a:t>
+            </a:r>
+          </a:p>
+          <a:p>
+            <a:r>
+              <a:rPr lang="en-US" b="1" dirty="0">
+                <a:solidFill>
+                  <a:schemeClr val="bg1"/>
+                </a:solidFill>
+              </a:rPr>
+              <a:t>	@</a:t>
+            </a:r>
+            <a:r>
+              <a:rPr lang="en-US" b="1" dirty="0" err="1">
+                <a:solidFill>
+                  <a:schemeClr val="bg1"/>
+                </a:solidFill>
+              </a:rPr>
+              <a:t>ToString</a:t>
+            </a:r>
+            <a:endParaRPr lang="en-US" b="1" dirty="0">
+              <a:solidFill>
+                <a:schemeClr val="bg1"/>
+              </a:solidFill>
+            </a:endParaRPr>
+          </a:p>
+          <a:p>
+            <a:r>
+              <a:rPr lang="en-US" b="1" dirty="0">
+                <a:solidFill>
+                  <a:schemeClr val="bg1"/>
+                </a:solidFill>
+              </a:rPr>
+              <a:t>		Generate to string </a:t>
+            </a:r>
+          </a:p>
+          <a:p>
+            <a:r>
+              <a:rPr lang="en-US" b="1" dirty="0">
+                <a:solidFill>
+                  <a:schemeClr val="bg1"/>
+                </a:solidFill>
+              </a:rPr>
+              <a:t>	@</a:t>
+            </a:r>
+            <a:r>
+              <a:rPr lang="en-US" b="1" dirty="0" err="1">
+                <a:solidFill>
+                  <a:schemeClr val="bg1"/>
+                </a:solidFill>
+              </a:rPr>
+              <a:t>EqualsAndHashCode</a:t>
+            </a:r>
+            <a:endParaRPr lang="en-US" b="1" dirty="0">
+              <a:solidFill>
+                <a:schemeClr val="bg1"/>
+              </a:solidFill>
+            </a:endParaRPr>
+          </a:p>
+          <a:p>
+            <a:r>
+              <a:rPr lang="en-US" b="1" dirty="0">
+                <a:solidFill>
+                  <a:schemeClr val="bg1"/>
+                </a:solidFill>
+              </a:rPr>
+              <a:t>		Generates </a:t>
+            </a:r>
+            <a:r>
+              <a:rPr lang="en-US" b="1" dirty="0" err="1">
+                <a:solidFill>
+                  <a:schemeClr val="bg1"/>
+                </a:solidFill>
+              </a:rPr>
+              <a:t>hashCode</a:t>
+            </a:r>
+            <a:r>
+              <a:rPr lang="en-US" b="1" dirty="0">
+                <a:solidFill>
+                  <a:schemeClr val="bg1"/>
+                </a:solidFill>
+              </a:rPr>
+              <a:t> and equals implementations from the fields of your object..</a:t>
+            </a:r>
+          </a:p>
+          <a:p>
+            <a:r>
+              <a:rPr lang="en-US" b="1" dirty="0">
+                <a:solidFill>
+                  <a:schemeClr val="bg1"/>
+                </a:solidFill>
+              </a:rPr>
+              <a:t>	@</a:t>
+            </a:r>
+            <a:r>
+              <a:rPr lang="en-US" b="1" dirty="0" err="1">
+                <a:solidFill>
+                  <a:schemeClr val="bg1"/>
+                </a:solidFill>
+              </a:rPr>
+              <a:t>NoArgsConstructor</a:t>
+            </a:r>
+            <a:r>
+              <a:rPr lang="en-US" b="1" dirty="0">
+                <a:solidFill>
+                  <a:schemeClr val="bg1"/>
+                </a:solidFill>
+              </a:rPr>
+              <a:t>, and @</a:t>
+            </a:r>
+            <a:r>
+              <a:rPr lang="en-US" b="1" dirty="0" err="1">
+                <a:solidFill>
+                  <a:schemeClr val="bg1"/>
+                </a:solidFill>
+              </a:rPr>
+              <a:t>AllArgsConstructor</a:t>
+            </a:r>
+            <a:endParaRPr lang="en-US" b="1" dirty="0">
+              <a:solidFill>
+                <a:schemeClr val="bg1"/>
+              </a:solidFill>
+            </a:endParaRPr>
+          </a:p>
+          <a:p>
+            <a:r>
+              <a:rPr lang="en-US" b="1" dirty="0">
+                <a:solidFill>
+                  <a:schemeClr val="bg1"/>
+                </a:solidFill>
+              </a:rPr>
+              <a:t>		Constructors made to order: </a:t>
+            </a:r>
+          </a:p>
+          <a:p>
+            <a:r>
+              <a:rPr lang="en-US" b="1" dirty="0">
+                <a:solidFill>
+                  <a:schemeClr val="bg1"/>
+                </a:solidFill>
+              </a:rPr>
+              <a:t>		Generates </a:t>
+            </a:r>
+          </a:p>
+          <a:p>
+            <a:r>
+              <a:rPr lang="en-US" b="1" dirty="0">
+                <a:solidFill>
+                  <a:schemeClr val="bg1"/>
+                </a:solidFill>
+              </a:rPr>
+              <a:t>			no </a:t>
+            </a:r>
+            <a:r>
+              <a:rPr lang="en-US" b="1" dirty="0" err="1">
+                <a:solidFill>
+                  <a:schemeClr val="bg1"/>
+                </a:solidFill>
+              </a:rPr>
+              <a:t>args</a:t>
+            </a:r>
+            <a:r>
+              <a:rPr lang="en-US" b="1" dirty="0">
+                <a:solidFill>
+                  <a:schemeClr val="bg1"/>
+                </a:solidFill>
+              </a:rPr>
+              <a:t> constructors </a:t>
+            </a:r>
+          </a:p>
+          <a:p>
+            <a:r>
+              <a:rPr lang="en-US" b="1" dirty="0">
+                <a:solidFill>
+                  <a:schemeClr val="bg1"/>
+                </a:solidFill>
+              </a:rPr>
+              <a:t>			one argument per final / non-</a:t>
+            </a:r>
+            <a:r>
+              <a:rPr lang="en-US" b="1" dirty="0" err="1">
+                <a:solidFill>
+                  <a:schemeClr val="bg1"/>
+                </a:solidFill>
+              </a:rPr>
+              <a:t>nullfield</a:t>
+            </a:r>
+            <a:r>
+              <a:rPr lang="en-US" b="1" dirty="0">
+                <a:solidFill>
+                  <a:schemeClr val="bg1"/>
+                </a:solidFill>
+              </a:rPr>
+              <a:t>, or one argument for every field.</a:t>
+            </a:r>
+          </a:p>
         </p:txBody>
       </p:sp>
     </p:spTree>
     <p:extLst>
       <p:ext uri="{BB962C8B-B14F-4D97-AF65-F5344CB8AC3E}">
-        <p14:creationId xmlns:p14="http://schemas.microsoft.com/office/powerpoint/2010/main" val="293547756"/>
+        <p14:creationId xmlns:p14="http://schemas.microsoft.com/office/powerpoint/2010/main" val="1278523540"/>
       </p:ext>
     </p:extLst>
   </p:cSld>
@@ -5838,7 +6112,7 @@
                 </a:solidFill>
                 <a:latin typeface="+mn-lt"/>
               </a:rPr>
-              <a:t>Externalize Configurations</a:t>
+              <a:t>Project Lombok</a:t>
             </a:r>
             <a:endParaRPr lang="en-IN" dirty="0">
               <a:solidFill>
@@ -5863,8 +6137,8 @@
         </p:nvSpPr>
         <p:spPr>
           <a:xfrm>
-            <a:off x="859972" y="1625372"/>
-            <a:ext cx="10515600" cy="1754326"/>
+            <a:off x="838200" y="1779687"/>
+            <a:ext cx="10515600" cy="3693319"/>
           </a:xfrm>
           <a:prstGeom prst="rect">
             <a:avLst/>
@@ -5877,78 +6151,6 @@
           </a:bodyPr>
           <a:lstStyle/>
           <a:p>
-            <a:r>
-              <a:rPr lang="en-US" b="1" dirty="0">
-                <a:solidFill>
-                  <a:schemeClr val="bg1"/>
-                </a:solidFill>
-              </a:rPr>
-              <a:t>Property file</a:t>
-            </a:r>
-          </a:p>
-          <a:p>
-            <a:r>
-              <a:rPr lang="en-US" b="1" dirty="0">
-                <a:solidFill>
-                  <a:schemeClr val="bg1"/>
-                </a:solidFill>
-              </a:rPr>
-              <a:t>	</a:t>
-            </a:r>
-            <a:r>
-              <a:rPr lang="en-US" b="1" dirty="0" err="1">
-                <a:solidFill>
-                  <a:schemeClr val="bg1"/>
-                </a:solidFill>
-              </a:rPr>
-              <a:t>application.properties</a:t>
-            </a:r>
-            <a:r>
-              <a:rPr lang="en-US" b="1" dirty="0">
-                <a:solidFill>
-                  <a:schemeClr val="bg1"/>
-                </a:solidFill>
-              </a:rPr>
-              <a:t> </a:t>
-            </a:r>
-          </a:p>
-          <a:p>
-            <a:r>
-              <a:rPr lang="en-US" b="1" dirty="0">
-                <a:solidFill>
-                  <a:schemeClr val="bg1"/>
-                </a:solidFill>
-              </a:rPr>
-              <a:t>		We have been using it.</a:t>
-            </a:r>
-          </a:p>
-          <a:p>
-            <a:r>
-              <a:rPr lang="en-US" b="1" dirty="0">
-                <a:solidFill>
-                  <a:schemeClr val="bg1"/>
-                </a:solidFill>
-              </a:rPr>
-              <a:t>		Could have been an </a:t>
-            </a:r>
-            <a:r>
-              <a:rPr lang="en-US" b="1" dirty="0" err="1">
-                <a:solidFill>
-                  <a:schemeClr val="bg1"/>
-                </a:solidFill>
-              </a:rPr>
-              <a:t>yaml</a:t>
-            </a:r>
-            <a:r>
-              <a:rPr lang="en-US" b="1" dirty="0">
-                <a:solidFill>
-                  <a:schemeClr val="bg1"/>
-                </a:solidFill>
-              </a:rPr>
-              <a:t> file as well.</a:t>
-            </a:r>
-          </a:p>
-          <a:p>
             <a:endParaRPr lang="en-US" b="1" dirty="0">
               <a:solidFill>
                 <a:schemeClr val="bg1"/>
@@ -5962,7 +6164,27 @@
                   <a:schemeClr val="bg1"/>
                 </a:solidFill>
               </a:rPr>
-              <a:t>Refer to training\day4\</a:t>
+              <a:t>	@Data</a:t>
+            </a:r>
+          </a:p>
+          <a:p>
+            <a:r>
+              <a:rPr lang="en-US" b="1" dirty="0">
+                <a:solidFill>
+                  <a:schemeClr val="bg1"/>
+                </a:solidFill>
+              </a:rPr>
+              <a:t>	A shortcut for </a:t>
+            </a:r>
+          </a:p>
+          <a:p>
+            <a:r>
+              <a:rPr lang="en-US" b="1" dirty="0">
+                <a:solidFill>
+                  <a:schemeClr val="bg1"/>
+                </a:solidFill>
+              </a:rPr>
+              <a:t>			@</a:t>
             </a:r>
             <a:r>
               <a:rPr lang="en-US" b="1" dirty="0" err="1">
@@ -5970,15 +6192,150 @@
                   <a:schemeClr val="bg1"/>
                 </a:solidFill>
               </a:rPr>
-              <a:t>ExternalizingConfiguration</a:t>
-            </a:r>
-            <a:r>
-              <a:rPr lang="en-US" b="1" dirty="0">
-                <a:solidFill>
-                  <a:schemeClr val="bg1"/>
-                </a:solidFill>
-              </a:rPr>
-              <a:t>\InstructionsForValues.txt</a:t>
+              <a:t>ToString</a:t>
+            </a:r>
+            <a:r>
+              <a:rPr lang="en-US" b="1" dirty="0">
+                <a:solidFill>
+                  <a:schemeClr val="bg1"/>
+                </a:solidFill>
+              </a:rPr>
+              <a:t>, </a:t>
+            </a:r>
+          </a:p>
+          <a:p>
+            <a:r>
+              <a:rPr lang="en-US" b="1" dirty="0">
+                <a:solidFill>
+                  <a:schemeClr val="bg1"/>
+                </a:solidFill>
+              </a:rPr>
+              <a:t>			@</a:t>
+            </a:r>
+            <a:r>
+              <a:rPr lang="en-US" b="1" dirty="0" err="1">
+                <a:solidFill>
+                  <a:schemeClr val="bg1"/>
+                </a:solidFill>
+              </a:rPr>
+              <a:t>EqualsAndHashCode</a:t>
+            </a:r>
+            <a:r>
+              <a:rPr lang="en-US" b="1" dirty="0">
+                <a:solidFill>
+                  <a:schemeClr val="bg1"/>
+                </a:solidFill>
+              </a:rPr>
+              <a:t>, </a:t>
+            </a:r>
+          </a:p>
+          <a:p>
+            <a:r>
+              <a:rPr lang="en-US" b="1" dirty="0">
+                <a:solidFill>
+                  <a:schemeClr val="bg1"/>
+                </a:solidFill>
+              </a:rPr>
+              <a:t>			@Getter on all fields, </a:t>
+            </a:r>
+          </a:p>
+          <a:p>
+            <a:r>
+              <a:rPr lang="en-US" b="1" dirty="0">
+                <a:solidFill>
+                  <a:schemeClr val="bg1"/>
+                </a:solidFill>
+              </a:rPr>
+              <a:t>			and @Setter on all non-final fields, and @</a:t>
+            </a:r>
+            <a:r>
+              <a:rPr lang="en-US" b="1" dirty="0" err="1">
+                <a:solidFill>
+                  <a:schemeClr val="bg1"/>
+                </a:solidFill>
+              </a:rPr>
+              <a:t>RequiredArgsConstructor</a:t>
+            </a:r>
+            <a:r>
+              <a:rPr lang="en-US" b="1" dirty="0">
+                <a:solidFill>
+                  <a:schemeClr val="bg1"/>
+                </a:solidFill>
+              </a:rPr>
+              <a:t>!</a:t>
+            </a:r>
+          </a:p>
+          <a:p>
+            <a:r>
+              <a:rPr lang="en-US" b="1" dirty="0">
+                <a:solidFill>
+                  <a:schemeClr val="bg1"/>
+                </a:solidFill>
+              </a:rPr>
+              <a:t>	@Value</a:t>
+            </a:r>
+          </a:p>
+          <a:p>
+            <a:r>
+              <a:rPr lang="en-US" b="1" dirty="0">
+                <a:solidFill>
+                  <a:schemeClr val="bg1"/>
+                </a:solidFill>
+              </a:rPr>
+              <a:t>		Immutable classes </a:t>
+            </a:r>
+          </a:p>
+          <a:p>
+            <a:r>
+              <a:rPr lang="en-US" b="1" dirty="0">
+                <a:solidFill>
+                  <a:schemeClr val="bg1"/>
+                </a:solidFill>
+              </a:rPr>
+              <a:t>	@Synchronized</a:t>
+            </a:r>
+          </a:p>
+          <a:p>
+            <a:r>
+              <a:rPr lang="en-US" b="1" dirty="0">
+                <a:solidFill>
+                  <a:schemeClr val="bg1"/>
+                </a:solidFill>
+              </a:rPr>
+              <a:t>		synchronized done right: Don't expose your locks.</a:t>
+            </a:r>
+          </a:p>
+          <a:p>
+            <a:endParaRPr lang="en-US" b="1" dirty="0">
+              <a:solidFill>
+                <a:schemeClr val="bg1"/>
+              </a:solidFill>
+            </a:endParaRPr>
+          </a:p>
+          <a:p>
+            <a:r>
+              <a:rPr lang="en-US" b="1" dirty="0">
+                <a:solidFill>
+                  <a:schemeClr val="bg1"/>
+                </a:solidFill>
+              </a:rPr>
+              <a:t>Refer day4\</a:t>
+            </a:r>
+            <a:r>
+              <a:rPr lang="en-US" b="1" dirty="0" err="1">
+                <a:solidFill>
+                  <a:schemeClr val="bg1"/>
+                </a:solidFill>
+              </a:rPr>
+              <a:t>ProjectLombok</a:t>
+            </a:r>
+            <a:r>
+              <a:rPr lang="en-US" b="1" dirty="0">
+                <a:solidFill>
+                  <a:schemeClr val="bg1"/>
+                </a:solidFill>
+              </a:rPr>
+              <a:t>\InstructionsForLombok.txt</a:t>
             </a:r>
           </a:p>
         </p:txBody>
@@ -5986,7 +6343,7 @@
     </p:spTree>
     <p:extLst>
       <p:ext uri="{BB962C8B-B14F-4D97-AF65-F5344CB8AC3E}">
-        <p14:creationId xmlns:p14="http://schemas.microsoft.com/office/powerpoint/2010/main" val="2944743986"/>
+        <p14:creationId xmlns:p14="http://schemas.microsoft.com/office/powerpoint/2010/main" val="2729303244"/>
       </p:ext>
     </p:extLst>
   </p:cSld>
@@ -6057,7 +6414,7 @@
                 </a:solidFill>
                 <a:latin typeface="+mn-lt"/>
               </a:rPr>
-              <a:t>Project Lombok</a:t>
+              <a:t>MVC</a:t>
             </a:r>
             <a:endParaRPr lang="en-IN" dirty="0">
               <a:solidFill>
@@ -6082,8 +6439,8 @@
         </p:nvSpPr>
         <p:spPr>
           <a:xfrm>
-            <a:off x="838200" y="1779687"/>
-            <a:ext cx="10515600" cy="4801314"/>
+            <a:off x="838200" y="1910315"/>
+            <a:ext cx="10515600" cy="646331"/>
           </a:xfrm>
           <a:prstGeom prst="rect">
             <a:avLst/>
@@ -6096,30 +6453,6 @@
           </a:bodyPr>
           <a:lstStyle/>
           <a:p>
-            <a:r>
-              <a:rPr lang="en-US" b="1" dirty="0">
-                <a:solidFill>
-                  <a:schemeClr val="bg1"/>
-                </a:solidFill>
-              </a:rPr>
-              <a:t>Automatically generate </a:t>
-            </a:r>
-            <a:r>
-              <a:rPr lang="en-US" b="1" dirty="0"/>
-              <a:t>java bytecode </a:t>
-            </a:r>
-          </a:p>
-          <a:p>
-            <a:r>
-              <a:rPr lang="en-US" b="1" dirty="0">
-                <a:solidFill>
-                  <a:schemeClr val="bg1"/>
-                </a:solidFill>
-              </a:rPr>
-              <a:t>Based on some small configurations</a:t>
-            </a:r>
-          </a:p>
-          <a:p>
             <a:endParaRPr lang="en-US" b="1" dirty="0">
               <a:solidFill>
                 <a:schemeClr val="bg1"/>
@@ -6127,267 +6460,65 @@
             </a:endParaRPr>
           </a:p>
           <a:p>
-            <a:r>
-              <a:rPr lang="en-US" b="1" dirty="0">
-                <a:solidFill>
-                  <a:schemeClr val="bg1"/>
-                </a:solidFill>
-              </a:rPr>
-              <a:t>Some of the important code that can be auto-generated</a:t>
-            </a:r>
-          </a:p>
-          <a:p>
-            <a:r>
-              <a:rPr lang="en-US" b="1" dirty="0">
-                <a:solidFill>
-                  <a:schemeClr val="bg1"/>
-                </a:solidFill>
-              </a:rPr>
-              <a:t>	@</a:t>
-            </a:r>
-            <a:r>
-              <a:rPr lang="en-US" b="1" dirty="0" err="1">
-                <a:solidFill>
-                  <a:schemeClr val="bg1"/>
-                </a:solidFill>
-              </a:rPr>
-              <a:t>NonNull</a:t>
-            </a:r>
             <a:endParaRPr lang="en-US" b="1" dirty="0">
               <a:solidFill>
                 <a:schemeClr val="bg1"/>
               </a:solidFill>
             </a:endParaRPr>
           </a:p>
-          <a:p>
-            <a:r>
-              <a:rPr lang="en-US" b="1" dirty="0">
-                <a:solidFill>
-                  <a:schemeClr val="bg1"/>
-                </a:solidFill>
-              </a:rPr>
-              <a:t>		Ensure that code doesn't throw NPE.</a:t>
-            </a:r>
-          </a:p>
-          <a:p>
-            <a:r>
-              <a:rPr lang="en-US" b="1" dirty="0">
-                <a:solidFill>
-                  <a:schemeClr val="bg1"/>
-                </a:solidFill>
-              </a:rPr>
-              <a:t>	@Getter/@Setter</a:t>
-            </a:r>
-          </a:p>
-          <a:p>
-            <a:r>
-              <a:rPr lang="en-US" b="1" dirty="0">
-                <a:solidFill>
-                  <a:schemeClr val="bg1"/>
-                </a:solidFill>
-              </a:rPr>
-              <a:t>		Generate getter/setter methods.</a:t>
-            </a:r>
-          </a:p>
-          <a:p>
-            <a:r>
-              <a:rPr lang="en-US" b="1" dirty="0">
-                <a:solidFill>
-                  <a:schemeClr val="bg1"/>
-                </a:solidFill>
-              </a:rPr>
-              <a:t>	@</a:t>
-            </a:r>
-            <a:r>
-              <a:rPr lang="en-US" b="1" dirty="0" err="1">
-                <a:solidFill>
-                  <a:schemeClr val="bg1"/>
-                </a:solidFill>
-              </a:rPr>
-              <a:t>ToString</a:t>
-            </a:r>
-            <a:endParaRPr lang="en-US" b="1" dirty="0">
-              <a:solidFill>
-                <a:schemeClr val="bg1"/>
-              </a:solidFill>
-            </a:endParaRPr>
-          </a:p>
-          <a:p>
-            <a:r>
-              <a:rPr lang="en-US" b="1" dirty="0">
-                <a:solidFill>
-                  <a:schemeClr val="bg1"/>
-                </a:solidFill>
-              </a:rPr>
-              <a:t>		Generate to string </a:t>
-            </a:r>
-          </a:p>
-          <a:p>
-            <a:r>
-              <a:rPr lang="en-US" b="1" dirty="0">
-                <a:solidFill>
-                  <a:schemeClr val="bg1"/>
-                </a:solidFill>
-              </a:rPr>
-              <a:t>	@</a:t>
-            </a:r>
-            <a:r>
-              <a:rPr lang="en-US" b="1" dirty="0" err="1">
-                <a:solidFill>
-                  <a:schemeClr val="bg1"/>
-                </a:solidFill>
-              </a:rPr>
-              <a:t>EqualsAndHashCode</a:t>
-            </a:r>
-            <a:endParaRPr lang="en-US" b="1" dirty="0">
-              <a:solidFill>
-                <a:schemeClr val="bg1"/>
-              </a:solidFill>
-            </a:endParaRPr>
-          </a:p>
-          <a:p>
-            <a:r>
-              <a:rPr lang="en-US" b="1" dirty="0">
-                <a:solidFill>
-                  <a:schemeClr val="bg1"/>
-                </a:solidFill>
-              </a:rPr>
-              <a:t>		Generates </a:t>
-            </a:r>
-            <a:r>
-              <a:rPr lang="en-US" b="1" dirty="0" err="1">
-                <a:solidFill>
-                  <a:schemeClr val="bg1"/>
-                </a:solidFill>
-              </a:rPr>
-              <a:t>hashCode</a:t>
-            </a:r>
-            <a:r>
-              <a:rPr lang="en-US" b="1" dirty="0">
-                <a:solidFill>
-                  <a:schemeClr val="bg1"/>
-                </a:solidFill>
-              </a:rPr>
-              <a:t> and equals implementations from the fields of your object..</a:t>
-            </a:r>
-          </a:p>
-          <a:p>
-            <a:r>
-              <a:rPr lang="en-US" b="1" dirty="0">
-                <a:solidFill>
-                  <a:schemeClr val="bg1"/>
-                </a:solidFill>
-              </a:rPr>
-              <a:t>	@</a:t>
-            </a:r>
-            <a:r>
-              <a:rPr lang="en-US" b="1" dirty="0" err="1">
-                <a:solidFill>
-                  <a:schemeClr val="bg1"/>
-                </a:solidFill>
-              </a:rPr>
-              <a:t>NoArgsConstructor</a:t>
-            </a:r>
-            <a:r>
-              <a:rPr lang="en-US" b="1" dirty="0">
-                <a:solidFill>
-                  <a:schemeClr val="bg1"/>
-                </a:solidFill>
-              </a:rPr>
-              <a:t>, and @</a:t>
-            </a:r>
-            <a:r>
-              <a:rPr lang="en-US" b="1" dirty="0" err="1">
-                <a:solidFill>
-                  <a:schemeClr val="bg1"/>
-                </a:solidFill>
-              </a:rPr>
-              <a:t>AllArgsConstructor</a:t>
-            </a:r>
-            <a:endParaRPr lang="en-US" b="1" dirty="0">
-              <a:solidFill>
-                <a:schemeClr val="bg1"/>
-              </a:solidFill>
-            </a:endParaRPr>
-          </a:p>
-          <a:p>
-            <a:r>
-              <a:rPr lang="en-US" b="1" dirty="0">
-                <a:solidFill>
-                  <a:schemeClr val="bg1"/>
-                </a:solidFill>
-              </a:rPr>
-              <a:t>		Constructors made to order: </a:t>
-            </a:r>
-          </a:p>
-          <a:p>
-            <a:r>
-              <a:rPr lang="en-US" b="1" dirty="0">
-                <a:solidFill>
-                  <a:schemeClr val="bg1"/>
-                </a:solidFill>
-              </a:rPr>
-              <a:t>		Generates </a:t>
-            </a:r>
-          </a:p>
-          <a:p>
-            <a:r>
-              <a:rPr lang="en-US" b="1" dirty="0">
-                <a:solidFill>
-                  <a:schemeClr val="bg1"/>
-                </a:solidFill>
-              </a:rPr>
-              <a:t>			no </a:t>
-            </a:r>
-            <a:r>
-              <a:rPr lang="en-US" b="1" dirty="0" err="1">
-                <a:solidFill>
-                  <a:schemeClr val="bg1"/>
-                </a:solidFill>
-              </a:rPr>
-              <a:t>args</a:t>
-            </a:r>
-            <a:r>
-              <a:rPr lang="en-US" b="1" dirty="0">
-                <a:solidFill>
-                  <a:schemeClr val="bg1"/>
-                </a:solidFill>
-              </a:rPr>
-              <a:t> constructors </a:t>
-            </a:r>
-          </a:p>
-          <a:p>
-            <a:r>
-              <a:rPr lang="en-US" b="1" dirty="0">
-                <a:solidFill>
-                  <a:schemeClr val="bg1"/>
-                </a:solidFill>
-              </a:rPr>
-              <a:t>			one argument per final / non-</a:t>
-            </a:r>
-            <a:r>
-              <a:rPr lang="en-US" b="1" dirty="0" err="1">
-                <a:solidFill>
-                  <a:schemeClr val="bg1"/>
-                </a:solidFill>
-              </a:rPr>
-              <a:t>nullfield</a:t>
-            </a:r>
-            <a:r>
-              <a:rPr lang="en-US" b="1" dirty="0">
-                <a:solidFill>
-                  <a:schemeClr val="bg1"/>
-                </a:solidFill>
-              </a:rPr>
-              <a:t>, or one argument for every field.</a:t>
-            </a:r>
-          </a:p>
-        </p:txBody>
-      </p:sp>
+        </p:txBody>
+      </p:sp>
+      <p:pic>
+        <p:nvPicPr>
+          <p:cNvPr id="1026" name="Picture 2" descr="Model View Controller">
+            <a:extLst>
+              <a:ext uri="{FF2B5EF4-FFF2-40B4-BE49-F238E27FC236}">
+                <a16:creationId xmlns:a16="http://schemas.microsoft.com/office/drawing/2014/main" id="{135C88FA-EA89-442A-8B97-B27E6BD5BDAE}"/>
+              </a:ext>
+            </a:extLst>
+          </p:cNvPr>
+          <p:cNvPicPr>
+            <a:picLocks noChangeAspect="1" noChangeArrowheads="1"/>
+          </p:cNvPicPr>
+          <p:nvPr/>
+        </p:nvPicPr>
+        <p:blipFill>
+          <a:blip r:embed="rId2">
+            <a:extLst>
+              <a:ext uri="{28A0092B-C50C-407E-A947-70E740481C1C}">
+                <a14:useLocalDpi xmlns:a14="http://schemas.microsoft.com/office/drawing/2010/main" val="0"/>
+              </a:ext>
+            </a:extLst>
+          </a:blip>
+          <a:srcRect/>
+          <a:stretch>
+            <a:fillRect/>
+          </a:stretch>
+        </p:blipFill>
+        <p:spPr bwMode="auto">
+          <a:xfrm>
+            <a:off x="1153885" y="1690688"/>
+            <a:ext cx="9851571" cy="4623025"/>
+          </a:xfrm>
+          <a:prstGeom prst="rect">
+            <a:avLst/>
+          </a:prstGeom>
+          <a:noFill/>
+          <a:extLst>
+            <a:ext uri="{909E8E84-426E-40DD-AFC4-6F175D3DCCD1}">
+              <a14:hiddenFill xmlns:a14="http://schemas.microsoft.com/office/drawing/2010/main">
+                <a:solidFill>
+                  <a:srgbClr val="FFFFFF"/>
+                </a:solidFill>
+              </a14:hiddenFill>
+            </a:ext>
+          </a:extLst>
+        </p:spPr>
+      </p:pic>
     </p:spTree>
     <p:extLst>
       <p:ext uri="{BB962C8B-B14F-4D97-AF65-F5344CB8AC3E}">
-        <p14:creationId xmlns:p14="http://schemas.microsoft.com/office/powerpoint/2010/main" val="1278523540"/>
+        <p14:creationId xmlns:p14="http://schemas.microsoft.com/office/powerpoint/2010/main" val="2184563566"/>
       </p:ext>
     </p:extLst>
   </p:cSld>
@@ -6458,7 +6589,7 @@
                 </a:solidFill>
                 <a:latin typeface="+mn-lt"/>
               </a:rPr>
-              <a:t>Project Lombok</a:t>
+              <a:t>MVC</a:t>
             </a:r>
             <a:endParaRPr lang="en-IN" dirty="0">
               <a:solidFill>
@@ -6483,8 +6614,8 @@
         </p:nvSpPr>
         <p:spPr>
           <a:xfrm>
-            <a:off x="838200" y="1779687"/>
-            <a:ext cx="10515600" cy="3693319"/>
+            <a:off x="729343" y="1779687"/>
+            <a:ext cx="10515600" cy="4247317"/>
           </a:xfrm>
           <a:prstGeom prst="rect">
             <a:avLst/>
@@ -6497,6 +6628,136 @@
           </a:bodyPr>
           <a:lstStyle/>
           <a:p>
+            <a:r>
+              <a:rPr lang="en-US" b="1" dirty="0">
+                <a:solidFill>
+                  <a:schemeClr val="bg1"/>
+                </a:solidFill>
+              </a:rPr>
+              <a:t>Model:</a:t>
+            </a:r>
+          </a:p>
+          <a:p>
+            <a:r>
+              <a:rPr lang="en-US" b="1" dirty="0">
+                <a:solidFill>
+                  <a:schemeClr val="bg1"/>
+                </a:solidFill>
+              </a:rPr>
+              <a:t>	Corresponds to all the data-related logic that the user works with. </a:t>
+            </a:r>
+          </a:p>
+          <a:p>
+            <a:r>
+              <a:rPr lang="en-US" b="1" dirty="0">
+                <a:solidFill>
+                  <a:schemeClr val="bg1"/>
+                </a:solidFill>
+              </a:rPr>
+              <a:t>		Can represent either the data that is being transferred </a:t>
+            </a:r>
+          </a:p>
+          <a:p>
+            <a:r>
+              <a:rPr lang="en-US" b="1" dirty="0">
+                <a:solidFill>
+                  <a:schemeClr val="bg1"/>
+                </a:solidFill>
+              </a:rPr>
+              <a:t>		between the View and Controller components </a:t>
+            </a:r>
+          </a:p>
+          <a:p>
+            <a:r>
+              <a:rPr lang="en-US" b="1" dirty="0">
+                <a:solidFill>
+                  <a:schemeClr val="bg1"/>
+                </a:solidFill>
+              </a:rPr>
+              <a:t>	or </a:t>
+            </a:r>
+          </a:p>
+          <a:p>
+            <a:r>
+              <a:rPr lang="en-US" b="1" dirty="0">
+                <a:solidFill>
+                  <a:schemeClr val="bg1"/>
+                </a:solidFill>
+              </a:rPr>
+              <a:t>		other business logic-related data.</a:t>
+            </a:r>
+          </a:p>
+          <a:p>
+            <a:r>
+              <a:rPr lang="en-US" b="1" dirty="0">
+                <a:solidFill>
+                  <a:schemeClr val="bg1"/>
+                </a:solidFill>
+              </a:rPr>
+              <a:t>View</a:t>
+            </a:r>
+          </a:p>
+          <a:p>
+            <a:r>
+              <a:rPr lang="en-US" b="1" dirty="0">
+                <a:solidFill>
+                  <a:schemeClr val="bg1"/>
+                </a:solidFill>
+              </a:rPr>
+              <a:t>	Used for all the UI logic of the application. </a:t>
+            </a:r>
+          </a:p>
+          <a:p>
+            <a:r>
+              <a:rPr lang="en-US" b="1" dirty="0">
+                <a:solidFill>
+                  <a:schemeClr val="bg1"/>
+                </a:solidFill>
+              </a:rPr>
+              <a:t>Controller</a:t>
+            </a:r>
+          </a:p>
+          <a:p>
+            <a:r>
+              <a:rPr lang="en-US" b="1" dirty="0">
+                <a:solidFill>
+                  <a:schemeClr val="bg1"/>
+                </a:solidFill>
+              </a:rPr>
+              <a:t>	Acts as an interface between Model and View components </a:t>
+            </a:r>
+          </a:p>
+          <a:p>
+            <a:r>
+              <a:rPr lang="en-US" b="1" dirty="0">
+                <a:solidFill>
+                  <a:schemeClr val="bg1"/>
+                </a:solidFill>
+              </a:rPr>
+              <a:t>	to process all the business logic and </a:t>
+            </a:r>
+          </a:p>
+          <a:p>
+            <a:r>
+              <a:rPr lang="en-US" b="1" dirty="0">
+                <a:solidFill>
+                  <a:schemeClr val="bg1"/>
+                </a:solidFill>
+              </a:rPr>
+              <a:t>	incoming requests, manipulate data using the Model component and </a:t>
+            </a:r>
+          </a:p>
+          <a:p>
+            <a:r>
+              <a:rPr lang="en-US" b="1" dirty="0">
+                <a:solidFill>
+                  <a:schemeClr val="bg1"/>
+                </a:solidFill>
+              </a:rPr>
+              <a:t>	interact with the Views to render the final output. </a:t>
+            </a:r>
+          </a:p>
+          <a:p>
             <a:endParaRPr lang="en-US" b="1" dirty="0">
               <a:solidFill>
                 <a:schemeClr val="bg1"/>
@@ -6510,27 +6771,7 @@
                   <a:schemeClr val="bg1"/>
                 </a:solidFill>
               </a:rPr>
-              <a:t>	@Data</a:t>
-            </a:r>
-          </a:p>
-          <a:p>
-            <a:r>
-              <a:rPr lang="en-US" b="1" dirty="0">
-                <a:solidFill>
-                  <a:schemeClr val="bg1"/>
-                </a:solidFill>
-              </a:rPr>
-              <a:t>	A shortcut for </a:t>
-            </a:r>
-          </a:p>
-          <a:p>
-            <a:r>
-              <a:rPr lang="en-US" b="1" dirty="0">
-                <a:solidFill>
-                  <a:schemeClr val="bg1"/>
-                </a:solidFill>
-              </a:rPr>
-              <a:t>			@</a:t>
+              <a:t>Refer training\day4\</a:t>
             </a:r>
             <a:r>
               <a:rPr lang="en-US" b="1" dirty="0" err="1">
@@ -6538,150 +6779,15 @@
                   <a:schemeClr val="bg1"/>
                 </a:solidFill>
               </a:rPr>
-              <a:t>ToString</a:t>
-            </a:r>
-            <a:r>
-              <a:rPr lang="en-US" b="1" dirty="0">
-                <a:solidFill>
-                  <a:schemeClr val="bg1"/>
-                </a:solidFill>
-              </a:rPr>
-              <a:t>, </a:t>
-            </a:r>
-          </a:p>
-          <a:p>
-            <a:r>
-              <a:rPr lang="en-US" b="1" dirty="0">
-                <a:solidFill>
-                  <a:schemeClr val="bg1"/>
-                </a:solidFill>
-              </a:rPr>
-              <a:t>			@</a:t>
-            </a:r>
-            <a:r>
-              <a:rPr lang="en-US" b="1" dirty="0" err="1">
-                <a:solidFill>
-                  <a:schemeClr val="bg1"/>
-                </a:solidFill>
-              </a:rPr>
-              <a:t>EqualsAndHashCode</a:t>
-            </a:r>
-            <a:r>
-              <a:rPr lang="en-US" b="1" dirty="0">
-                <a:solidFill>
-                  <a:schemeClr val="bg1"/>
-                </a:solidFill>
-              </a:rPr>
-              <a:t>, </a:t>
-            </a:r>
-          </a:p>
-          <a:p>
-            <a:r>
-              <a:rPr lang="en-US" b="1" dirty="0">
-                <a:solidFill>
-                  <a:schemeClr val="bg1"/>
-                </a:solidFill>
-              </a:rPr>
-              <a:t>			@Getter on all fields, </a:t>
-            </a:r>
-          </a:p>
-          <a:p>
-            <a:r>
-              <a:rPr lang="en-US" b="1" dirty="0">
-                <a:solidFill>
-                  <a:schemeClr val="bg1"/>
-                </a:solidFill>
-              </a:rPr>
-              <a:t>			and @Setter on all non-final fields, and @</a:t>
-            </a:r>
-            <a:r>
-              <a:rPr lang="en-US" b="1" dirty="0" err="1">
-                <a:solidFill>
-                  <a:schemeClr val="bg1"/>
-                </a:solidFill>
-              </a:rPr>
-              <a:t>RequiredArgsConstructor</a:t>
-            </a:r>
-            <a:r>
-              <a:rPr lang="en-US" b="1" dirty="0">
-                <a:solidFill>
-                  <a:schemeClr val="bg1"/>
-                </a:solidFill>
-              </a:rPr>
-              <a:t>!</a:t>
-            </a:r>
-          </a:p>
-          <a:p>
-            <a:r>
-              <a:rPr lang="en-US" b="1" dirty="0">
-                <a:solidFill>
-                  <a:schemeClr val="bg1"/>
-                </a:solidFill>
-              </a:rPr>
-              <a:t>	@Value</a:t>
-            </a:r>
-          </a:p>
-          <a:p>
-            <a:r>
-              <a:rPr lang="en-US" b="1" dirty="0">
-                <a:solidFill>
-                  <a:schemeClr val="bg1"/>
-                </a:solidFill>
-              </a:rPr>
-              <a:t>		Immutable classes </a:t>
-            </a:r>
-          </a:p>
-          <a:p>
-            <a:r>
-              <a:rPr lang="en-US" b="1" dirty="0">
-                <a:solidFill>
-                  <a:schemeClr val="bg1"/>
-                </a:solidFill>
-              </a:rPr>
-              <a:t>	@Synchronized</a:t>
-            </a:r>
-          </a:p>
-          <a:p>
-            <a:r>
-              <a:rPr lang="en-US" b="1" dirty="0">
-                <a:solidFill>
-                  <a:schemeClr val="bg1"/>
-                </a:solidFill>
-              </a:rPr>
-              <a:t>		synchronized done right: Don't expose your locks.</a:t>
-            </a:r>
-          </a:p>
-          <a:p>
-            <a:endParaRPr lang="en-US" b="1" dirty="0">
-              <a:solidFill>
-                <a:schemeClr val="bg1"/>
-              </a:solidFill>
-            </a:endParaRPr>
-          </a:p>
-          <a:p>
-            <a:r>
-              <a:rPr lang="en-US" b="1" dirty="0">
-                <a:solidFill>
-                  <a:schemeClr val="bg1"/>
-                </a:solidFill>
-              </a:rPr>
-              <a:t>Refer day4\</a:t>
-            </a:r>
-            <a:r>
-              <a:rPr lang="en-US" b="1" dirty="0" err="1">
-                <a:solidFill>
-                  <a:schemeClr val="bg1"/>
-                </a:solidFill>
-              </a:rPr>
-              <a:t>ProjectLombok</a:t>
-            </a:r>
-            <a:r>
-              <a:rPr lang="en-US" b="1" dirty="0">
-                <a:solidFill>
-                  <a:schemeClr val="bg1"/>
-                </a:solidFill>
-              </a:rPr>
-              <a:t>\InstructionsForLombok.txt</a:t>
+              <a:t>mvc</a:t>
+            </a:r>
+            <a:r>
+              <a:rPr lang="en-US" b="1" dirty="0">
+                <a:solidFill>
+                  <a:schemeClr val="bg1"/>
+                </a:solidFill>
+              </a:rPr>
+              <a:t>\InstructionsMVC.txt</a:t>
             </a:r>
           </a:p>
         </p:txBody>
@@ -6689,7 +6795,7 @@
     </p:spTree>
     <p:extLst>
       <p:ext uri="{BB962C8B-B14F-4D97-AF65-F5344CB8AC3E}">
-        <p14:creationId xmlns:p14="http://schemas.microsoft.com/office/powerpoint/2010/main" val="2729303244"/>
+        <p14:creationId xmlns:p14="http://schemas.microsoft.com/office/powerpoint/2010/main" val="1089441012"/>
       </p:ext>
     </p:extLst>
   </p:cSld>
@@ -6854,458 +6960,6 @@
     <p:extLst>
       <p:ext uri="{BB962C8B-B14F-4D97-AF65-F5344CB8AC3E}">
         <p14:creationId xmlns:p14="http://schemas.microsoft.com/office/powerpoint/2010/main" val="2907857903"/>
-      </p:ext>
-    </p:extLst>
-  </p:cSld>
-  <p:clrMapOvr>
-    <a:masterClrMapping/>
-  </p:clrMapOvr>
-</p:sld>
-</file>
-
-<file path=ppt/slides/slide20.xml><?xml version="1.0" encoding="utf-8"?>
-<p:sld xmlns:a="http://schemas.openxmlformats.org/drawingml/2006/main" xmlns:r="http://schemas.openxmlformats.org/officeDocument/2006/relationships" xmlns:p="http://schemas.openxmlformats.org/presentationml/2006/main">
-  <p:cSld>
-    <p:bg>
-      <p:bgPr>
-        <a:solidFill>
-          <a:schemeClr val="tx2">
-            <a:lumMod val="60000"/>
-            <a:lumOff val="40000"/>
-          </a:schemeClr>
-        </a:solidFill>
-        <a:effectLst/>
-      </p:bgPr>
-    </p:bg>
-    <p:spTree>
-      <p:nvGrpSpPr>
-        <p:cNvPr id="1" name=""/>
-        <p:cNvGrpSpPr/>
-        <p:nvPr/>
-      </p:nvGrpSpPr>
-      <p:grpSpPr>
-        <a:xfrm>
-          <a:off x="0" y="0"/>
-          <a:ext cx="0" cy="0"/>
-          <a:chOff x="0" y="0"/>
-          <a:chExt cx="0" cy="0"/>
-        </a:xfrm>
-      </p:grpSpPr>
-      <p:sp>
-        <p:nvSpPr>
-          <p:cNvPr id="2" name="Title 1">
-            <a:extLst>
-              <a:ext uri="{FF2B5EF4-FFF2-40B4-BE49-F238E27FC236}">
-                <a16:creationId xmlns:a16="http://schemas.microsoft.com/office/drawing/2014/main" id="{51F2C05B-3556-493B-855C-1F19ADDBAF69}"/>
-              </a:ext>
-            </a:extLst>
-          </p:cNvPr>
-          <p:cNvSpPr>
-            <a:spLocks noGrp="1"/>
-          </p:cNvSpPr>
-          <p:nvPr>
-            <p:ph type="title"/>
-          </p:nvPr>
-        </p:nvSpPr>
-        <p:spPr>
-          <a:xfrm>
-            <a:off x="838200" y="365125"/>
-            <a:ext cx="11099104" cy="1325563"/>
-          </a:xfrm>
-        </p:spPr>
-        <p:txBody>
-          <a:bodyPr/>
-          <a:lstStyle/>
-          <a:p>
-            <a:r>
-              <a:rPr lang="en-US" dirty="0">
-                <a:solidFill>
-                  <a:schemeClr val="bg1"/>
-                </a:solidFill>
-                <a:latin typeface="+mn-lt"/>
-              </a:rPr>
-              <a:t>MVC</a:t>
-            </a:r>
-            <a:endParaRPr lang="en-IN" dirty="0">
-              <a:solidFill>
-                <a:schemeClr val="bg1"/>
-              </a:solidFill>
-              <a:latin typeface="+mn-lt"/>
-            </a:endParaRPr>
-          </a:p>
-        </p:txBody>
-      </p:sp>
-      <p:sp>
-        <p:nvSpPr>
-          <p:cNvPr id="4" name="TextBox 3">
-            <a:extLst>
-              <a:ext uri="{FF2B5EF4-FFF2-40B4-BE49-F238E27FC236}">
-                <a16:creationId xmlns:a16="http://schemas.microsoft.com/office/drawing/2014/main" id="{A32609F5-383A-417E-B9B0-CE955463E2E4}"/>
-              </a:ext>
-            </a:extLst>
-          </p:cNvPr>
-          <p:cNvSpPr txBox="1"/>
-          <p:nvPr/>
-        </p:nvSpPr>
-        <p:spPr>
-          <a:xfrm>
-            <a:off x="838200" y="1910315"/>
-            <a:ext cx="10515600" cy="646331"/>
-          </a:xfrm>
-          <a:prstGeom prst="rect">
-            <a:avLst/>
-          </a:prstGeom>
-          <a:noFill/>
-        </p:spPr>
-        <p:txBody>
-          <a:bodyPr wrap="square" rtlCol="0">
-            <a:spAutoFit/>
-          </a:bodyPr>
-          <a:lstStyle/>
-          <a:p>
-            <a:endParaRPr lang="en-US" b="1" dirty="0">
-              <a:solidFill>
-                <a:schemeClr val="bg1"/>
-              </a:solidFill>
-            </a:endParaRPr>
-          </a:p>
-          <a:p>
-            <a:endParaRPr lang="en-US" b="1" dirty="0">
-              <a:solidFill>
-                <a:schemeClr val="bg1"/>
-              </a:solidFill>
-            </a:endParaRPr>
-          </a:p>
-        </p:txBody>
-      </p:sp>
-      <p:pic>
-        <p:nvPicPr>
-          <p:cNvPr id="1026" name="Picture 2" descr="Model View Controller">
-            <a:extLst>
-              <a:ext uri="{FF2B5EF4-FFF2-40B4-BE49-F238E27FC236}">
-                <a16:creationId xmlns:a16="http://schemas.microsoft.com/office/drawing/2014/main" id="{135C88FA-EA89-442A-8B97-B27E6BD5BDAE}"/>
-              </a:ext>
-            </a:extLst>
-          </p:cNvPr>
-          <p:cNvPicPr>
-            <a:picLocks noChangeAspect="1" noChangeArrowheads="1"/>
-          </p:cNvPicPr>
-          <p:nvPr/>
-        </p:nvPicPr>
-        <p:blipFill>
-          <a:blip r:embed="rId2">
-            <a:extLst>
-              <a:ext uri="{28A0092B-C50C-407E-A947-70E740481C1C}">
-                <a14:useLocalDpi xmlns:a14="http://schemas.microsoft.com/office/drawing/2010/main" val="0"/>
-              </a:ext>
-            </a:extLst>
-          </a:blip>
-          <a:srcRect/>
-          <a:stretch>
-            <a:fillRect/>
-          </a:stretch>
-        </p:blipFill>
-        <p:spPr bwMode="auto">
-          <a:xfrm>
-            <a:off x="1153885" y="1690688"/>
-            <a:ext cx="9851571" cy="4623025"/>
-          </a:xfrm>
-          <a:prstGeom prst="rect">
-            <a:avLst/>
-          </a:prstGeom>
-          <a:noFill/>
-          <a:extLst>
-            <a:ext uri="{909E8E84-426E-40DD-AFC4-6F175D3DCCD1}">
-              <a14:hiddenFill xmlns:a14="http://schemas.microsoft.com/office/drawing/2010/main">
-                <a:solidFill>
-                  <a:srgbClr val="FFFFFF"/>
-                </a:solidFill>
-              </a14:hiddenFill>
-            </a:ext>
-          </a:extLst>
-        </p:spPr>
-      </p:pic>
-    </p:spTree>
-    <p:extLst>
-      <p:ext uri="{BB962C8B-B14F-4D97-AF65-F5344CB8AC3E}">
-        <p14:creationId xmlns:p14="http://schemas.microsoft.com/office/powerpoint/2010/main" val="2184563566"/>
-      </p:ext>
-    </p:extLst>
-  </p:cSld>
-  <p:clrMapOvr>
-    <a:masterClrMapping/>
-  </p:clrMapOvr>
-</p:sld>
-</file>
-
-<file path=ppt/slides/slide21.xml><?xml version="1.0" encoding="utf-8"?>
-<p:sld xmlns:a="http://schemas.openxmlformats.org/drawingml/2006/main" xmlns:r="http://schemas.openxmlformats.org/officeDocument/2006/relationships" xmlns:p="http://schemas.openxmlformats.org/presentationml/2006/main">
-  <p:cSld>
-    <p:bg>
-      <p:bgPr>
-        <a:solidFill>
-          <a:schemeClr val="tx2">
-            <a:lumMod val="60000"/>
-            <a:lumOff val="40000"/>
-          </a:schemeClr>
-        </a:solidFill>
-        <a:effectLst/>
-      </p:bgPr>
-    </p:bg>
-    <p:spTree>
-      <p:nvGrpSpPr>
-        <p:cNvPr id="1" name=""/>
-        <p:cNvGrpSpPr/>
-        <p:nvPr/>
-      </p:nvGrpSpPr>
-      <p:grpSpPr>
-        <a:xfrm>
-          <a:off x="0" y="0"/>
-          <a:ext cx="0" cy="0"/>
-          <a:chOff x="0" y="0"/>
-          <a:chExt cx="0" cy="0"/>
-        </a:xfrm>
-      </p:grpSpPr>
-      <p:sp>
-        <p:nvSpPr>
-          <p:cNvPr id="2" name="Title 1">
-            <a:extLst>
-              <a:ext uri="{FF2B5EF4-FFF2-40B4-BE49-F238E27FC236}">
-                <a16:creationId xmlns:a16="http://schemas.microsoft.com/office/drawing/2014/main" id="{51F2C05B-3556-493B-855C-1F19ADDBAF69}"/>
-              </a:ext>
-            </a:extLst>
-          </p:cNvPr>
-          <p:cNvSpPr>
-            <a:spLocks noGrp="1"/>
-          </p:cNvSpPr>
-          <p:nvPr>
-            <p:ph type="title"/>
-          </p:nvPr>
-        </p:nvSpPr>
-        <p:spPr>
-          <a:xfrm>
-            <a:off x="838200" y="365125"/>
-            <a:ext cx="11099104" cy="1325563"/>
-          </a:xfrm>
-        </p:spPr>
-        <p:txBody>
-          <a:bodyPr/>
-          <a:lstStyle/>
-          <a:p>
-            <a:r>
-              <a:rPr lang="en-US" dirty="0">
-                <a:solidFill>
-                  <a:schemeClr val="bg1"/>
-                </a:solidFill>
-                <a:latin typeface="+mn-lt"/>
-              </a:rPr>
-              <a:t>MVC</a:t>
-            </a:r>
-            <a:endParaRPr lang="en-IN" dirty="0">
-              <a:solidFill>
-                <a:schemeClr val="bg1"/>
-              </a:solidFill>
-              <a:latin typeface="+mn-lt"/>
-            </a:endParaRPr>
-          </a:p>
-        </p:txBody>
-      </p:sp>
-      <p:sp>
-        <p:nvSpPr>
-          <p:cNvPr id="4" name="TextBox 3">
-            <a:extLst>
-              <a:ext uri="{FF2B5EF4-FFF2-40B4-BE49-F238E27FC236}">
-                <a16:creationId xmlns:a16="http://schemas.microsoft.com/office/drawing/2014/main" id="{A32609F5-383A-417E-B9B0-CE955463E2E4}"/>
-              </a:ext>
-            </a:extLst>
-          </p:cNvPr>
-          <p:cNvSpPr txBox="1"/>
-          <p:nvPr/>
-        </p:nvSpPr>
-        <p:spPr>
-          <a:xfrm>
-            <a:off x="729343" y="1779687"/>
-            <a:ext cx="10515600" cy="4247317"/>
-          </a:xfrm>
-          <a:prstGeom prst="rect">
-            <a:avLst/>
-          </a:prstGeom>
-          <a:noFill/>
-        </p:spPr>
-        <p:txBody>
-          <a:bodyPr wrap="square" rtlCol="0">
-            <a:spAutoFit/>
-          </a:bodyPr>
-          <a:lstStyle/>
-          <a:p>
-            <a:r>
-              <a:rPr lang="en-US" b="1" dirty="0">
-                <a:solidFill>
-                  <a:schemeClr val="bg1"/>
-                </a:solidFill>
-              </a:rPr>
-              <a:t>Model:</a:t>
-            </a:r>
-          </a:p>
-          <a:p>
-            <a:r>
-              <a:rPr lang="en-US" b="1" dirty="0">
-                <a:solidFill>
-                  <a:schemeClr val="bg1"/>
-                </a:solidFill>
-              </a:rPr>
-              <a:t>	Corresponds to all the data-related logic that the user works with. </a:t>
-            </a:r>
-          </a:p>
-          <a:p>
-            <a:r>
-              <a:rPr lang="en-US" b="1" dirty="0">
-                <a:solidFill>
-                  <a:schemeClr val="bg1"/>
-                </a:solidFill>
-              </a:rPr>
-              <a:t>		Can represent either the data that is being transferred </a:t>
-            </a:r>
-          </a:p>
-          <a:p>
-            <a:r>
-              <a:rPr lang="en-US" b="1" dirty="0">
-                <a:solidFill>
-                  <a:schemeClr val="bg1"/>
-                </a:solidFill>
-              </a:rPr>
-              <a:t>		between the View and Controller components </a:t>
-            </a:r>
-          </a:p>
-          <a:p>
-            <a:r>
-              <a:rPr lang="en-US" b="1" dirty="0">
-                <a:solidFill>
-                  <a:schemeClr val="bg1"/>
-                </a:solidFill>
-              </a:rPr>
-              <a:t>	or </a:t>
-            </a:r>
-          </a:p>
-          <a:p>
-            <a:r>
-              <a:rPr lang="en-US" b="1" dirty="0">
-                <a:solidFill>
-                  <a:schemeClr val="bg1"/>
-                </a:solidFill>
-              </a:rPr>
-              <a:t>		other business logic-related data.</a:t>
-            </a:r>
-          </a:p>
-          <a:p>
-            <a:r>
-              <a:rPr lang="en-US" b="1" dirty="0">
-                <a:solidFill>
-                  <a:schemeClr val="bg1"/>
-                </a:solidFill>
-              </a:rPr>
-              <a:t>View</a:t>
-            </a:r>
-          </a:p>
-          <a:p>
-            <a:r>
-              <a:rPr lang="en-US" b="1" dirty="0">
-                <a:solidFill>
-                  <a:schemeClr val="bg1"/>
-                </a:solidFill>
-              </a:rPr>
-              <a:t>	Used for all the UI logic of the application. </a:t>
-            </a:r>
-          </a:p>
-          <a:p>
-            <a:r>
-              <a:rPr lang="en-US" b="1" dirty="0">
-                <a:solidFill>
-                  <a:schemeClr val="bg1"/>
-                </a:solidFill>
-              </a:rPr>
-              <a:t>Controller</a:t>
-            </a:r>
-          </a:p>
-          <a:p>
-            <a:r>
-              <a:rPr lang="en-US" b="1" dirty="0">
-                <a:solidFill>
-                  <a:schemeClr val="bg1"/>
-                </a:solidFill>
-              </a:rPr>
-              <a:t>	Acts as an interface between Model and View components </a:t>
-            </a:r>
-          </a:p>
-          <a:p>
-            <a:r>
-              <a:rPr lang="en-US" b="1" dirty="0">
-                <a:solidFill>
-                  <a:schemeClr val="bg1"/>
-                </a:solidFill>
-              </a:rPr>
-              <a:t>	to process all the business logic and </a:t>
-            </a:r>
-          </a:p>
-          <a:p>
-            <a:r>
-              <a:rPr lang="en-US" b="1" dirty="0">
-                <a:solidFill>
-                  <a:schemeClr val="bg1"/>
-                </a:solidFill>
-              </a:rPr>
-              <a:t>	incoming requests, manipulate data using the Model component and </a:t>
-            </a:r>
-          </a:p>
-          <a:p>
-            <a:r>
-              <a:rPr lang="en-US" b="1" dirty="0">
-                <a:solidFill>
-                  <a:schemeClr val="bg1"/>
-                </a:solidFill>
-              </a:rPr>
-              <a:t>	interact with the Views to render the final output. </a:t>
-            </a:r>
-          </a:p>
-          <a:p>
-            <a:endParaRPr lang="en-US" b="1" dirty="0">
-              <a:solidFill>
-                <a:schemeClr val="bg1"/>
-              </a:solidFill>
-            </a:endParaRPr>
-          </a:p>
-          <a:p>
-            <a:r>
-              <a:rPr lang="en-US" b="1" dirty="0">
-                <a:solidFill>
-                  <a:schemeClr val="bg1"/>
-                </a:solidFill>
-              </a:rPr>
-              <a:t>Refer training\day4\</a:t>
-            </a:r>
-            <a:r>
-              <a:rPr lang="en-US" b="1" dirty="0" err="1">
-                <a:solidFill>
-                  <a:schemeClr val="bg1"/>
-                </a:solidFill>
-              </a:rPr>
-              <a:t>mvc</a:t>
-            </a:r>
-            <a:r>
-              <a:rPr lang="en-US" b="1" dirty="0">
-                <a:solidFill>
-                  <a:schemeClr val="bg1"/>
-                </a:solidFill>
-              </a:rPr>
-              <a:t>\InstructionsMVC.txt</a:t>
-            </a:r>
-          </a:p>
-        </p:txBody>
-      </p:sp>
-    </p:spTree>
-    <p:extLst>
-      <p:ext uri="{BB962C8B-B14F-4D97-AF65-F5344CB8AC3E}">
-        <p14:creationId xmlns:p14="http://schemas.microsoft.com/office/powerpoint/2010/main" val="1089441012"/>
       </p:ext>
     </p:extLst>
   </p:cSld>
@@ -7583,7 +7237,7 @@
         <p:spPr>
           <a:xfrm>
             <a:off x="838200" y="1779687"/>
-            <a:ext cx="10515600" cy="1477328"/>
+            <a:ext cx="10515600" cy="3139321"/>
           </a:xfrm>
           <a:prstGeom prst="rect">
             <a:avLst/>
@@ -7612,8 +7266,35 @@
                   <a:schemeClr val="bg1"/>
                 </a:solidFill>
               </a:rPr>
-              <a:t>	How much the system can tolerate the failure of a single service.</a:t>
-            </a:r>
+              <a:t>	Property that enables a system to </a:t>
+            </a:r>
+          </a:p>
+          <a:p>
+            <a:r>
+              <a:rPr lang="en-US" b="1" dirty="0">
+                <a:solidFill>
+                  <a:schemeClr val="bg1"/>
+                </a:solidFill>
+              </a:rPr>
+              <a:t>	continue operating properly in the </a:t>
+            </a:r>
+          </a:p>
+          <a:p>
+            <a:r>
+              <a:rPr lang="en-US" b="1" dirty="0">
+                <a:solidFill>
+                  <a:schemeClr val="bg1"/>
+                </a:solidFill>
+              </a:rPr>
+              <a:t>	event of the failure of some of its components.</a:t>
+            </a:r>
+          </a:p>
+          <a:p>
+            <a:endParaRPr lang="en-US" b="1" dirty="0">
+              <a:solidFill>
+                <a:schemeClr val="bg1"/>
+              </a:solidFill>
+            </a:endParaRPr>
           </a:p>
           <a:p>
             <a:r>
@@ -7632,17 +7313,47 @@
                   <a:schemeClr val="bg1"/>
                 </a:solidFill>
               </a:rPr>
-              <a:t>	How much the system can resist the failure of various systems.</a:t>
-            </a:r>
-          </a:p>
-          <a:p>
-            <a:r>
-              <a:rPr lang="en-US" b="1" dirty="0">
-                <a:solidFill>
-                  <a:schemeClr val="bg1"/>
-                </a:solidFill>
-              </a:rPr>
-              <a:t>	</a:t>
+              <a:t>	Ability of a system to rapidly recover and </a:t>
+            </a:r>
+          </a:p>
+          <a:p>
+            <a:r>
+              <a:rPr lang="en-US" b="1" dirty="0">
+                <a:solidFill>
+                  <a:schemeClr val="bg1"/>
+                </a:solidFill>
+              </a:rPr>
+              <a:t>	continue with operations even </a:t>
+            </a:r>
+          </a:p>
+          <a:p>
+            <a:r>
+              <a:rPr lang="en-US" b="1" dirty="0">
+                <a:solidFill>
+                  <a:schemeClr val="bg1"/>
+                </a:solidFill>
+              </a:rPr>
+              <a:t>	when certain failures or errors occur with </a:t>
+            </a:r>
+          </a:p>
+          <a:p>
+            <a:r>
+              <a:rPr lang="en-US" b="1" dirty="0">
+                <a:solidFill>
+                  <a:schemeClr val="bg1"/>
+                </a:solidFill>
+              </a:rPr>
+              <a:t>	limited disruption that </a:t>
+            </a:r>
+          </a:p>
+          <a:p>
+            <a:r>
+              <a:rPr lang="en-US" b="1" dirty="0">
+                <a:solidFill>
+                  <a:schemeClr val="bg1"/>
+                </a:solidFill>
+              </a:rPr>
+              <a:t>	could otherwise affect the progress	</a:t>
             </a:r>
           </a:p>
         </p:txBody>
@@ -7650,7 +7361,7 @@
     </p:spTree>
     <p:extLst>
       <p:ext uri="{BB962C8B-B14F-4D97-AF65-F5344CB8AC3E}">
-        <p14:creationId xmlns:p14="http://schemas.microsoft.com/office/powerpoint/2010/main" val="1698940838"/>
+        <p14:creationId xmlns:p14="http://schemas.microsoft.com/office/powerpoint/2010/main" val="327213579"/>
       </p:ext>
     </p:extLst>
   </p:cSld>
@@ -7766,47 +7477,41 @@
                   <a:schemeClr val="bg1"/>
                 </a:solidFill>
               </a:rPr>
-              <a:t>Fault tolerance</a:t>
-            </a:r>
-          </a:p>
-          <a:p>
-            <a:r>
-              <a:rPr lang="en-US" b="1" dirty="0">
-                <a:solidFill>
-                  <a:schemeClr val="bg1"/>
-                </a:solidFill>
-              </a:rPr>
-              <a:t>	How much the system can tolerate the failure of a single service.</a:t>
-            </a:r>
-          </a:p>
-          <a:p>
-            <a:r>
-              <a:rPr lang="en-US" b="1" dirty="0">
-                <a:solidFill>
-                  <a:schemeClr val="bg1"/>
-                </a:solidFill>
-              </a:rPr>
-              <a:t>Resilience</a:t>
-            </a:r>
-          </a:p>
-          <a:p>
-            <a:r>
-              <a:rPr lang="en-US" b="1" dirty="0">
-                <a:solidFill>
-                  <a:schemeClr val="bg1"/>
-                </a:solidFill>
-              </a:rPr>
-              <a:t>	How much the system can resist the failure of various systems.</a:t>
-            </a:r>
-          </a:p>
-          <a:p>
-            <a:r>
-              <a:rPr lang="en-US" b="1" dirty="0">
-                <a:solidFill>
-                  <a:schemeClr val="bg1"/>
-                </a:solidFill>
-              </a:rPr>
-              <a:t>	</a:t>
+              <a:t>One or more service goes down.</a:t>
+            </a:r>
+          </a:p>
+          <a:p>
+            <a:endParaRPr lang="en-US" b="1" dirty="0">
+              <a:solidFill>
+                <a:schemeClr val="bg1"/>
+              </a:solidFill>
+            </a:endParaRPr>
+          </a:p>
+          <a:p>
+            <a:r>
+              <a:rPr lang="en-US" b="1" dirty="0">
+                <a:solidFill>
+                  <a:schemeClr val="bg1"/>
+                </a:solidFill>
+              </a:rPr>
+              <a:t>One or more service becomes slow.</a:t>
+            </a:r>
+          </a:p>
+          <a:p>
+            <a:endParaRPr lang="en-US" b="1" dirty="0">
+              <a:solidFill>
+                <a:schemeClr val="bg1"/>
+              </a:solidFill>
+            </a:endParaRPr>
+          </a:p>
+          <a:p>
+            <a:r>
+              <a:rPr lang="en-US" b="1" dirty="0">
+                <a:solidFill>
+                  <a:schemeClr val="bg1"/>
+                </a:solidFill>
+              </a:rPr>
+              <a:t>One service starts throwing specific error.</a:t>
             </a:r>
           </a:p>
         </p:txBody>
@@ -7814,7 +7519,7 @@
     </p:spTree>
     <p:extLst>
       <p:ext uri="{BB962C8B-B14F-4D97-AF65-F5344CB8AC3E}">
-        <p14:creationId xmlns:p14="http://schemas.microsoft.com/office/powerpoint/2010/main" val="3091599012"/>
+        <p14:creationId xmlns:p14="http://schemas.microsoft.com/office/powerpoint/2010/main" val="2855424396"/>
       </p:ext>
     </p:extLst>
   </p:cSld>
@@ -7911,7 +7616,7 @@
         <p:spPr>
           <a:xfrm>
             <a:off x="838200" y="1779687"/>
-            <a:ext cx="10515600" cy="3139321"/>
+            <a:ext cx="10515600" cy="2862322"/>
           </a:xfrm>
           <a:prstGeom prst="rect">
             <a:avLst/>
@@ -7930,40 +7635,26 @@
                   <a:schemeClr val="bg1"/>
                 </a:solidFill>
               </a:rPr>
-              <a:t>Fault tolerance</a:t>
-            </a:r>
-          </a:p>
-          <a:p>
-            <a:r>
-              <a:rPr lang="en-US" b="1" dirty="0">
-                <a:solidFill>
-                  <a:schemeClr val="bg1"/>
-                </a:solidFill>
-              </a:rPr>
-              <a:t>	Property that enables a system to </a:t>
-            </a:r>
-          </a:p>
-          <a:p>
-            <a:r>
-              <a:rPr lang="en-US" b="1" dirty="0">
-                <a:solidFill>
-                  <a:schemeClr val="bg1"/>
-                </a:solidFill>
-              </a:rPr>
-              <a:t>	continue operating properly in the </a:t>
-            </a:r>
-          </a:p>
-          <a:p>
-            <a:r>
-              <a:rPr lang="en-US" b="1" dirty="0">
-                <a:solidFill>
-                  <a:schemeClr val="bg1"/>
-                </a:solidFill>
-              </a:rPr>
-              <a:t>	event of the failure of some of its components.</a:t>
-            </a:r>
-          </a:p>
-          <a:p>
+              <a:t>Timeouts</a:t>
+            </a:r>
+          </a:p>
+          <a:p>
+            <a:r>
+              <a:rPr lang="en-US" b="1" dirty="0">
+                <a:solidFill>
+                  <a:schemeClr val="bg1"/>
+                </a:solidFill>
+              </a:rPr>
+              <a:t>	</a:t>
+            </a:r>
+            <a:r>
+              <a:rPr lang="en-US" b="1" dirty="0" err="1">
+                <a:solidFill>
+                  <a:schemeClr val="bg1"/>
+                </a:solidFill>
+              </a:rPr>
+              <a:t>RestTemplate</a:t>
+            </a:r>
             <a:endParaRPr lang="en-US" b="1" dirty="0">
               <a:solidFill>
                 <a:schemeClr val="bg1"/>
@@ -7977,57 +7668,103 @@
                   <a:schemeClr val="bg1"/>
                 </a:solidFill>
               </a:rPr>
-              <a:t>Resilience</a:t>
-            </a:r>
-          </a:p>
-          <a:p>
-            <a:r>
-              <a:rPr lang="en-US" b="1" dirty="0">
-                <a:solidFill>
-                  <a:schemeClr val="bg1"/>
-                </a:solidFill>
-              </a:rPr>
-              <a:t>	Ability of a system to rapidly recover and </a:t>
-            </a:r>
-          </a:p>
-          <a:p>
-            <a:r>
-              <a:rPr lang="en-US" b="1" dirty="0">
-                <a:solidFill>
-                  <a:schemeClr val="bg1"/>
-                </a:solidFill>
-              </a:rPr>
-              <a:t>	continue with operations even </a:t>
-            </a:r>
-          </a:p>
-          <a:p>
-            <a:r>
-              <a:rPr lang="en-US" b="1" dirty="0">
-                <a:solidFill>
-                  <a:schemeClr val="bg1"/>
-                </a:solidFill>
-              </a:rPr>
-              <a:t>	when certain failures or errors occur with </a:t>
-            </a:r>
-          </a:p>
-          <a:p>
-            <a:r>
-              <a:rPr lang="en-US" b="1" dirty="0">
-                <a:solidFill>
-                  <a:schemeClr val="bg1"/>
-                </a:solidFill>
-              </a:rPr>
-              <a:t>	limited disruption that </a:t>
-            </a:r>
-          </a:p>
-          <a:p>
-            <a:r>
-              <a:rPr lang="en-US" b="1" dirty="0">
-                <a:solidFill>
-                  <a:schemeClr val="bg1"/>
-                </a:solidFill>
-              </a:rPr>
-              <a:t>	could otherwise affect the progress	</a:t>
+              <a:t>Circuit Breaker</a:t>
+            </a:r>
+          </a:p>
+          <a:p>
+            <a:r>
+              <a:rPr lang="en-US" b="1" dirty="0">
+                <a:solidFill>
+                  <a:schemeClr val="bg1"/>
+                </a:solidFill>
+              </a:rPr>
+              <a:t>	</a:t>
+            </a:r>
+            <a:r>
+              <a:rPr lang="en-US" b="1" dirty="0" err="1">
+                <a:solidFill>
+                  <a:schemeClr val="bg1"/>
+                </a:solidFill>
+              </a:rPr>
+              <a:t>Hystrix</a:t>
+            </a:r>
+            <a:endParaRPr lang="en-US" b="1" dirty="0">
+              <a:solidFill>
+                <a:schemeClr val="bg1"/>
+              </a:solidFill>
+            </a:endParaRPr>
+          </a:p>
+          <a:p>
+            <a:r>
+              <a:rPr lang="en-US" b="1" dirty="0">
+                <a:solidFill>
+                  <a:schemeClr val="bg1"/>
+                </a:solidFill>
+              </a:rPr>
+              <a:t>Rate limiters</a:t>
+            </a:r>
+          </a:p>
+          <a:p>
+            <a:r>
+              <a:rPr lang="en-US" b="1" dirty="0">
+                <a:solidFill>
+                  <a:schemeClr val="bg1"/>
+                </a:solidFill>
+              </a:rPr>
+              <a:t>	</a:t>
+            </a:r>
+            <a:r>
+              <a:rPr lang="en-US" b="1" dirty="0" err="1">
+                <a:solidFill>
+                  <a:schemeClr val="bg1"/>
+                </a:solidFill>
+              </a:rPr>
+              <a:t>Zuul</a:t>
+            </a:r>
+            <a:endParaRPr lang="en-US" b="1" dirty="0">
+              <a:solidFill>
+                <a:schemeClr val="bg1"/>
+              </a:solidFill>
+            </a:endParaRPr>
+          </a:p>
+          <a:p>
+            <a:r>
+              <a:rPr lang="en-US" b="1" dirty="0">
+                <a:solidFill>
+                  <a:schemeClr val="bg1"/>
+                </a:solidFill>
+              </a:rPr>
+              <a:t>Retries</a:t>
+            </a:r>
+          </a:p>
+          <a:p>
+            <a:r>
+              <a:rPr lang="en-US" b="1" dirty="0">
+                <a:solidFill>
+                  <a:schemeClr val="bg1"/>
+                </a:solidFill>
+              </a:rPr>
+              <a:t>	Spring Retry</a:t>
+            </a:r>
+          </a:p>
+          <a:p>
+            <a:r>
+              <a:rPr lang="en-US" b="1" dirty="0">
+                <a:solidFill>
+                  <a:schemeClr val="bg1"/>
+                </a:solidFill>
+              </a:rPr>
+              <a:t>Deadlines or Distributed timeout</a:t>
+            </a:r>
+          </a:p>
+          <a:p>
+            <a:r>
+              <a:rPr lang="en-US" b="1" dirty="0">
+                <a:solidFill>
+                  <a:schemeClr val="bg1"/>
+                </a:solidFill>
+              </a:rPr>
+              <a:t>	Waiting for an established solution	</a:t>
             </a:r>
           </a:p>
         </p:txBody>
@@ -8035,7 +7772,7 @@
     </p:spTree>
     <p:extLst>
       <p:ext uri="{BB962C8B-B14F-4D97-AF65-F5344CB8AC3E}">
-        <p14:creationId xmlns:p14="http://schemas.microsoft.com/office/powerpoint/2010/main" val="327213579"/>
+        <p14:creationId xmlns:p14="http://schemas.microsoft.com/office/powerpoint/2010/main" val="2304978736"/>
       </p:ext>
     </p:extLst>
   </p:cSld>
@@ -8106,7 +7843,7 @@
                 </a:solidFill>
                 <a:latin typeface="+mn-lt"/>
               </a:rPr>
-              <a:t> Fault Tolerance and Resilience</a:t>
+              <a:t>Timeout</a:t>
             </a:r>
             <a:endParaRPr lang="en-IN" dirty="0">
               <a:solidFill>
@@ -8132,7 +7869,7 @@
         <p:spPr>
           <a:xfrm>
             <a:off x="838200" y="1779687"/>
-            <a:ext cx="10515600" cy="1477328"/>
+            <a:ext cx="10515600" cy="2308324"/>
           </a:xfrm>
           <a:prstGeom prst="rect">
             <a:avLst/>
@@ -8151,7 +7888,7 @@
                   <a:schemeClr val="bg1"/>
                 </a:solidFill>
               </a:rPr>
-              <a:t>One or more service goes down.</a:t>
+              <a:t>Specified period of time which is allowed to wait for some event to occur. </a:t>
             </a:r>
           </a:p>
           <a:p>
@@ -8168,7 +7905,7 @@
                   <a:schemeClr val="bg1"/>
                 </a:solidFill>
               </a:rPr>
-              <a:t>One or more service becomes slow.</a:t>
+              <a:t>Buses/Train waiting.</a:t>
             </a:r>
           </a:p>
           <a:p>
@@ -8180,20 +7917,49 @@
           </a:p>
           <a:p>
             <a:r>
-              <a:rPr lang="en-US" b="1" dirty="0">
-                <a:solidFill>
-                  <a:schemeClr val="bg1"/>
-                </a:solidFill>
-              </a:rPr>
-              <a:t>One service starts throwing specific error.</a:t>
-            </a:r>
+              <a:rPr lang="en-US" b="1" dirty="0" err="1">
+                <a:solidFill>
+                  <a:schemeClr val="bg1"/>
+                </a:solidFill>
+              </a:rPr>
+              <a:t>RestTemplate</a:t>
+            </a:r>
+            <a:r>
+              <a:rPr lang="en-US" b="1" dirty="0">
+                <a:solidFill>
+                  <a:schemeClr val="bg1"/>
+                </a:solidFill>
+              </a:rPr>
+              <a:t> timeout</a:t>
+            </a:r>
+          </a:p>
+          <a:p>
+            <a:endParaRPr lang="en-US" b="1" dirty="0">
+              <a:solidFill>
+                <a:schemeClr val="bg1"/>
+              </a:solidFill>
+            </a:endParaRPr>
+          </a:p>
+          <a:p>
+            <a:endParaRPr lang="en-US" b="1" dirty="0">
+              <a:solidFill>
+                <a:schemeClr val="bg1"/>
+              </a:solidFill>
+            </a:endParaRPr>
+          </a:p>
+          <a:p>
+            <a:endParaRPr lang="en-US" b="1" dirty="0">
+              <a:solidFill>
+                <a:schemeClr val="bg1"/>
+              </a:solidFill>
+            </a:endParaRPr>
           </a:p>
         </p:txBody>
       </p:sp>
     </p:spTree>
     <p:extLst>
       <p:ext uri="{BB962C8B-B14F-4D97-AF65-F5344CB8AC3E}">
-        <p14:creationId xmlns:p14="http://schemas.microsoft.com/office/powerpoint/2010/main" val="2855424396"/>
+        <p14:creationId xmlns:p14="http://schemas.microsoft.com/office/powerpoint/2010/main" val="4168371598"/>
       </p:ext>
     </p:extLst>
   </p:cSld>
@@ -8264,7 +8030,7 @@
                 </a:solidFill>
                 <a:latin typeface="+mn-lt"/>
               </a:rPr>
-              <a:t> Fault Tolerance and Resilience</a:t>
+              <a:t>Retry</a:t>
             </a:r>
             <a:endParaRPr lang="en-IN" dirty="0">
               <a:solidFill>
@@ -8309,26 +8075,10 @@
                   <a:schemeClr val="bg1"/>
                 </a:solidFill>
               </a:rPr>
-              <a:t>Timeouts</a:t>
-            </a:r>
-          </a:p>
-          <a:p>
-            <a:r>
-              <a:rPr lang="en-US" b="1" dirty="0">
-                <a:solidFill>
-                  <a:schemeClr val="bg1"/>
-                </a:solidFill>
-              </a:rPr>
-              <a:t>	</a:t>
-            </a:r>
-            <a:r>
-              <a:rPr lang="en-US" b="1" dirty="0" err="1">
-                <a:solidFill>
-                  <a:schemeClr val="bg1"/>
-                </a:solidFill>
-              </a:rPr>
-              <a:t>RestTemplate</a:t>
-            </a:r>
+              <a:t>Similar to restart computer</a:t>
+            </a:r>
+          </a:p>
+          <a:p>
             <a:endParaRPr lang="en-US" b="1" dirty="0">
               <a:solidFill>
                 <a:schemeClr val="bg1"/>
@@ -8342,7 +8092,17 @@
                   <a:schemeClr val="bg1"/>
                 </a:solidFill>
               </a:rPr>
-              <a:t>Circuit Breaker</a:t>
+              <a:t>Spring-retry </a:t>
+            </a:r>
+          </a:p>
+          <a:p>
+            <a:r>
+              <a:rPr lang="en-US" b="1" dirty="0">
+                <a:solidFill>
+                  <a:schemeClr val="bg1"/>
+                </a:solidFill>
+              </a:rPr>
+              <a:t>	from spring family is another utility module which can help us in handle the retry of any specific operation with standard fashion. </a:t>
             </a:r>
           </a:p>
           <a:p>
@@ -8354,38 +8114,51 @@
               </a:rPr>
               <a:t>	</a:t>
             </a:r>
+          </a:p>
+          <a:p>
+            <a:r>
+              <a:rPr lang="en-US" b="1" dirty="0">
+                <a:solidFill>
+                  <a:schemeClr val="bg1"/>
+                </a:solidFill>
+              </a:rPr>
+              <a:t>2.1. Spring retry annotations</a:t>
+            </a:r>
+          </a:p>
+          <a:p>
+            <a:r>
+              <a:rPr lang="en-US" b="1" dirty="0">
+                <a:solidFill>
+                  <a:schemeClr val="bg1"/>
+                </a:solidFill>
+              </a:rPr>
+              <a:t>	@</a:t>
+            </a:r>
             <a:r>
               <a:rPr lang="en-US" b="1" dirty="0" err="1">
                 <a:solidFill>
                   <a:schemeClr val="bg1"/>
                 </a:solidFill>
               </a:rPr>
-              <a:t>Hystrix</a:t>
-            </a:r>
-            <a:endParaRPr lang="en-US" b="1" dirty="0">
-              <a:solidFill>
-                <a:schemeClr val="bg1"/>
-              </a:solidFill>
-            </a:endParaRPr>
-          </a:p>
-          <a:p>
-            <a:r>
-              <a:rPr lang="en-US" b="1" dirty="0">
-                <a:solidFill>
-                  <a:schemeClr val="bg1"/>
-                </a:solidFill>
-              </a:rPr>
-              <a:t>Rate limiters</a:t>
-            </a:r>
-          </a:p>
-          <a:p>
-            <a:r>
-              <a:rPr lang="en-US" b="1" dirty="0">
-                <a:solidFill>
-                  <a:schemeClr val="bg1"/>
-                </a:solidFill>
-              </a:rPr>
-              <a:t>	</a:t>
+              <a:t>EnableRetry</a:t>
+            </a:r>
+            <a:r>
+              <a:rPr lang="en-US" b="1" dirty="0">
+                <a:solidFill>
+                  <a:schemeClr val="bg1"/>
+                </a:solidFill>
+              </a:rPr>
+              <a:t> – to enable spring retry in spring boot project</a:t>
+            </a:r>
+          </a:p>
+          <a:p>
+            <a:r>
+              <a:rPr lang="en-US" b="1" dirty="0">
+                <a:solidFill>
+                  <a:schemeClr val="bg1"/>
+                </a:solidFill>
+              </a:rPr>
+              <a:t>	@</a:t>
             </a:r>
             <a:r>
               <a:rPr lang="en-US" b="1" dirty="0" err="1">
@@ -8393,52 +8166,25 @@
                   <a:schemeClr val="bg1"/>
                 </a:solidFill>
               </a:rPr>
-              <a:t>Zuul</a:t>
-            </a:r>
-            <a:endParaRPr lang="en-US" b="1" dirty="0">
-              <a:solidFill>
-                <a:schemeClr val="bg1"/>
-              </a:solidFill>
-            </a:endParaRPr>
-          </a:p>
-          <a:p>
-            <a:r>
-              <a:rPr lang="en-US" b="1" dirty="0">
-                <a:solidFill>
-                  <a:schemeClr val="bg1"/>
-                </a:solidFill>
-              </a:rPr>
-              <a:t>Retries</a:t>
-            </a:r>
-          </a:p>
-          <a:p>
-            <a:r>
-              <a:rPr lang="en-US" b="1" dirty="0">
-                <a:solidFill>
-                  <a:schemeClr val="bg1"/>
-                </a:solidFill>
-              </a:rPr>
-              <a:t>	Spring Retry</a:t>
-            </a:r>
-          </a:p>
-          <a:p>
-            <a:r>
-              <a:rPr lang="en-US" b="1" dirty="0">
-                <a:solidFill>
-                  <a:schemeClr val="bg1"/>
-                </a:solidFill>
-              </a:rPr>
-              <a:t>Deadlines or Distributed timeout</a:t>
-            </a:r>
-          </a:p>
-          <a:p>
-            <a:r>
-              <a:rPr lang="en-US" b="1" dirty="0">
-                <a:solidFill>
-                  <a:schemeClr val="bg1"/>
-                </a:solidFill>
-              </a:rPr>
-              <a:t>	Waiting for an established solution	</a:t>
+              <a:t>Retryable</a:t>
+            </a:r>
+            <a:r>
+              <a:rPr lang="en-US" b="1" dirty="0">
+                <a:solidFill>
+                  <a:schemeClr val="bg1"/>
+                </a:solidFill>
+              </a:rPr>
+              <a:t> – to indicate any method to be a candidate of retry</a:t>
+            </a:r>
+          </a:p>
+          <a:p>
+            <a:r>
+              <a:rPr lang="en-US" b="1" dirty="0">
+                <a:solidFill>
+                  <a:schemeClr val="bg1"/>
+                </a:solidFill>
+              </a:rPr>
+              <a:t>	@Recover – to specify fallback method!</a:t>
             </a:r>
           </a:p>
         </p:txBody>
@@ -8446,7 +8192,7 @@
     </p:spTree>
     <p:extLst>
       <p:ext uri="{BB962C8B-B14F-4D97-AF65-F5344CB8AC3E}">
-        <p14:creationId xmlns:p14="http://schemas.microsoft.com/office/powerpoint/2010/main" val="2304978736"/>
+        <p14:creationId xmlns:p14="http://schemas.microsoft.com/office/powerpoint/2010/main" val="838854125"/>
       </p:ext>
     </p:extLst>
   </p:cSld>
@@ -8517,7 +8263,7 @@
                 </a:solidFill>
                 <a:latin typeface="+mn-lt"/>
               </a:rPr>
-              <a:t>Timeout</a:t>
+              <a:t>Retry</a:t>
             </a:r>
             <a:endParaRPr lang="en-IN" dirty="0">
               <a:solidFill>
@@ -8543,7 +8289,7 @@
         <p:spPr>
           <a:xfrm>
             <a:off x="838200" y="1779687"/>
-            <a:ext cx="10515600" cy="2308324"/>
+            <a:ext cx="10515600" cy="1477328"/>
           </a:xfrm>
           <a:prstGeom prst="rect">
             <a:avLst/>
@@ -8562,7 +8308,7 @@
                   <a:schemeClr val="bg1"/>
                 </a:solidFill>
               </a:rPr>
-              <a:t>Specified period of time which is allowed to wait for some event to occur. </a:t>
+              <a:t>D:\PraiseTheLord\HSBGInfotech\Others\vilas\microservices\training\4\Retries\Instructions</a:t>
             </a:r>
           </a:p>
           <a:p>
@@ -8579,7 +8325,7 @@
                   <a:schemeClr val="bg1"/>
                 </a:solidFill>
               </a:rPr>
-              <a:t>Buses/Train waiting.</a:t>
+              <a:t>Or </a:t>
             </a:r>
           </a:p>
           <a:p>
@@ -8591,96 +8337,20 @@
           </a:p>
           <a:p>
             <a:r>
-              <a:rPr lang="en-US" b="1" dirty="0" err="1">
-                <a:solidFill>
-                  <a:schemeClr val="bg1"/>
-                </a:solidFill>
-              </a:rPr>
-              <a:t>RestTemplate</a:t>
-            </a:r>
-            <a:r>
-              <a:rPr lang="en-US" b="1" dirty="0">
-                <a:solidFill>
-                  <a:schemeClr val="bg1"/>
-                </a:solidFill>
-              </a:rPr>
-              <a:t> timeout</a:t>
-            </a:r>
-          </a:p>
-          <a:p>
-            <a:endParaRPr lang="en-US" b="1" dirty="0">
-              <a:solidFill>
-                <a:schemeClr val="bg1"/>
-              </a:solidFill>
-            </a:endParaRPr>
-          </a:p>
-          <a:p>
-            <a:endParaRPr lang="en-US" b="1" dirty="0">
-              <a:solidFill>
-                <a:schemeClr val="bg1"/>
-              </a:solidFill>
-            </a:endParaRPr>
-          </a:p>
-          <a:p>
-            <a:endParaRPr lang="en-US" b="1" dirty="0">
-              <a:solidFill>
-                <a:schemeClr val="bg1"/>
-              </a:solidFill>
-            </a:endParaRPr>
-          </a:p>
-        </p:txBody>
-      </p:sp>
-      <p:pic>
-        <p:nvPicPr>
-          <p:cNvPr id="2050" name="Picture 2" descr="Image result for circuit breaker image">
-            <a:extLst>
-              <a:ext uri="{FF2B5EF4-FFF2-40B4-BE49-F238E27FC236}">
-                <a16:creationId xmlns:a16="http://schemas.microsoft.com/office/drawing/2014/main" id="{969BD188-47E2-44CD-8595-C8FF97325614}"/>
-              </a:ext>
-            </a:extLst>
-          </p:cNvPr>
-          <p:cNvPicPr>
-            <a:picLocks noChangeAspect="1" noChangeArrowheads="1"/>
-          </p:cNvPicPr>
-          <p:nvPr/>
-        </p:nvPicPr>
-        <p:blipFill>
-          <a:blip r:embed="rId2">
-            <a:extLst>
-              <a:ext uri="{28A0092B-C50C-407E-A947-70E740481C1C}">
-                <a14:useLocalDpi xmlns:a14="http://schemas.microsoft.com/office/drawing/2010/main" val="0"/>
-              </a:ext>
-            </a:extLst>
-          </a:blip>
-          <a:srcRect/>
-          <a:stretch>
-            <a:fillRect/>
-          </a:stretch>
-        </p:blipFill>
-        <p:spPr bwMode="auto">
-          <a:xfrm>
-            <a:off x="6847115" y="2398259"/>
-            <a:ext cx="3027589" cy="2308324"/>
-          </a:xfrm>
-          <a:prstGeom prst="rect">
-            <a:avLst/>
-          </a:prstGeom>
-          <a:noFill/>
-          <a:extLst>
-            <a:ext uri="{909E8E84-426E-40DD-AFC4-6F175D3DCCD1}">
-              <a14:hiddenFill xmlns:a14="http://schemas.microsoft.com/office/drawing/2010/main">
-                <a:solidFill>
-                  <a:srgbClr val="FFFFFF"/>
-                </a:solidFill>
-              </a14:hiddenFill>
-            </a:ext>
-          </a:extLst>
-        </p:spPr>
-      </p:pic>
+              <a:rPr lang="en-US" b="1" dirty="0">
+                <a:solidFill>
+                  <a:schemeClr val="bg1"/>
+                </a:solidFill>
+              </a:rPr>
+              <a:t>https://howtodoinjava.com/spring-boot2/spring-retry-module/</a:t>
+            </a:r>
+          </a:p>
+        </p:txBody>
+      </p:sp>
     </p:spTree>
     <p:extLst>
       <p:ext uri="{BB962C8B-B14F-4D97-AF65-F5344CB8AC3E}">
-        <p14:creationId xmlns:p14="http://schemas.microsoft.com/office/powerpoint/2010/main" val="4168371598"/>
+        <p14:creationId xmlns:p14="http://schemas.microsoft.com/office/powerpoint/2010/main" val="3156689497"/>
       </p:ext>
     </p:extLst>
   </p:cSld>

--- a/training/day4/Day4.pptx
+++ b/training/day4/Day4.pptx
@@ -5,28 +5,29 @@
     <p:sldMasterId id="2147483648" r:id="rId1"/>
   </p:sldMasterIdLst>
   <p:notesMasterIdLst>
-    <p:notesMasterId r:id="rId21"/>
+    <p:notesMasterId r:id="rId22"/>
   </p:notesMasterIdLst>
   <p:sldIdLst>
     <p:sldId id="414" r:id="rId2"/>
     <p:sldId id="415" r:id="rId3"/>
-    <p:sldId id="416" r:id="rId4"/>
-    <p:sldId id="419" r:id="rId5"/>
+    <p:sldId id="419" r:id="rId4"/>
+    <p:sldId id="416" r:id="rId5"/>
     <p:sldId id="425" r:id="rId6"/>
     <p:sldId id="420" r:id="rId7"/>
     <p:sldId id="421" r:id="rId8"/>
     <p:sldId id="422" r:id="rId9"/>
-    <p:sldId id="426" r:id="rId10"/>
-    <p:sldId id="427" r:id="rId11"/>
-    <p:sldId id="423" r:id="rId12"/>
-    <p:sldId id="424" r:id="rId13"/>
-    <p:sldId id="432" r:id="rId14"/>
-    <p:sldId id="435" r:id="rId15"/>
-    <p:sldId id="436" r:id="rId16"/>
-    <p:sldId id="433" r:id="rId17"/>
-    <p:sldId id="437" r:id="rId18"/>
-    <p:sldId id="434" r:id="rId19"/>
-    <p:sldId id="438" r:id="rId20"/>
+    <p:sldId id="427" r:id="rId10"/>
+    <p:sldId id="423" r:id="rId11"/>
+    <p:sldId id="439" r:id="rId12"/>
+    <p:sldId id="440" r:id="rId13"/>
+    <p:sldId id="424" r:id="rId14"/>
+    <p:sldId id="432" r:id="rId15"/>
+    <p:sldId id="435" r:id="rId16"/>
+    <p:sldId id="436" r:id="rId17"/>
+    <p:sldId id="433" r:id="rId18"/>
+    <p:sldId id="437" r:id="rId19"/>
+    <p:sldId id="434" r:id="rId20"/>
+    <p:sldId id="438" r:id="rId21"/>
   </p:sldIdLst>
   <p:sldSz cx="12192000" cy="6858000"/>
   <p:notesSz cx="6858000" cy="9144000"/>
@@ -215,7 +216,7 @@
           <a:p>
             <a:fld id="{F15A6252-5F50-4106-9C23-9E03A675631E}" type="datetimeFigureOut">
               <a:rPr lang="en-IN" smtClean="0"/>
-              <a:t>07-05-2020</a:t>
+              <a:t>08-05-2020</a:t>
             </a:fld>
             <a:endParaRPr lang="en-IN"/>
           </a:p>
@@ -632,7 +633,7 @@
           <a:p>
             <a:fld id="{4086692B-153F-4DFE-BFBD-A2AE2C7443B6}" type="datetimeFigureOut">
               <a:rPr lang="en-IN" smtClean="0"/>
-              <a:t>07-05-2020</a:t>
+              <a:t>08-05-2020</a:t>
             </a:fld>
             <a:endParaRPr lang="en-IN"/>
           </a:p>
@@ -832,7 +833,7 @@
           <a:p>
             <a:fld id="{4086692B-153F-4DFE-BFBD-A2AE2C7443B6}" type="datetimeFigureOut">
               <a:rPr lang="en-IN" smtClean="0"/>
-              <a:t>07-05-2020</a:t>
+              <a:t>08-05-2020</a:t>
             </a:fld>
             <a:endParaRPr lang="en-IN"/>
           </a:p>
@@ -1042,7 +1043,7 @@
           <a:p>
             <a:fld id="{4086692B-153F-4DFE-BFBD-A2AE2C7443B6}" type="datetimeFigureOut">
               <a:rPr lang="en-IN" smtClean="0"/>
-              <a:t>07-05-2020</a:t>
+              <a:t>08-05-2020</a:t>
             </a:fld>
             <a:endParaRPr lang="en-IN"/>
           </a:p>
@@ -1242,7 +1243,7 @@
           <a:p>
             <a:fld id="{4086692B-153F-4DFE-BFBD-A2AE2C7443B6}" type="datetimeFigureOut">
               <a:rPr lang="en-IN" smtClean="0"/>
-              <a:t>07-05-2020</a:t>
+              <a:t>08-05-2020</a:t>
             </a:fld>
             <a:endParaRPr lang="en-IN"/>
           </a:p>
@@ -1518,7 +1519,7 @@
           <a:p>
             <a:fld id="{4086692B-153F-4DFE-BFBD-A2AE2C7443B6}" type="datetimeFigureOut">
               <a:rPr lang="en-IN" smtClean="0"/>
-              <a:t>07-05-2020</a:t>
+              <a:t>08-05-2020</a:t>
             </a:fld>
             <a:endParaRPr lang="en-IN"/>
           </a:p>
@@ -1786,7 +1787,7 @@
           <a:p>
             <a:fld id="{4086692B-153F-4DFE-BFBD-A2AE2C7443B6}" type="datetimeFigureOut">
               <a:rPr lang="en-IN" smtClean="0"/>
-              <a:t>07-05-2020</a:t>
+              <a:t>08-05-2020</a:t>
             </a:fld>
             <a:endParaRPr lang="en-IN"/>
           </a:p>
@@ -2201,7 +2202,7 @@
           <a:p>
             <a:fld id="{4086692B-153F-4DFE-BFBD-A2AE2C7443B6}" type="datetimeFigureOut">
               <a:rPr lang="en-IN" smtClean="0"/>
-              <a:t>07-05-2020</a:t>
+              <a:t>08-05-2020</a:t>
             </a:fld>
             <a:endParaRPr lang="en-IN"/>
           </a:p>
@@ -2343,7 +2344,7 @@
           <a:p>
             <a:fld id="{4086692B-153F-4DFE-BFBD-A2AE2C7443B6}" type="datetimeFigureOut">
               <a:rPr lang="en-IN" smtClean="0"/>
-              <a:t>07-05-2020</a:t>
+              <a:t>08-05-2020</a:t>
             </a:fld>
             <a:endParaRPr lang="en-IN"/>
           </a:p>
@@ -2456,7 +2457,7 @@
           <a:p>
             <a:fld id="{4086692B-153F-4DFE-BFBD-A2AE2C7443B6}" type="datetimeFigureOut">
               <a:rPr lang="en-IN" smtClean="0"/>
-              <a:t>07-05-2020</a:t>
+              <a:t>08-05-2020</a:t>
             </a:fld>
             <a:endParaRPr lang="en-IN"/>
           </a:p>
@@ -2769,7 +2770,7 @@
           <a:p>
             <a:fld id="{4086692B-153F-4DFE-BFBD-A2AE2C7443B6}" type="datetimeFigureOut">
               <a:rPr lang="en-IN" smtClean="0"/>
-              <a:t>07-05-2020</a:t>
+              <a:t>08-05-2020</a:t>
             </a:fld>
             <a:endParaRPr lang="en-IN"/>
           </a:p>
@@ -3058,7 +3059,7 @@
           <a:p>
             <a:fld id="{4086692B-153F-4DFE-BFBD-A2AE2C7443B6}" type="datetimeFigureOut">
               <a:rPr lang="en-IN" smtClean="0"/>
-              <a:t>07-05-2020</a:t>
+              <a:t>08-05-2020</a:t>
             </a:fld>
             <a:endParaRPr lang="en-IN"/>
           </a:p>
@@ -3301,7 +3302,7 @@
           <a:p>
             <a:fld id="{4086692B-153F-4DFE-BFBD-A2AE2C7443B6}" type="datetimeFigureOut">
               <a:rPr lang="en-IN" smtClean="0"/>
-              <a:t>07-05-2020</a:t>
+              <a:t>08-05-2020</a:t>
             </a:fld>
             <a:endParaRPr lang="en-IN"/>
           </a:p>
@@ -3787,7 +3788,7 @@
         </p:nvSpPr>
         <p:spPr>
           <a:xfrm>
-            <a:off x="838200" y="1779687"/>
+            <a:off x="838200" y="1801459"/>
             <a:ext cx="10515600" cy="4524315"/>
           </a:xfrm>
           <a:prstGeom prst="rect">
@@ -3978,18 +3979,13 @@
           </a:p>
           <a:p>
             <a:r>
-              <a:rPr lang="en-US" b="1">
+              <a:rPr lang="en-US" b="1" dirty="0">
                 <a:solidFill>
                   <a:schemeClr val="bg1"/>
                 </a:solidFill>
               </a:rPr>
               <a:t>Spring MVC</a:t>
             </a:r>
-            <a:endParaRPr lang="en-US" b="1" dirty="0">
-              <a:solidFill>
-                <a:schemeClr val="bg1"/>
-              </a:solidFill>
-            </a:endParaRPr>
           </a:p>
         </p:txBody>
       </p:sp>
@@ -4067,7 +4063,7 @@
                 </a:solidFill>
                 <a:latin typeface="+mn-lt"/>
               </a:rPr>
-              <a:t>Retry – Not a great idea always</a:t>
+              <a:t>Circuit Breaker</a:t>
             </a:r>
             <a:endParaRPr lang="en-IN" dirty="0">
               <a:solidFill>
@@ -4092,8 +4088,8 @@
         </p:nvSpPr>
         <p:spPr>
           <a:xfrm>
-            <a:off x="838200" y="1779687"/>
-            <a:ext cx="10515600" cy="4247317"/>
+            <a:off x="838200" y="1790573"/>
+            <a:ext cx="10515600" cy="2031325"/>
           </a:xfrm>
           <a:prstGeom prst="rect">
             <a:avLst/>
@@ -4112,7 +4108,7 @@
                   <a:schemeClr val="bg1"/>
                 </a:solidFill>
               </a:rPr>
-              <a:t>A -&gt; B -&gt; C -&gt; D</a:t>
+              <a:t>Refer microservices-employee-catalog service</a:t>
             </a:r>
           </a:p>
           <a:p>
@@ -4129,7 +4125,17 @@
                   <a:schemeClr val="bg1"/>
                 </a:solidFill>
               </a:rPr>
-              <a:t>If each of them are configured for 3 retries and D fails consistently</a:t>
+              <a:t>D:\PraiseTheLord\HSBGInfotech\Others\vilas\microservices\training\4\CircuitBreaker</a:t>
+            </a:r>
+          </a:p>
+          <a:p>
+            <a:r>
+              <a:rPr lang="en-US" b="1" dirty="0">
+                <a:solidFill>
+                  <a:schemeClr val="bg1"/>
+                </a:solidFill>
+              </a:rPr>
+              <a:t>\Instructions.txt</a:t>
             </a:r>
           </a:p>
           <a:p>
@@ -4140,26 +4146,6 @@
             </a:endParaRPr>
           </a:p>
           <a:p>
-            <a:r>
-              <a:rPr lang="en-US" b="1" dirty="0">
-                <a:solidFill>
-                  <a:schemeClr val="bg1"/>
-                </a:solidFill>
-              </a:rPr>
-              <a:t>so B will face 3x load, C — 9x and D — 27x!. </a:t>
-            </a:r>
-          </a:p>
-          <a:p>
-            <a:r>
-              <a:rPr lang="en-US" b="1" dirty="0">
-                <a:solidFill>
-                  <a:schemeClr val="bg1"/>
-                </a:solidFill>
-              </a:rPr>
-              <a:t>This will create a storm of requests.</a:t>
-            </a:r>
-          </a:p>
-          <a:p>
             <a:endParaRPr lang="en-US" b="1" dirty="0">
               <a:solidFill>
                 <a:schemeClr val="bg1"/>
@@ -4167,129 +4153,65 @@
             </a:endParaRPr>
           </a:p>
           <a:p>
-            <a:r>
-              <a:rPr lang="en-US" b="1" dirty="0">
-                <a:solidFill>
-                  <a:schemeClr val="bg1"/>
-                </a:solidFill>
-              </a:rPr>
-              <a:t>Solution:</a:t>
-            </a:r>
-          </a:p>
-          <a:p>
-            <a:r>
-              <a:rPr lang="en-US" b="1" dirty="0">
-                <a:solidFill>
-                  <a:schemeClr val="bg1"/>
-                </a:solidFill>
-              </a:rPr>
-              <a:t>	Distinguish </a:t>
-            </a:r>
-            <a:r>
-              <a:rPr lang="en-US" b="1" dirty="0" err="1">
-                <a:solidFill>
-                  <a:schemeClr val="bg1"/>
-                </a:solidFill>
-              </a:rPr>
-              <a:t>retryable</a:t>
-            </a:r>
-            <a:r>
-              <a:rPr lang="en-US" b="1" dirty="0">
-                <a:solidFill>
-                  <a:schemeClr val="bg1"/>
-                </a:solidFill>
-              </a:rPr>
-              <a:t> errors from non-</a:t>
-            </a:r>
-            <a:r>
-              <a:rPr lang="en-US" b="1" dirty="0" err="1">
-                <a:solidFill>
-                  <a:schemeClr val="bg1"/>
-                </a:solidFill>
-              </a:rPr>
-              <a:t>retryable</a:t>
-            </a:r>
-            <a:r>
-              <a:rPr lang="en-US" b="1" dirty="0">
-                <a:solidFill>
-                  <a:schemeClr val="bg1"/>
-                </a:solidFill>
-              </a:rPr>
-              <a:t>. </a:t>
-            </a:r>
-          </a:p>
-          <a:p>
-            <a:r>
-              <a:rPr lang="en-US" b="1" dirty="0">
-                <a:solidFill>
-                  <a:schemeClr val="bg1"/>
-                </a:solidFill>
-              </a:rPr>
-              <a:t>	It’s pointless to retry all request, </a:t>
-            </a:r>
-          </a:p>
-          <a:p>
-            <a:r>
-              <a:rPr lang="en-US" b="1" dirty="0">
-                <a:solidFill>
-                  <a:schemeClr val="bg1"/>
-                </a:solidFill>
-              </a:rPr>
-              <a:t>		when user doesn’t have permissions or payload doesn’t structured properly. </a:t>
-            </a:r>
-          </a:p>
-          <a:p>
-            <a:r>
-              <a:rPr lang="en-US" b="1" dirty="0">
-                <a:solidFill>
-                  <a:schemeClr val="bg1"/>
-                </a:solidFill>
-              </a:rPr>
-              <a:t>	Adopt error budgeting — </a:t>
-            </a:r>
-          </a:p>
-          <a:p>
-            <a:r>
-              <a:rPr lang="en-US" b="1" dirty="0">
-                <a:solidFill>
-                  <a:schemeClr val="bg1"/>
-                </a:solidFill>
-              </a:rPr>
-              <a:t>		Say 3 retries in D fails, A should stop making request. This could be 2</a:t>
-            </a:r>
-            <a:r>
-              <a:rPr lang="en-US" b="1" baseline="30000" dirty="0">
-                <a:solidFill>
-                  <a:schemeClr val="bg1"/>
-                </a:solidFill>
-              </a:rPr>
-              <a:t>nd</a:t>
-            </a:r>
-            <a:r>
-              <a:rPr lang="en-US" b="1" dirty="0">
-                <a:solidFill>
-                  <a:schemeClr val="bg1"/>
-                </a:solidFill>
-              </a:rPr>
-              <a:t> request of A though.</a:t>
-            </a:r>
-          </a:p>
-          <a:p>
-            <a:r>
-              <a:rPr lang="en-US" b="1" dirty="0">
-                <a:solidFill>
-                  <a:schemeClr val="bg1"/>
-                </a:solidFill>
-              </a:rPr>
-              <a:t>	Isn’t that similar to Circuit breaker???</a:t>
-            </a:r>
-          </a:p>
-        </p:txBody>
-      </p:sp>
+            <a:endParaRPr lang="en-US" b="1" dirty="0">
+              <a:solidFill>
+                <a:schemeClr val="bg1"/>
+              </a:solidFill>
+            </a:endParaRPr>
+          </a:p>
+        </p:txBody>
+      </p:sp>
+      <p:pic>
+        <p:nvPicPr>
+          <p:cNvPr id="5" name="Picture 2" descr="Image result for circuit breaker image">
+            <a:extLst>
+              <a:ext uri="{FF2B5EF4-FFF2-40B4-BE49-F238E27FC236}">
+                <a16:creationId xmlns:a16="http://schemas.microsoft.com/office/drawing/2014/main" id="{4D7A8D73-5F37-46FE-ABCA-45198F1FEE1D}"/>
+              </a:ext>
+            </a:extLst>
+          </p:cNvPr>
+          <p:cNvPicPr>
+            <a:picLocks noChangeAspect="1" noChangeArrowheads="1"/>
+          </p:cNvPicPr>
+          <p:nvPr/>
+        </p:nvPicPr>
+        <p:blipFill>
+          <a:blip r:embed="rId2">
+            <a:extLst>
+              <a:ext uri="{28A0092B-C50C-407E-A947-70E740481C1C}">
+                <a14:useLocalDpi xmlns:a14="http://schemas.microsoft.com/office/drawing/2010/main" val="0"/>
+              </a:ext>
+            </a:extLst>
+          </a:blip>
+          <a:srcRect/>
+          <a:stretch>
+            <a:fillRect/>
+          </a:stretch>
+        </p:blipFill>
+        <p:spPr bwMode="auto">
+          <a:xfrm>
+            <a:off x="7021286" y="3495326"/>
+            <a:ext cx="3267075" cy="2308324"/>
+          </a:xfrm>
+          <a:prstGeom prst="rect">
+            <a:avLst/>
+          </a:prstGeom>
+          <a:noFill/>
+          <a:extLst>
+            <a:ext uri="{909E8E84-426E-40DD-AFC4-6F175D3DCCD1}">
+              <a14:hiddenFill xmlns:a14="http://schemas.microsoft.com/office/drawing/2010/main">
+                <a:solidFill>
+                  <a:srgbClr val="FFFFFF"/>
+                </a:solidFill>
+              </a14:hiddenFill>
+            </a:ext>
+          </a:extLst>
+        </p:spPr>
+      </p:pic>
     </p:spTree>
     <p:extLst>
       <p:ext uri="{BB962C8B-B14F-4D97-AF65-F5344CB8AC3E}">
-        <p14:creationId xmlns:p14="http://schemas.microsoft.com/office/powerpoint/2010/main" val="770807598"/>
+        <p14:creationId xmlns:p14="http://schemas.microsoft.com/office/powerpoint/2010/main" val="2057979376"/>
       </p:ext>
     </p:extLst>
   </p:cSld>
@@ -4360,7 +4282,7 @@
                 </a:solidFill>
                 <a:latin typeface="+mn-lt"/>
               </a:rPr>
-              <a:t>Circuit Breaker</a:t>
+              <a:t>Timeouts</a:t>
             </a:r>
             <a:endParaRPr lang="en-IN" dirty="0">
               <a:solidFill>
@@ -4386,7 +4308,7 @@
         <p:spPr>
           <a:xfrm>
             <a:off x="838200" y="1779687"/>
-            <a:ext cx="10515600" cy="2031325"/>
+            <a:ext cx="10515600" cy="1200329"/>
           </a:xfrm>
           <a:prstGeom prst="rect">
             <a:avLst/>
@@ -4405,7 +4327,75 @@
                   <a:schemeClr val="bg1"/>
                 </a:solidFill>
               </a:rPr>
-              <a:t>Refer microservices-employee-catalog service</a:t>
+              <a:t>By default </a:t>
+            </a:r>
+            <a:r>
+              <a:rPr lang="en-US" b="1" dirty="0" err="1">
+                <a:solidFill>
+                  <a:schemeClr val="bg1"/>
+                </a:solidFill>
+              </a:rPr>
+              <a:t>RestTemplate</a:t>
+            </a:r>
+            <a:r>
+              <a:rPr lang="en-US" b="1" dirty="0">
+                <a:solidFill>
+                  <a:schemeClr val="bg1"/>
+                </a:solidFill>
+              </a:rPr>
+              <a:t> uses </a:t>
+            </a:r>
+            <a:r>
+              <a:rPr lang="en-US" b="1" dirty="0" err="1">
+                <a:solidFill>
+                  <a:schemeClr val="bg1"/>
+                </a:solidFill>
+              </a:rPr>
+              <a:t>SimpleClientHttpRequestFactory</a:t>
+            </a:r>
+            <a:r>
+              <a:rPr lang="en-US" b="1" dirty="0">
+                <a:solidFill>
+                  <a:schemeClr val="bg1"/>
+                </a:solidFill>
+              </a:rPr>
+              <a:t> </a:t>
+            </a:r>
+          </a:p>
+          <a:p>
+            <a:r>
+              <a:rPr lang="en-US" b="1" dirty="0">
+                <a:solidFill>
+                  <a:schemeClr val="bg1"/>
+                </a:solidFill>
+              </a:rPr>
+              <a:t>depends on default configuration of </a:t>
+            </a:r>
+            <a:r>
+              <a:rPr lang="en-US" b="1" dirty="0" err="1">
+                <a:solidFill>
+                  <a:schemeClr val="bg1"/>
+                </a:solidFill>
+              </a:rPr>
+              <a:t>HttpURLConnection</a:t>
+            </a:r>
+            <a:r>
+              <a:rPr lang="en-US" b="1" dirty="0">
+                <a:solidFill>
+                  <a:schemeClr val="bg1"/>
+                </a:solidFill>
+              </a:rPr>
+              <a:t>.</a:t>
+            </a:r>
+          </a:p>
+          <a:p>
+            <a:r>
+              <a:rPr lang="en-US" b="1" dirty="0">
+                <a:solidFill>
+                  <a:schemeClr val="bg1"/>
+                </a:solidFill>
+              </a:rPr>
+              <a:t>Infinite timeout by default.</a:t>
             </a:r>
           </a:p>
           <a:p>
@@ -4415,100 +4405,12 @@
               </a:solidFill>
             </a:endParaRPr>
           </a:p>
-          <a:p>
-            <a:r>
-              <a:rPr lang="en-US" b="1" dirty="0">
-                <a:solidFill>
-                  <a:schemeClr val="bg1"/>
-                </a:solidFill>
-              </a:rPr>
-              <a:t>D:\PraiseTheLord\HSBGInfotech\Others\vilas\microservices\training\4\CircuitBreaker</a:t>
-            </a:r>
-          </a:p>
-          <a:p>
-            <a:r>
-              <a:rPr lang="en-US" b="1" dirty="0">
-                <a:solidFill>
-                  <a:schemeClr val="bg1"/>
-                </a:solidFill>
-              </a:rPr>
-              <a:t>\Instructions.txt</a:t>
-            </a:r>
-          </a:p>
-          <a:p>
-            <a:endParaRPr lang="en-US" b="1" dirty="0">
-              <a:solidFill>
-                <a:schemeClr val="bg1"/>
-              </a:solidFill>
-            </a:endParaRPr>
-          </a:p>
-          <a:p>
-            <a:endParaRPr lang="en-US" b="1" dirty="0">
-              <a:solidFill>
-                <a:schemeClr val="bg1"/>
-              </a:solidFill>
-            </a:endParaRPr>
-          </a:p>
-          <a:p>
-            <a:endParaRPr lang="en-US" b="1" dirty="0">
-              <a:solidFill>
-                <a:schemeClr val="bg1"/>
-              </a:solidFill>
-            </a:endParaRPr>
-          </a:p>
-        </p:txBody>
-      </p:sp>
-      <p:pic>
-        <p:nvPicPr>
-          <p:cNvPr id="5" name="Picture 2" descr="Image result for circuit breaker image">
-            <a:extLst>
-              <a:ext uri="{FF2B5EF4-FFF2-40B4-BE49-F238E27FC236}">
-                <a16:creationId xmlns:a16="http://schemas.microsoft.com/office/drawing/2014/main" id="{4D7A8D73-5F37-46FE-ABCA-45198F1FEE1D}"/>
-              </a:ext>
-            </a:extLst>
-          </p:cNvPr>
-          <p:cNvPicPr>
-            <a:picLocks noChangeAspect="1" noChangeArrowheads="1"/>
-          </p:cNvPicPr>
-          <p:nvPr/>
-        </p:nvPicPr>
-        <p:blipFill>
-          <a:blip r:embed="rId2">
-            <a:extLst>
-              <a:ext uri="{28A0092B-C50C-407E-A947-70E740481C1C}">
-                <a14:useLocalDpi xmlns:a14="http://schemas.microsoft.com/office/drawing/2010/main" val="0"/>
-              </a:ext>
-            </a:extLst>
-          </a:blip>
-          <a:srcRect/>
-          <a:stretch>
-            <a:fillRect/>
-          </a:stretch>
-        </p:blipFill>
-        <p:spPr bwMode="auto">
-          <a:xfrm>
-            <a:off x="7260772" y="3495326"/>
-            <a:ext cx="3027589" cy="2308324"/>
-          </a:xfrm>
-          <a:prstGeom prst="rect">
-            <a:avLst/>
-          </a:prstGeom>
-          <a:noFill/>
-          <a:extLst>
-            <a:ext uri="{909E8E84-426E-40DD-AFC4-6F175D3DCCD1}">
-              <a14:hiddenFill xmlns:a14="http://schemas.microsoft.com/office/drawing/2010/main">
-                <a:solidFill>
-                  <a:srgbClr val="FFFFFF"/>
-                </a:solidFill>
-              </a14:hiddenFill>
-            </a:ext>
-          </a:extLst>
-        </p:spPr>
-      </p:pic>
+        </p:txBody>
+      </p:sp>
     </p:spTree>
     <p:extLst>
       <p:ext uri="{BB962C8B-B14F-4D97-AF65-F5344CB8AC3E}">
-        <p14:creationId xmlns:p14="http://schemas.microsoft.com/office/powerpoint/2010/main" val="2057979376"/>
+        <p14:creationId xmlns:p14="http://schemas.microsoft.com/office/powerpoint/2010/main" val="861139556"/>
       </p:ext>
     </p:extLst>
   </p:cSld>
@@ -4579,7 +4481,7 @@
                 </a:solidFill>
                 <a:latin typeface="+mn-lt"/>
               </a:rPr>
-              <a:t>Deadlines/distributed timeouts</a:t>
+              <a:t>Timeouts</a:t>
             </a:r>
             <a:endParaRPr lang="en-IN" dirty="0">
               <a:solidFill>
@@ -4605,7 +4507,7 @@
         <p:spPr>
           <a:xfrm>
             <a:off x="838200" y="1779687"/>
-            <a:ext cx="10515600" cy="3139321"/>
+            <a:ext cx="10515600" cy="5078313"/>
           </a:xfrm>
           <a:prstGeom prst="rect">
             <a:avLst/>
@@ -4624,20 +4526,16 @@
                   <a:schemeClr val="bg1"/>
                 </a:solidFill>
               </a:rPr>
-              <a:t>A -&gt; B -&gt; C -&gt; D</a:t>
-            </a:r>
-          </a:p>
-          <a:p>
-            <a:r>
-              <a:rPr lang="en-US" b="1" dirty="0">
-                <a:solidFill>
-                  <a:schemeClr val="bg1"/>
-                </a:solidFill>
-              </a:rPr>
-              <a:t>If A and B are both waiting for 5 seconds.</a:t>
-            </a:r>
-          </a:p>
-          <a:p>
+              <a:t>Can be configured while starting </a:t>
+            </a:r>
+            <a:r>
+              <a:rPr lang="en-US" b="1" dirty="0" err="1">
+                <a:solidFill>
+                  <a:schemeClr val="bg1"/>
+                </a:solidFill>
+              </a:rPr>
+              <a:t>jvm</a:t>
+            </a:r>
             <a:endParaRPr lang="en-US" b="1" dirty="0">
               <a:solidFill>
                 <a:schemeClr val="bg1"/>
@@ -4645,13 +4543,89 @@
             </a:endParaRPr>
           </a:p>
           <a:p>
-            <a:r>
-              <a:rPr lang="en-US" b="1" dirty="0">
-                <a:solidFill>
-                  <a:schemeClr val="bg1"/>
-                </a:solidFill>
-              </a:rPr>
-              <a:t>If B has already completed waiting for 5 seconds, then there is no point for A to continue  waiting. A should exit in such a case.</a:t>
+            <a:pPr lvl="1"/>
+            <a:r>
+              <a:rPr lang="en-US" b="1" dirty="0">
+                <a:solidFill>
+                  <a:schemeClr val="bg1"/>
+                </a:solidFill>
+              </a:rPr>
+              <a:t>-</a:t>
+            </a:r>
+            <a:r>
+              <a:rPr lang="en-US" b="1" dirty="0" err="1">
+                <a:solidFill>
+                  <a:schemeClr val="bg1"/>
+                </a:solidFill>
+              </a:rPr>
+              <a:t>Dsun.net.client.defaultConnectTimeout</a:t>
+            </a:r>
+            <a:r>
+              <a:rPr lang="en-US" b="1" dirty="0">
+                <a:solidFill>
+                  <a:schemeClr val="bg1"/>
+                </a:solidFill>
+              </a:rPr>
+              <a:t>=&lt;</a:t>
+            </a:r>
+            <a:r>
+              <a:rPr lang="en-US" b="1" dirty="0" err="1">
+                <a:solidFill>
+                  <a:schemeClr val="bg1"/>
+                </a:solidFill>
+              </a:rPr>
+              <a:t>TimeoutInMiliSec</a:t>
+            </a:r>
+            <a:r>
+              <a:rPr lang="en-US" b="1" dirty="0">
+                <a:solidFill>
+                  <a:schemeClr val="bg1"/>
+                </a:solidFill>
+              </a:rPr>
+              <a:t>&gt;</a:t>
+            </a:r>
+          </a:p>
+          <a:p>
+            <a:pPr lvl="1"/>
+            <a:r>
+              <a:rPr lang="en-US" b="1" dirty="0">
+                <a:solidFill>
+                  <a:schemeClr val="bg1"/>
+                </a:solidFill>
+              </a:rPr>
+              <a:t>-</a:t>
+            </a:r>
+            <a:r>
+              <a:rPr lang="en-US" b="1" dirty="0" err="1">
+                <a:solidFill>
+                  <a:schemeClr val="bg1"/>
+                </a:solidFill>
+              </a:rPr>
+              <a:t>Dsun.net.client.defaultReadTimeout</a:t>
+            </a:r>
+            <a:r>
+              <a:rPr lang="en-US" b="1" dirty="0">
+                <a:solidFill>
+                  <a:schemeClr val="bg1"/>
+                </a:solidFill>
+              </a:rPr>
+              <a:t>=&lt;</a:t>
+            </a:r>
+            <a:r>
+              <a:rPr lang="en-US" b="1" dirty="0" err="1">
+                <a:solidFill>
+                  <a:schemeClr val="bg1"/>
+                </a:solidFill>
+              </a:rPr>
+              <a:t>TimeoutInMiliSec</a:t>
+            </a:r>
+            <a:r>
+              <a:rPr lang="en-US" b="1" dirty="0">
+                <a:solidFill>
+                  <a:schemeClr val="bg1"/>
+                </a:solidFill>
+              </a:rPr>
+              <a:t>&gt;</a:t>
             </a:r>
           </a:p>
           <a:p>
@@ -4663,15 +4637,165 @@
           </a:p>
           <a:p>
             <a:r>
-              <a:rPr lang="en-US" b="1" dirty="0">
-                <a:solidFill>
-                  <a:schemeClr val="bg1"/>
-                </a:solidFill>
-              </a:rPr>
-              <a:t>This is very complex to implement.</a:t>
-            </a:r>
-          </a:p>
-          <a:p>
+              <a:rPr lang="en-US" b="1" dirty="0" err="1">
+                <a:solidFill>
+                  <a:schemeClr val="bg1"/>
+                </a:solidFill>
+              </a:rPr>
+              <a:t>RestTemplate</a:t>
+            </a:r>
+            <a:r>
+              <a:rPr lang="en-US" b="1" dirty="0">
+                <a:solidFill>
+                  <a:schemeClr val="bg1"/>
+                </a:solidFill>
+              </a:rPr>
+              <a:t> </a:t>
+            </a:r>
+            <a:r>
+              <a:rPr lang="en-US" b="1" dirty="0" err="1">
+                <a:solidFill>
+                  <a:schemeClr val="bg1"/>
+                </a:solidFill>
+              </a:rPr>
+              <a:t>restTemplate</a:t>
+            </a:r>
+            <a:r>
+              <a:rPr lang="en-US" b="1" dirty="0">
+                <a:solidFill>
+                  <a:schemeClr val="bg1"/>
+                </a:solidFill>
+              </a:rPr>
+              <a:t> = new </a:t>
+            </a:r>
+            <a:r>
+              <a:rPr lang="en-US" b="1" dirty="0" err="1">
+                <a:solidFill>
+                  <a:schemeClr val="bg1"/>
+                </a:solidFill>
+              </a:rPr>
+              <a:t>RestTemplate</a:t>
+            </a:r>
+            <a:r>
+              <a:rPr lang="en-US" b="1" dirty="0">
+                <a:solidFill>
+                  <a:schemeClr val="bg1"/>
+                </a:solidFill>
+              </a:rPr>
+              <a:t>(</a:t>
+            </a:r>
+            <a:r>
+              <a:rPr lang="en-US" b="1" dirty="0" err="1">
+                <a:solidFill>
+                  <a:schemeClr val="bg1"/>
+                </a:solidFill>
+              </a:rPr>
+              <a:t>getClientHttpRequestFactory</a:t>
+            </a:r>
+            <a:r>
+              <a:rPr lang="en-US" b="1" dirty="0">
+                <a:solidFill>
+                  <a:schemeClr val="bg1"/>
+                </a:solidFill>
+              </a:rPr>
+              <a:t>()); </a:t>
+            </a:r>
+          </a:p>
+          <a:p>
+            <a:r>
+              <a:rPr lang="en-US" b="1" dirty="0">
+                <a:solidFill>
+                  <a:schemeClr val="bg1"/>
+                </a:solidFill>
+              </a:rPr>
+              <a:t>//Override timeouts in request factory</a:t>
+            </a:r>
+          </a:p>
+          <a:p>
+            <a:r>
+              <a:rPr lang="en-US" b="1" dirty="0">
+                <a:solidFill>
+                  <a:schemeClr val="bg1"/>
+                </a:solidFill>
+              </a:rPr>
+              <a:t>private </a:t>
+            </a:r>
+            <a:r>
+              <a:rPr lang="en-US" b="1" dirty="0" err="1">
+                <a:solidFill>
+                  <a:schemeClr val="bg1"/>
+                </a:solidFill>
+              </a:rPr>
+              <a:t>SimpleClientHttpRequestFactory</a:t>
+            </a:r>
+            <a:r>
+              <a:rPr lang="en-US" b="1" dirty="0">
+                <a:solidFill>
+                  <a:schemeClr val="bg1"/>
+                </a:solidFill>
+              </a:rPr>
+              <a:t> </a:t>
+            </a:r>
+            <a:r>
+              <a:rPr lang="en-US" b="1" dirty="0" err="1">
+                <a:solidFill>
+                  <a:schemeClr val="bg1"/>
+                </a:solidFill>
+              </a:rPr>
+              <a:t>getClientHttpRequestFactory</a:t>
+            </a:r>
+            <a:r>
+              <a:rPr lang="en-US" b="1" dirty="0">
+                <a:solidFill>
+                  <a:schemeClr val="bg1"/>
+                </a:solidFill>
+              </a:rPr>
+              <a:t>() </a:t>
+            </a:r>
+          </a:p>
+          <a:p>
+            <a:r>
+              <a:rPr lang="en-US" b="1" dirty="0">
+                <a:solidFill>
+                  <a:schemeClr val="bg1"/>
+                </a:solidFill>
+              </a:rPr>
+              <a:t>{</a:t>
+            </a:r>
+          </a:p>
+          <a:p>
+            <a:r>
+              <a:rPr lang="en-US" b="1" dirty="0">
+                <a:solidFill>
+                  <a:schemeClr val="bg1"/>
+                </a:solidFill>
+              </a:rPr>
+              <a:t>    </a:t>
+            </a:r>
+            <a:r>
+              <a:rPr lang="en-US" b="1" dirty="0" err="1">
+                <a:solidFill>
+                  <a:schemeClr val="bg1"/>
+                </a:solidFill>
+              </a:rPr>
+              <a:t>SimpleClientHttpRequestFactory</a:t>
+            </a:r>
+            <a:r>
+              <a:rPr lang="en-US" b="1" dirty="0">
+                <a:solidFill>
+                  <a:schemeClr val="bg1"/>
+                </a:solidFill>
+              </a:rPr>
+              <a:t> </a:t>
+            </a:r>
+            <a:r>
+              <a:rPr lang="en-US" b="1" dirty="0" err="1">
+                <a:solidFill>
+                  <a:schemeClr val="bg1"/>
+                </a:solidFill>
+              </a:rPr>
+              <a:t>clientHttpRequestFactory</a:t>
+            </a:r>
             <a:endParaRPr lang="en-US" b="1" dirty="0">
               <a:solidFill>
                 <a:schemeClr val="bg1"/>
@@ -4685,35 +4809,156 @@
                   <a:schemeClr val="bg1"/>
                 </a:solidFill>
               </a:rPr>
-              <a:t>More details can be found at </a:t>
-            </a:r>
-          </a:p>
-          <a:p>
-            <a:r>
-              <a:rPr lang="en-IN">
-                <a:hlinkClick r:id="rId2"/>
-              </a:rPr>
-              <a:t>https://itnext.io/5-patterns-to-make-your-microservice-fault-tolerant-f3a1c73547b3</a:t>
-            </a:r>
+              <a:t>                      = new </a:t>
+            </a:r>
+            <a:r>
+              <a:rPr lang="en-US" b="1" dirty="0" err="1">
+                <a:solidFill>
+                  <a:schemeClr val="bg1"/>
+                </a:solidFill>
+              </a:rPr>
+              <a:t>SimpleClientHttpRequestFactory</a:t>
+            </a:r>
+            <a:r>
+              <a:rPr lang="en-US" b="1" dirty="0">
+                <a:solidFill>
+                  <a:schemeClr val="bg1"/>
+                </a:solidFill>
+              </a:rPr>
+              <a:t>();</a:t>
+            </a:r>
+          </a:p>
+          <a:p>
+            <a:r>
+              <a:rPr lang="en-US" b="1" dirty="0">
+                <a:solidFill>
+                  <a:schemeClr val="bg1"/>
+                </a:solidFill>
+              </a:rPr>
+              <a:t>    //Connect timeout</a:t>
+            </a:r>
+          </a:p>
+          <a:p>
+            <a:r>
+              <a:rPr lang="en-US" b="1" dirty="0">
+                <a:solidFill>
+                  <a:schemeClr val="bg1"/>
+                </a:solidFill>
+              </a:rPr>
+              <a:t>    </a:t>
+            </a:r>
+            <a:r>
+              <a:rPr lang="en-US" b="1" dirty="0" err="1">
+                <a:solidFill>
+                  <a:schemeClr val="bg1"/>
+                </a:solidFill>
+              </a:rPr>
+              <a:t>clientHttpRequestFactory.setConnectTimeout</a:t>
+            </a:r>
+            <a:r>
+              <a:rPr lang="en-US" b="1" dirty="0">
+                <a:solidFill>
+                  <a:schemeClr val="bg1"/>
+                </a:solidFill>
+              </a:rPr>
+              <a:t>(10_000);</a:t>
+            </a:r>
+          </a:p>
+          <a:p>
+            <a:r>
+              <a:rPr lang="en-US" b="1" dirty="0">
+                <a:solidFill>
+                  <a:schemeClr val="bg1"/>
+                </a:solidFill>
+              </a:rPr>
+              <a:t>     </a:t>
+            </a:r>
+          </a:p>
+          <a:p>
+            <a:r>
+              <a:rPr lang="en-US" b="1" dirty="0">
+                <a:solidFill>
+                  <a:schemeClr val="bg1"/>
+                </a:solidFill>
+              </a:rPr>
+              <a:t>    //Read timeout</a:t>
+            </a:r>
+          </a:p>
+          <a:p>
+            <a:r>
+              <a:rPr lang="en-US" b="1" dirty="0">
+                <a:solidFill>
+                  <a:schemeClr val="bg1"/>
+                </a:solidFill>
+              </a:rPr>
+              <a:t>    </a:t>
+            </a:r>
+            <a:r>
+              <a:rPr lang="en-US" b="1" dirty="0" err="1">
+                <a:solidFill>
+                  <a:schemeClr val="bg1"/>
+                </a:solidFill>
+              </a:rPr>
+              <a:t>clientHttpRequestFactory.setReadTimeout</a:t>
+            </a:r>
+            <a:r>
+              <a:rPr lang="en-US" b="1" dirty="0">
+                <a:solidFill>
+                  <a:schemeClr val="bg1"/>
+                </a:solidFill>
+              </a:rPr>
+              <a:t>(10_000);</a:t>
+            </a:r>
+          </a:p>
+          <a:p>
+            <a:r>
+              <a:rPr lang="en-US" b="1" dirty="0">
+                <a:solidFill>
+                  <a:schemeClr val="bg1"/>
+                </a:solidFill>
+              </a:rPr>
+              <a:t>    return </a:t>
+            </a:r>
+            <a:r>
+              <a:rPr lang="en-US" b="1" dirty="0" err="1">
+                <a:solidFill>
+                  <a:schemeClr val="bg1"/>
+                </a:solidFill>
+              </a:rPr>
+              <a:t>clientHttpRequestFactory</a:t>
+            </a:r>
+            <a:r>
+              <a:rPr lang="en-US" b="1" dirty="0">
+                <a:solidFill>
+                  <a:schemeClr val="bg1"/>
+                </a:solidFill>
+              </a:rPr>
+              <a:t>;</a:t>
+            </a:r>
+          </a:p>
+          <a:p>
+            <a:r>
+              <a:rPr lang="en-US" b="1" dirty="0">
+                <a:solidFill>
+                  <a:schemeClr val="bg1"/>
+                </a:solidFill>
+              </a:rPr>
+              <a:t>}</a:t>
+            </a:r>
+          </a:p>
+          <a:p>
             <a:endParaRPr lang="en-US" b="1" dirty="0">
               <a:solidFill>
                 <a:schemeClr val="bg1"/>
               </a:solidFill>
             </a:endParaRPr>
           </a:p>
-          <a:p>
-            <a:endParaRPr lang="en-US" b="1" dirty="0">
-              <a:solidFill>
-                <a:schemeClr val="bg1"/>
-              </a:solidFill>
-            </a:endParaRPr>
-          </a:p>
         </p:txBody>
       </p:sp>
     </p:spTree>
     <p:extLst>
       <p:ext uri="{BB962C8B-B14F-4D97-AF65-F5344CB8AC3E}">
-        <p14:creationId xmlns:p14="http://schemas.microsoft.com/office/powerpoint/2010/main" val="1332125838"/>
+        <p14:creationId xmlns:p14="http://schemas.microsoft.com/office/powerpoint/2010/main" val="1999739076"/>
       </p:ext>
     </p:extLst>
   </p:cSld>
@@ -4784,7 +5029,7 @@
                 </a:solidFill>
                 <a:latin typeface="+mn-lt"/>
               </a:rPr>
-              <a:t>Externalize Configurations</a:t>
+              <a:t>Deadlines/distributed timeouts</a:t>
             </a:r>
             <a:endParaRPr lang="en-IN" dirty="0">
               <a:solidFill>
@@ -4809,8 +5054,8 @@
         </p:nvSpPr>
         <p:spPr>
           <a:xfrm>
-            <a:off x="838200" y="1690688"/>
-            <a:ext cx="10515600" cy="5355312"/>
+            <a:off x="838200" y="1779687"/>
+            <a:ext cx="10515600" cy="3139321"/>
           </a:xfrm>
           <a:prstGeom prst="rect">
             <a:avLst/>
@@ -4829,230 +5074,20 @@
                   <a:schemeClr val="bg1"/>
                 </a:solidFill>
               </a:rPr>
-              <a:t>What is configuration </a:t>
-            </a:r>
-          </a:p>
-          <a:p>
-            <a:r>
-              <a:rPr lang="en-US" b="1" dirty="0">
-                <a:solidFill>
-                  <a:schemeClr val="bg1"/>
-                </a:solidFill>
-              </a:rPr>
-              <a:t>	Traditional best practices: </a:t>
-            </a:r>
-          </a:p>
-          <a:p>
-            <a:r>
-              <a:rPr lang="en-US" b="1" dirty="0">
-                <a:solidFill>
-                  <a:schemeClr val="bg1"/>
-                </a:solidFill>
-              </a:rPr>
-              <a:t>		</a:t>
-            </a:r>
-            <a:r>
-              <a:rPr lang="en-US" b="1" dirty="0" err="1">
-                <a:solidFill>
-                  <a:schemeClr val="bg1"/>
-                </a:solidFill>
-              </a:rPr>
-              <a:t>Seperate</a:t>
-            </a:r>
-            <a:r>
-              <a:rPr lang="en-US" b="1" dirty="0">
-                <a:solidFill>
-                  <a:schemeClr val="bg1"/>
-                </a:solidFill>
-              </a:rPr>
-              <a:t> code and config</a:t>
-            </a:r>
-          </a:p>
-          <a:p>
-            <a:r>
-              <a:rPr lang="en-US" b="1" dirty="0">
-                <a:solidFill>
-                  <a:schemeClr val="bg1"/>
-                </a:solidFill>
-              </a:rPr>
-              <a:t>			</a:t>
-            </a:r>
-            <a:r>
-              <a:rPr lang="en-US" b="1" dirty="0" err="1">
-                <a:solidFill>
-                  <a:schemeClr val="bg1"/>
-                </a:solidFill>
-              </a:rPr>
-              <a:t>db</a:t>
-            </a:r>
-            <a:r>
-              <a:rPr lang="en-US" b="1" dirty="0">
-                <a:solidFill>
-                  <a:schemeClr val="bg1"/>
-                </a:solidFill>
-              </a:rPr>
-              <a:t> connection details.</a:t>
-            </a:r>
-          </a:p>
-          <a:p>
-            <a:r>
-              <a:rPr lang="en-US" b="1" dirty="0">
-                <a:solidFill>
-                  <a:schemeClr val="bg1"/>
-                </a:solidFill>
-              </a:rPr>
-              <a:t>			port, host </a:t>
-            </a:r>
-            <a:r>
-              <a:rPr lang="en-US" b="1" dirty="0" err="1">
-                <a:solidFill>
-                  <a:schemeClr val="bg1"/>
-                </a:solidFill>
-              </a:rPr>
-              <a:t>ect</a:t>
-            </a:r>
-            <a:r>
-              <a:rPr lang="en-US" b="1" dirty="0">
-                <a:solidFill>
-                  <a:schemeClr val="bg1"/>
-                </a:solidFill>
-              </a:rPr>
-              <a:t>..</a:t>
-            </a:r>
-          </a:p>
-          <a:p>
-            <a:r>
-              <a:rPr lang="en-US" b="1" dirty="0">
-                <a:solidFill>
-                  <a:schemeClr val="bg1"/>
-                </a:solidFill>
-              </a:rPr>
-              <a:t>			File names </a:t>
-            </a:r>
-          </a:p>
-          <a:p>
-            <a:r>
-              <a:rPr lang="en-US" b="1" dirty="0">
-                <a:solidFill>
-                  <a:schemeClr val="bg1"/>
-                </a:solidFill>
-              </a:rPr>
-              <a:t>			profiles user details </a:t>
-            </a:r>
-            <a:r>
-              <a:rPr lang="en-US" b="1" dirty="0" err="1">
-                <a:solidFill>
-                  <a:schemeClr val="bg1"/>
-                </a:solidFill>
-              </a:rPr>
-              <a:t>ect</a:t>
-            </a:r>
-            <a:r>
-              <a:rPr lang="en-US" b="1" dirty="0">
-                <a:solidFill>
-                  <a:schemeClr val="bg1"/>
-                </a:solidFill>
-              </a:rPr>
-              <a:t>..</a:t>
-            </a:r>
-          </a:p>
-          <a:p>
-            <a:r>
-              <a:rPr lang="en-US" b="1" dirty="0">
-                <a:solidFill>
-                  <a:schemeClr val="bg1"/>
-                </a:solidFill>
-              </a:rPr>
-              <a:t>			Feature flags.</a:t>
-            </a:r>
-          </a:p>
-          <a:p>
-            <a:r>
-              <a:rPr lang="en-US" b="1" dirty="0">
-                <a:solidFill>
-                  <a:schemeClr val="bg1"/>
-                </a:solidFill>
-              </a:rPr>
-              <a:t>			</a:t>
-            </a:r>
-          </a:p>
-          <a:p>
-            <a:r>
-              <a:rPr lang="en-US" b="1" dirty="0">
-                <a:solidFill>
-                  <a:schemeClr val="bg1"/>
-                </a:solidFill>
-              </a:rPr>
-              <a:t>Don't hard code it</a:t>
-            </a:r>
-          </a:p>
-          <a:p>
-            <a:r>
-              <a:rPr lang="en-US" b="1" dirty="0">
-                <a:solidFill>
-                  <a:schemeClr val="bg1"/>
-                </a:solidFill>
-              </a:rPr>
-              <a:t>	Move it to a configuration file.</a:t>
-            </a:r>
-          </a:p>
-          <a:p>
-            <a:r>
-              <a:rPr lang="en-US" b="1" dirty="0">
-                <a:solidFill>
-                  <a:schemeClr val="bg1"/>
-                </a:solidFill>
-              </a:rPr>
-              <a:t>Make a change</a:t>
-            </a:r>
-          </a:p>
-          <a:p>
-            <a:r>
-              <a:rPr lang="en-US" b="1" dirty="0">
-                <a:solidFill>
-                  <a:schemeClr val="bg1"/>
-                </a:solidFill>
-              </a:rPr>
-              <a:t>	Inject without building.</a:t>
-            </a:r>
-          </a:p>
-          <a:p>
-            <a:r>
-              <a:rPr lang="en-US" b="1" dirty="0">
-                <a:solidFill>
-                  <a:schemeClr val="bg1"/>
-                </a:solidFill>
-              </a:rPr>
-              <a:t>Files supported </a:t>
-            </a:r>
-          </a:p>
-          <a:p>
-            <a:r>
-              <a:rPr lang="en-US" b="1" dirty="0">
-                <a:solidFill>
-                  <a:schemeClr val="bg1"/>
-                </a:solidFill>
-              </a:rPr>
-              <a:t>	.properties</a:t>
-            </a:r>
-          </a:p>
-          <a:p>
-            <a:r>
-              <a:rPr lang="en-US" b="1" dirty="0">
-                <a:solidFill>
-                  <a:schemeClr val="bg1"/>
-                </a:solidFill>
-              </a:rPr>
-              <a:t>	.</a:t>
-            </a:r>
-            <a:r>
-              <a:rPr lang="en-US" b="1" dirty="0" err="1">
-                <a:solidFill>
-                  <a:schemeClr val="bg1"/>
-                </a:solidFill>
-              </a:rPr>
-              <a:t>yaml</a:t>
-            </a:r>
+              <a:t>A -&gt; B -&gt; C -&gt; D</a:t>
+            </a:r>
+          </a:p>
+          <a:p>
+            <a:r>
+              <a:rPr lang="en-US" b="1" dirty="0">
+                <a:solidFill>
+                  <a:schemeClr val="bg1"/>
+                </a:solidFill>
+              </a:rPr>
+              <a:t>If A and B are both waiting for 5 seconds.</a:t>
+            </a:r>
+          </a:p>
+          <a:p>
             <a:endParaRPr lang="en-US" b="1" dirty="0">
               <a:solidFill>
                 <a:schemeClr val="bg1"/>
@@ -5066,7 +5101,7 @@
                   <a:schemeClr val="bg1"/>
                 </a:solidFill>
               </a:rPr>
-              <a:t>	.json for some configurations</a:t>
+              <a:t>If B has already completed waiting for 5 seconds, then there is no point for A to continue  waiting. A should exit in such a case.</a:t>
             </a:r>
           </a:p>
           <a:p>
@@ -5077,18 +5112,58 @@
             </a:endParaRPr>
           </a:p>
           <a:p>
+            <a:r>
+              <a:rPr lang="en-US" b="1" dirty="0">
+                <a:solidFill>
+                  <a:schemeClr val="bg1"/>
+                </a:solidFill>
+              </a:rPr>
+              <a:t>This is very complex to implement.</a:t>
+            </a:r>
+          </a:p>
+          <a:p>
             <a:endParaRPr lang="en-US" b="1" dirty="0">
               <a:solidFill>
                 <a:schemeClr val="bg1"/>
               </a:solidFill>
             </a:endParaRPr>
           </a:p>
+          <a:p>
+            <a:r>
+              <a:rPr lang="en-US" b="1" dirty="0">
+                <a:solidFill>
+                  <a:schemeClr val="bg1"/>
+                </a:solidFill>
+              </a:rPr>
+              <a:t>More details can be found at </a:t>
+            </a:r>
+          </a:p>
+          <a:p>
+            <a:r>
+              <a:rPr lang="en-IN">
+                <a:hlinkClick r:id="rId2"/>
+              </a:rPr>
+              <a:t>https://itnext.io/5-patterns-to-make-your-microservice-fault-tolerant-f3a1c73547b3</a:t>
+            </a:r>
+            <a:endParaRPr lang="en-US" b="1" dirty="0">
+              <a:solidFill>
+                <a:schemeClr val="bg1"/>
+              </a:solidFill>
+            </a:endParaRPr>
+          </a:p>
+          <a:p>
+            <a:endParaRPr lang="en-US" b="1" dirty="0">
+              <a:solidFill>
+                <a:schemeClr val="bg1"/>
+              </a:solidFill>
+            </a:endParaRPr>
+          </a:p>
         </p:txBody>
       </p:sp>
     </p:spTree>
     <p:extLst>
       <p:ext uri="{BB962C8B-B14F-4D97-AF65-F5344CB8AC3E}">
-        <p14:creationId xmlns:p14="http://schemas.microsoft.com/office/powerpoint/2010/main" val="2813440957"/>
+        <p14:creationId xmlns:p14="http://schemas.microsoft.com/office/powerpoint/2010/main" val="1332125838"/>
       </p:ext>
     </p:extLst>
   </p:cSld>
@@ -5184,7 +5259,7 @@
         </p:nvSpPr>
         <p:spPr>
           <a:xfrm>
-            <a:off x="859972" y="1625372"/>
+            <a:off x="838200" y="1690688"/>
             <a:ext cx="10515600" cy="5355312"/>
           </a:xfrm>
           <a:prstGeom prst="rect">
@@ -5204,107 +5279,17 @@
                   <a:schemeClr val="bg1"/>
                 </a:solidFill>
               </a:rPr>
-              <a:t>Why do you need it?</a:t>
-            </a:r>
-          </a:p>
-          <a:p>
-            <a:r>
-              <a:rPr lang="en-US" b="1" dirty="0">
-                <a:solidFill>
-                  <a:schemeClr val="bg1"/>
-                </a:solidFill>
-              </a:rPr>
-              <a:t>	Generally why do you need property files?</a:t>
-            </a:r>
-          </a:p>
-          <a:p>
-            <a:r>
-              <a:rPr lang="en-US" b="1" dirty="0">
-                <a:solidFill>
-                  <a:schemeClr val="bg1"/>
-                </a:solidFill>
-              </a:rPr>
-              <a:t>Additionally in microservices</a:t>
-            </a:r>
-          </a:p>
-          <a:p>
-            <a:r>
-              <a:rPr lang="en-US" b="1" dirty="0">
-                <a:solidFill>
-                  <a:schemeClr val="bg1"/>
-                </a:solidFill>
-              </a:rPr>
-              <a:t>	Multiple microservices</a:t>
-            </a:r>
-          </a:p>
-          <a:p>
-            <a:r>
-              <a:rPr lang="en-US" b="1" dirty="0">
-                <a:solidFill>
-                  <a:schemeClr val="bg1"/>
-                </a:solidFill>
-              </a:rPr>
-              <a:t>	Multiple instances of same service running.</a:t>
-            </a:r>
-          </a:p>
-          <a:p>
-            <a:r>
-              <a:rPr lang="en-US" b="1" dirty="0">
-                <a:solidFill>
-                  <a:schemeClr val="bg1"/>
-                </a:solidFill>
-              </a:rPr>
-              <a:t>		Some created earlier and some latter.</a:t>
-            </a:r>
-          </a:p>
-          <a:p>
-            <a:r>
-              <a:rPr lang="en-US" b="1" dirty="0">
-                <a:solidFill>
-                  <a:schemeClr val="bg1"/>
-                </a:solidFill>
-              </a:rPr>
-              <a:t>Define your microservices externalization goals.</a:t>
-            </a:r>
-          </a:p>
-          <a:p>
-            <a:r>
-              <a:rPr lang="en-US" b="1" dirty="0">
-                <a:solidFill>
-                  <a:schemeClr val="bg1"/>
-                </a:solidFill>
-              </a:rPr>
-              <a:t>A template could be as follows</a:t>
-            </a:r>
-          </a:p>
-          <a:p>
-            <a:r>
-              <a:rPr lang="en-US" b="1" dirty="0">
-                <a:solidFill>
-                  <a:schemeClr val="bg1"/>
-                </a:solidFill>
-              </a:rPr>
-              <a:t>	Externalized</a:t>
-            </a:r>
-          </a:p>
-          <a:p>
-            <a:r>
-              <a:rPr lang="en-US" b="1" dirty="0">
-                <a:solidFill>
-                  <a:schemeClr val="bg1"/>
-                </a:solidFill>
-              </a:rPr>
-              <a:t>		Move the configuration out</a:t>
-            </a:r>
-          </a:p>
-          <a:p>
-            <a:r>
-              <a:rPr lang="en-US" b="1" dirty="0">
-                <a:solidFill>
-                  <a:schemeClr val="bg1"/>
-                </a:solidFill>
-              </a:rPr>
-              <a:t>	Environment specific</a:t>
+              <a:t>What is configuration </a:t>
+            </a:r>
+          </a:p>
+          <a:p>
+            <a:r>
+              <a:rPr lang="en-US" b="1" dirty="0">
+                <a:solidFill>
+                  <a:schemeClr val="bg1"/>
+                </a:solidFill>
+              </a:rPr>
+              <a:t>	Traditional best practices: </a:t>
             </a:r>
           </a:p>
           <a:p>
@@ -5322,6 +5307,32 @@
                   <a:schemeClr val="bg1"/>
                 </a:solidFill>
               </a:rPr>
+              <a:t>Seperate</a:t>
+            </a:r>
+            <a:r>
+              <a:rPr lang="en-US" b="1" dirty="0">
+                <a:solidFill>
+                  <a:schemeClr val="bg1"/>
+                </a:solidFill>
+              </a:rPr>
+              <a:t> code and config</a:t>
+            </a:r>
+          </a:p>
+          <a:p>
+            <a:r>
+              <a:rPr lang="en-US" b="1" dirty="0">
+                <a:solidFill>
+                  <a:schemeClr val="bg1"/>
+                </a:solidFill>
+              </a:rPr>
+              <a:t>			</a:t>
+            </a:r>
+            <a:r>
+              <a:rPr lang="en-US" b="1" dirty="0" err="1">
+                <a:solidFill>
+                  <a:schemeClr val="bg1"/>
+                </a:solidFill>
+              </a:rPr>
               <a:t>db</a:t>
             </a:r>
             <a:r>
@@ -5330,77 +5341,17 @@
                   <a:schemeClr val="bg1"/>
                 </a:solidFill>
               </a:rPr>
-              <a:t> string can very in dev, test, stage, production</a:t>
-            </a:r>
-          </a:p>
-          <a:p>
-            <a:r>
-              <a:rPr lang="en-US" b="1" dirty="0">
-                <a:solidFill>
-                  <a:schemeClr val="bg1"/>
-                </a:solidFill>
-              </a:rPr>
-              <a:t>	Consistent</a:t>
-            </a:r>
-          </a:p>
-          <a:p>
-            <a:r>
-              <a:rPr lang="en-US" b="1" dirty="0">
-                <a:solidFill>
-                  <a:schemeClr val="bg1"/>
-                </a:solidFill>
-              </a:rPr>
-              <a:t>		All instances should be referring to same configuring.</a:t>
-            </a:r>
-          </a:p>
-          <a:p>
-            <a:r>
-              <a:rPr lang="en-US" b="1" dirty="0">
-                <a:solidFill>
-                  <a:schemeClr val="bg1"/>
-                </a:solidFill>
-              </a:rPr>
-              <a:t>	Version history</a:t>
-            </a:r>
-          </a:p>
-          <a:p>
-            <a:r>
-              <a:rPr lang="en-US" b="1" dirty="0">
-                <a:solidFill>
-                  <a:schemeClr val="bg1"/>
-                </a:solidFill>
-              </a:rPr>
-              <a:t>		Should be able to track the changes</a:t>
-            </a:r>
-          </a:p>
-          <a:p>
-            <a:r>
-              <a:rPr lang="en-US" b="1" dirty="0">
-                <a:solidFill>
-                  <a:schemeClr val="bg1"/>
-                </a:solidFill>
-              </a:rPr>
-              <a:t>	Real-time management</a:t>
-            </a:r>
-          </a:p>
-          <a:p>
-            <a:r>
-              <a:rPr lang="en-US" b="1" dirty="0">
-                <a:solidFill>
-                  <a:schemeClr val="bg1"/>
-                </a:solidFill>
-              </a:rPr>
-              <a:t>		Say you want to modify the server listening port. </a:t>
-            </a:r>
-          </a:p>
-          <a:p>
-            <a:r>
-              <a:rPr lang="en-US" b="1" dirty="0">
-                <a:solidFill>
-                  <a:schemeClr val="bg1"/>
-                </a:solidFill>
-              </a:rPr>
-              <a:t>		Want to do this with Zero downtime. E.g. </a:t>
+              <a:t> connection details.</a:t>
+            </a:r>
+          </a:p>
+          <a:p>
+            <a:r>
+              <a:rPr lang="en-US" b="1" dirty="0">
+                <a:solidFill>
+                  <a:schemeClr val="bg1"/>
+                </a:solidFill>
+              </a:rPr>
+              <a:t>			port, host </a:t>
             </a:r>
             <a:r>
               <a:rPr lang="en-US" b="1" dirty="0" err="1">
@@ -5408,7 +5359,149 @@
                   <a:schemeClr val="bg1"/>
                 </a:solidFill>
               </a:rPr>
-              <a:t>threadCount</a:t>
+              <a:t>ect</a:t>
+            </a:r>
+            <a:r>
+              <a:rPr lang="en-US" b="1" dirty="0">
+                <a:solidFill>
+                  <a:schemeClr val="bg1"/>
+                </a:solidFill>
+              </a:rPr>
+              <a:t>..</a:t>
+            </a:r>
+          </a:p>
+          <a:p>
+            <a:r>
+              <a:rPr lang="en-US" b="1" dirty="0">
+                <a:solidFill>
+                  <a:schemeClr val="bg1"/>
+                </a:solidFill>
+              </a:rPr>
+              <a:t>			File names </a:t>
+            </a:r>
+          </a:p>
+          <a:p>
+            <a:r>
+              <a:rPr lang="en-US" b="1" dirty="0">
+                <a:solidFill>
+                  <a:schemeClr val="bg1"/>
+                </a:solidFill>
+              </a:rPr>
+              <a:t>			profiles user details </a:t>
+            </a:r>
+            <a:r>
+              <a:rPr lang="en-US" b="1" dirty="0" err="1">
+                <a:solidFill>
+                  <a:schemeClr val="bg1"/>
+                </a:solidFill>
+              </a:rPr>
+              <a:t>ect</a:t>
+            </a:r>
+            <a:r>
+              <a:rPr lang="en-US" b="1" dirty="0">
+                <a:solidFill>
+                  <a:schemeClr val="bg1"/>
+                </a:solidFill>
+              </a:rPr>
+              <a:t>..</a:t>
+            </a:r>
+          </a:p>
+          <a:p>
+            <a:r>
+              <a:rPr lang="en-US" b="1" dirty="0">
+                <a:solidFill>
+                  <a:schemeClr val="bg1"/>
+                </a:solidFill>
+              </a:rPr>
+              <a:t>			Feature flags.</a:t>
+            </a:r>
+          </a:p>
+          <a:p>
+            <a:r>
+              <a:rPr lang="en-US" b="1" dirty="0">
+                <a:solidFill>
+                  <a:schemeClr val="bg1"/>
+                </a:solidFill>
+              </a:rPr>
+              <a:t>			</a:t>
+            </a:r>
+          </a:p>
+          <a:p>
+            <a:r>
+              <a:rPr lang="en-US" b="1" dirty="0">
+                <a:solidFill>
+                  <a:schemeClr val="bg1"/>
+                </a:solidFill>
+              </a:rPr>
+              <a:t>Don't hard code it</a:t>
+            </a:r>
+          </a:p>
+          <a:p>
+            <a:r>
+              <a:rPr lang="en-US" b="1" dirty="0">
+                <a:solidFill>
+                  <a:schemeClr val="bg1"/>
+                </a:solidFill>
+              </a:rPr>
+              <a:t>	Move it to a configuration file.</a:t>
+            </a:r>
+          </a:p>
+          <a:p>
+            <a:r>
+              <a:rPr lang="en-US" b="1" dirty="0">
+                <a:solidFill>
+                  <a:schemeClr val="bg1"/>
+                </a:solidFill>
+              </a:rPr>
+              <a:t>Make a change</a:t>
+            </a:r>
+          </a:p>
+          <a:p>
+            <a:r>
+              <a:rPr lang="en-US" b="1" dirty="0">
+                <a:solidFill>
+                  <a:schemeClr val="bg1"/>
+                </a:solidFill>
+              </a:rPr>
+              <a:t>	Inject without building.</a:t>
+            </a:r>
+          </a:p>
+          <a:p>
+            <a:r>
+              <a:rPr lang="en-US" b="1" dirty="0">
+                <a:solidFill>
+                  <a:schemeClr val="bg1"/>
+                </a:solidFill>
+              </a:rPr>
+              <a:t>Files supported </a:t>
+            </a:r>
+          </a:p>
+          <a:p>
+            <a:r>
+              <a:rPr lang="en-US" b="1" dirty="0">
+                <a:solidFill>
+                  <a:schemeClr val="bg1"/>
+                </a:solidFill>
+              </a:rPr>
+              <a:t>	.properties</a:t>
+            </a:r>
+          </a:p>
+          <a:p>
+            <a:r>
+              <a:rPr lang="en-US" b="1" dirty="0">
+                <a:solidFill>
+                  <a:schemeClr val="bg1"/>
+                </a:solidFill>
+              </a:rPr>
+              <a:t>	.</a:t>
+            </a:r>
+            <a:r>
+              <a:rPr lang="en-US" b="1" dirty="0" err="1">
+                <a:solidFill>
+                  <a:schemeClr val="bg1"/>
+                </a:solidFill>
+              </a:rPr>
+              <a:t>yaml</a:t>
             </a:r>
             <a:endParaRPr lang="en-US" b="1" dirty="0">
               <a:solidFill>
@@ -5416,12 +5509,36 @@
               </a:solidFill>
             </a:endParaRPr>
           </a:p>
+          <a:p>
+            <a:r>
+              <a:rPr lang="en-US" b="1" dirty="0">
+                <a:solidFill>
+                  <a:schemeClr val="bg1"/>
+                </a:solidFill>
+              </a:rPr>
+              <a:t>	.json for some configurations</a:t>
+            </a:r>
+          </a:p>
+          <a:p>
+            <a:endParaRPr lang="en-US" b="1" dirty="0">
+              <a:solidFill>
+                <a:schemeClr val="bg1"/>
+              </a:solidFill>
+            </a:endParaRPr>
+          </a:p>
+          <a:p>
+            <a:endParaRPr lang="en-US" b="1" dirty="0">
+              <a:solidFill>
+                <a:schemeClr val="bg1"/>
+              </a:solidFill>
+            </a:endParaRPr>
+          </a:p>
         </p:txBody>
       </p:sp>
     </p:spTree>
     <p:extLst>
       <p:ext uri="{BB962C8B-B14F-4D97-AF65-F5344CB8AC3E}">
-        <p14:creationId xmlns:p14="http://schemas.microsoft.com/office/powerpoint/2010/main" val="293547756"/>
+        <p14:creationId xmlns:p14="http://schemas.microsoft.com/office/powerpoint/2010/main" val="2813440957"/>
       </p:ext>
     </p:extLst>
   </p:cSld>
@@ -5518,7 +5635,7 @@
         <p:spPr>
           <a:xfrm>
             <a:off x="859972" y="1625372"/>
-            <a:ext cx="10515600" cy="1754326"/>
+            <a:ext cx="10515600" cy="5355312"/>
           </a:xfrm>
           <a:prstGeom prst="rect">
             <a:avLst/>
@@ -5537,17 +5654,117 @@
                   <a:schemeClr val="bg1"/>
                 </a:solidFill>
               </a:rPr>
-              <a:t>Property file</a:t>
-            </a:r>
-          </a:p>
-          <a:p>
-            <a:r>
-              <a:rPr lang="en-US" b="1" dirty="0">
-                <a:solidFill>
-                  <a:schemeClr val="bg1"/>
-                </a:solidFill>
-              </a:rPr>
-              <a:t>	</a:t>
+              <a:t>Why do you need it?</a:t>
+            </a:r>
+          </a:p>
+          <a:p>
+            <a:r>
+              <a:rPr lang="en-US" b="1" dirty="0">
+                <a:solidFill>
+                  <a:schemeClr val="bg1"/>
+                </a:solidFill>
+              </a:rPr>
+              <a:t>	Generally why do you need property files?</a:t>
+            </a:r>
+          </a:p>
+          <a:p>
+            <a:r>
+              <a:rPr lang="en-US" b="1" dirty="0">
+                <a:solidFill>
+                  <a:schemeClr val="bg1"/>
+                </a:solidFill>
+              </a:rPr>
+              <a:t>Additionally in microservices</a:t>
+            </a:r>
+          </a:p>
+          <a:p>
+            <a:r>
+              <a:rPr lang="en-US" b="1" dirty="0">
+                <a:solidFill>
+                  <a:schemeClr val="bg1"/>
+                </a:solidFill>
+              </a:rPr>
+              <a:t>	Multiple microservices</a:t>
+            </a:r>
+          </a:p>
+          <a:p>
+            <a:r>
+              <a:rPr lang="en-US" b="1" dirty="0">
+                <a:solidFill>
+                  <a:schemeClr val="bg1"/>
+                </a:solidFill>
+              </a:rPr>
+              <a:t>	Multiple instances of same service running.</a:t>
+            </a:r>
+          </a:p>
+          <a:p>
+            <a:r>
+              <a:rPr lang="en-US" b="1" dirty="0">
+                <a:solidFill>
+                  <a:schemeClr val="bg1"/>
+                </a:solidFill>
+              </a:rPr>
+              <a:t>		Some created earlier and some latter.</a:t>
+            </a:r>
+          </a:p>
+          <a:p>
+            <a:r>
+              <a:rPr lang="en-US" b="1" dirty="0">
+                <a:solidFill>
+                  <a:schemeClr val="bg1"/>
+                </a:solidFill>
+              </a:rPr>
+              <a:t>Define your microservices externalization goals.</a:t>
+            </a:r>
+          </a:p>
+          <a:p>
+            <a:r>
+              <a:rPr lang="en-US" b="1" dirty="0">
+                <a:solidFill>
+                  <a:schemeClr val="bg1"/>
+                </a:solidFill>
+              </a:rPr>
+              <a:t>A template could be as follows</a:t>
+            </a:r>
+          </a:p>
+          <a:p>
+            <a:r>
+              <a:rPr lang="en-US" b="1" dirty="0">
+                <a:solidFill>
+                  <a:schemeClr val="bg1"/>
+                </a:solidFill>
+              </a:rPr>
+              <a:t>	Externalized</a:t>
+            </a:r>
+          </a:p>
+          <a:p>
+            <a:r>
+              <a:rPr lang="en-US" b="1" dirty="0">
+                <a:solidFill>
+                  <a:schemeClr val="bg1"/>
+                </a:solidFill>
+              </a:rPr>
+              <a:t>		Move the configuration out</a:t>
+            </a:r>
+          </a:p>
+          <a:p>
+            <a:r>
+              <a:rPr lang="en-US" b="1" dirty="0">
+                <a:solidFill>
+                  <a:schemeClr val="bg1"/>
+                </a:solidFill>
+              </a:rPr>
+              <a:t>	Environment specific</a:t>
+            </a:r>
+          </a:p>
+          <a:p>
+            <a:r>
+              <a:rPr lang="en-US" b="1" dirty="0">
+                <a:solidFill>
+                  <a:schemeClr val="bg1"/>
+                </a:solidFill>
+              </a:rPr>
+              <a:t>		</a:t>
             </a:r>
             <a:r>
               <a:rPr lang="en-US" b="1" dirty="0" err="1">
@@ -5555,35 +5772,85 @@
                   <a:schemeClr val="bg1"/>
                 </a:solidFill>
               </a:rPr>
-              <a:t>application.properties</a:t>
-            </a:r>
-            <a:r>
-              <a:rPr lang="en-US" b="1" dirty="0">
-                <a:solidFill>
-                  <a:schemeClr val="bg1"/>
-                </a:solidFill>
-              </a:rPr>
-              <a:t> </a:t>
-            </a:r>
-          </a:p>
-          <a:p>
-            <a:r>
-              <a:rPr lang="en-US" b="1" dirty="0">
-                <a:solidFill>
-                  <a:schemeClr val="bg1"/>
-                </a:solidFill>
-              </a:rPr>
-              <a:t>		We have been using it.</a:t>
-            </a:r>
-          </a:p>
-          <a:p>
-            <a:r>
-              <a:rPr lang="en-US" b="1" dirty="0">
-                <a:solidFill>
-                  <a:schemeClr val="bg1"/>
-                </a:solidFill>
-              </a:rPr>
-              <a:t>		Could have been an </a:t>
+              <a:t>db</a:t>
+            </a:r>
+            <a:r>
+              <a:rPr lang="en-US" b="1" dirty="0">
+                <a:solidFill>
+                  <a:schemeClr val="bg1"/>
+                </a:solidFill>
+              </a:rPr>
+              <a:t> string can very in dev, test, stage, production</a:t>
+            </a:r>
+          </a:p>
+          <a:p>
+            <a:r>
+              <a:rPr lang="en-US" b="1" dirty="0">
+                <a:solidFill>
+                  <a:schemeClr val="bg1"/>
+                </a:solidFill>
+              </a:rPr>
+              <a:t>	Consistent</a:t>
+            </a:r>
+          </a:p>
+          <a:p>
+            <a:r>
+              <a:rPr lang="en-US" b="1" dirty="0">
+                <a:solidFill>
+                  <a:schemeClr val="bg1"/>
+                </a:solidFill>
+              </a:rPr>
+              <a:t>		All instances should be referring to same configuring.</a:t>
+            </a:r>
+          </a:p>
+          <a:p>
+            <a:r>
+              <a:rPr lang="en-US" b="1" dirty="0">
+                <a:solidFill>
+                  <a:schemeClr val="bg1"/>
+                </a:solidFill>
+              </a:rPr>
+              <a:t>	Version history</a:t>
+            </a:r>
+          </a:p>
+          <a:p>
+            <a:r>
+              <a:rPr lang="en-US" b="1" dirty="0">
+                <a:solidFill>
+                  <a:schemeClr val="bg1"/>
+                </a:solidFill>
+              </a:rPr>
+              <a:t>		Should be able to track the changes</a:t>
+            </a:r>
+          </a:p>
+          <a:p>
+            <a:r>
+              <a:rPr lang="en-US" b="1" dirty="0">
+                <a:solidFill>
+                  <a:schemeClr val="bg1"/>
+                </a:solidFill>
+              </a:rPr>
+              <a:t>	Real-time management</a:t>
+            </a:r>
+          </a:p>
+          <a:p>
+            <a:r>
+              <a:rPr lang="en-US" b="1" dirty="0">
+                <a:solidFill>
+                  <a:schemeClr val="bg1"/>
+                </a:solidFill>
+              </a:rPr>
+              <a:t>		Say you want to modify the server listening port. </a:t>
+            </a:r>
+          </a:p>
+          <a:p>
+            <a:r>
+              <a:rPr lang="en-US" b="1" dirty="0">
+                <a:solidFill>
+                  <a:schemeClr val="bg1"/>
+                </a:solidFill>
+              </a:rPr>
+              <a:t>		Want to do this with Zero downtime. E.g. </a:t>
             </a:r>
             <a:r>
               <a:rPr lang="en-US" b="1" dirty="0" err="1">
@@ -5591,56 +5858,20 @@
                   <a:schemeClr val="bg1"/>
                 </a:solidFill>
               </a:rPr>
-              <a:t>yaml</a:t>
-            </a:r>
-            <a:r>
-              <a:rPr lang="en-US" b="1" dirty="0">
-                <a:solidFill>
-                  <a:schemeClr val="bg1"/>
-                </a:solidFill>
-              </a:rPr>
-              <a:t> file as well.</a:t>
-            </a:r>
-          </a:p>
-          <a:p>
+              <a:t>threadCount</a:t>
+            </a:r>
             <a:endParaRPr lang="en-US" b="1" dirty="0">
               <a:solidFill>
                 <a:schemeClr val="bg1"/>
               </a:solidFill>
             </a:endParaRPr>
           </a:p>
-          <a:p>
-            <a:r>
-              <a:rPr lang="en-US" b="1" dirty="0">
-                <a:solidFill>
-                  <a:schemeClr val="bg1"/>
-                </a:solidFill>
-              </a:rPr>
-              <a:t>Refer to training\day4\</a:t>
-            </a:r>
-            <a:r>
-              <a:rPr lang="en-US" b="1" dirty="0" err="1">
-                <a:solidFill>
-                  <a:schemeClr val="bg1"/>
-                </a:solidFill>
-              </a:rPr>
-              <a:t>ExternalizingConfiguration</a:t>
-            </a:r>
-            <a:r>
-              <a:rPr lang="en-US" b="1" dirty="0">
-                <a:solidFill>
-                  <a:schemeClr val="bg1"/>
-                </a:solidFill>
-              </a:rPr>
-              <a:t>\InstructionsForValues.txt</a:t>
-            </a:r>
-          </a:p>
         </p:txBody>
       </p:sp>
     </p:spTree>
     <p:extLst>
       <p:ext uri="{BB962C8B-B14F-4D97-AF65-F5344CB8AC3E}">
-        <p14:creationId xmlns:p14="http://schemas.microsoft.com/office/powerpoint/2010/main" val="2944743986"/>
+        <p14:creationId xmlns:p14="http://schemas.microsoft.com/office/powerpoint/2010/main" val="293547756"/>
       </p:ext>
     </p:extLst>
   </p:cSld>
@@ -5711,7 +5942,7 @@
                 </a:solidFill>
                 <a:latin typeface="+mn-lt"/>
               </a:rPr>
-              <a:t>Project Lombok</a:t>
+              <a:t>Externalize Configurations</a:t>
             </a:r>
             <a:endParaRPr lang="en-IN" dirty="0">
               <a:solidFill>
@@ -5736,8 +5967,8 @@
         </p:nvSpPr>
         <p:spPr>
           <a:xfrm>
-            <a:off x="838200" y="1779687"/>
-            <a:ext cx="10515600" cy="4801314"/>
+            <a:off x="859972" y="1625372"/>
+            <a:ext cx="10515600" cy="1754326"/>
           </a:xfrm>
           <a:prstGeom prst="rect">
             <a:avLst/>
@@ -5756,21 +5987,69 @@
                   <a:schemeClr val="bg1"/>
                 </a:solidFill>
               </a:rPr>
-              <a:t>Automatically generate </a:t>
-            </a:r>
-            <a:r>
-              <a:rPr lang="en-US" b="1" dirty="0"/>
-              <a:t>java bytecode </a:t>
-            </a:r>
-          </a:p>
-          <a:p>
-            <a:r>
-              <a:rPr lang="en-US" b="1" dirty="0">
-                <a:solidFill>
-                  <a:schemeClr val="bg1"/>
-                </a:solidFill>
-              </a:rPr>
-              <a:t>Based on some small configurations</a:t>
+              <a:t>Property file</a:t>
+            </a:r>
+          </a:p>
+          <a:p>
+            <a:r>
+              <a:rPr lang="en-US" b="1" dirty="0">
+                <a:solidFill>
+                  <a:schemeClr val="bg1"/>
+                </a:solidFill>
+              </a:rPr>
+              <a:t>	</a:t>
+            </a:r>
+            <a:r>
+              <a:rPr lang="en-US" b="1" dirty="0" err="1">
+                <a:solidFill>
+                  <a:schemeClr val="bg1"/>
+                </a:solidFill>
+              </a:rPr>
+              <a:t>application.properties</a:t>
+            </a:r>
+            <a:r>
+              <a:rPr lang="en-US" b="1" dirty="0">
+                <a:solidFill>
+                  <a:schemeClr val="bg1"/>
+                </a:solidFill>
+              </a:rPr>
+              <a:t> </a:t>
+            </a:r>
+          </a:p>
+          <a:p>
+            <a:r>
+              <a:rPr lang="en-US" b="1" dirty="0">
+                <a:solidFill>
+                  <a:schemeClr val="bg1"/>
+                </a:solidFill>
+              </a:rPr>
+              <a:t>		We have been using it.</a:t>
+            </a:r>
+          </a:p>
+          <a:p>
+            <a:r>
+              <a:rPr lang="en-US" b="1" dirty="0">
+                <a:solidFill>
+                  <a:schemeClr val="bg1"/>
+                </a:solidFill>
+              </a:rPr>
+              <a:t>		Could have been an </a:t>
+            </a:r>
+            <a:r>
+              <a:rPr lang="en-US" b="1" dirty="0" err="1">
+                <a:solidFill>
+                  <a:schemeClr val="bg1"/>
+                </a:solidFill>
+              </a:rPr>
+              <a:t>yaml</a:t>
+            </a:r>
+            <a:r>
+              <a:rPr lang="en-US" b="1" dirty="0">
+                <a:solidFill>
+                  <a:schemeClr val="bg1"/>
+                </a:solidFill>
+              </a:rPr>
+              <a:t> file as well.</a:t>
             </a:r>
           </a:p>
           <a:p>
@@ -5787,17 +6066,7 @@
                   <a:schemeClr val="bg1"/>
                 </a:solidFill>
               </a:rPr>
-              <a:t>Some of the important code that can be auto-generated</a:t>
-            </a:r>
-          </a:p>
-          <a:p>
-            <a:r>
-              <a:rPr lang="en-US" b="1" dirty="0">
-                <a:solidFill>
-                  <a:schemeClr val="bg1"/>
-                </a:solidFill>
-              </a:rPr>
-              <a:t>	@</a:t>
+              <a:t>Refer to training\day4\</a:t>
             </a:r>
             <a:r>
               <a:rPr lang="en-US" b="1" dirty="0" err="1">
@@ -5805,235 +6074,15 @@
                   <a:schemeClr val="bg1"/>
                 </a:solidFill>
               </a:rPr>
-              <a:t>NonNull</a:t>
-            </a:r>
-            <a:endParaRPr lang="en-US" b="1" dirty="0">
-              <a:solidFill>
-                <a:schemeClr val="bg1"/>
-              </a:solidFill>
-            </a:endParaRPr>
-          </a:p>
-          <a:p>
-            <a:r>
-              <a:rPr lang="en-US" b="1" dirty="0">
-                <a:solidFill>
-                  <a:schemeClr val="bg1"/>
-                </a:solidFill>
-              </a:rPr>
-              <a:t>		Ensure that code doesn't throw NPE.</a:t>
-            </a:r>
-          </a:p>
-          <a:p>
-            <a:r>
-              <a:rPr lang="en-US" b="1" dirty="0">
-                <a:solidFill>
-                  <a:schemeClr val="bg1"/>
-                </a:solidFill>
-              </a:rPr>
-              <a:t>	@Getter/@Setter</a:t>
-            </a:r>
-          </a:p>
-          <a:p>
-            <a:r>
-              <a:rPr lang="en-US" b="1" dirty="0">
-                <a:solidFill>
-                  <a:schemeClr val="bg1"/>
-                </a:solidFill>
-              </a:rPr>
-              <a:t>		Generate getter/setter methods.</a:t>
-            </a:r>
-          </a:p>
-          <a:p>
-            <a:r>
-              <a:rPr lang="en-US" b="1" dirty="0">
-                <a:solidFill>
-                  <a:schemeClr val="bg1"/>
-                </a:solidFill>
-              </a:rPr>
-              <a:t>	@</a:t>
-            </a:r>
-            <a:r>
-              <a:rPr lang="en-US" b="1" dirty="0" err="1">
-                <a:solidFill>
-                  <a:schemeClr val="bg1"/>
-                </a:solidFill>
-              </a:rPr>
-              <a:t>ToString</a:t>
-            </a:r>
-            <a:endParaRPr lang="en-US" b="1" dirty="0">
-              <a:solidFill>
-                <a:schemeClr val="bg1"/>
-              </a:solidFill>
-            </a:endParaRPr>
-          </a:p>
-          <a:p>
-            <a:r>
-              <a:rPr lang="en-US" b="1" dirty="0">
-                <a:solidFill>
-                  <a:schemeClr val="bg1"/>
-                </a:solidFill>
-              </a:rPr>
-              <a:t>		Generate to string </a:t>
-            </a:r>
-          </a:p>
-          <a:p>
-            <a:r>
-              <a:rPr lang="en-US" b="1" dirty="0">
-                <a:solidFill>
-                  <a:schemeClr val="bg1"/>
-                </a:solidFill>
-              </a:rPr>
-              <a:t>	@</a:t>
-            </a:r>
-            <a:r>
-              <a:rPr lang="en-US" b="1" dirty="0" err="1">
-                <a:solidFill>
-                  <a:schemeClr val="bg1"/>
-                </a:solidFill>
-              </a:rPr>
-              <a:t>EqualsAndHashCode</a:t>
-            </a:r>
-            <a:endParaRPr lang="en-US" b="1" dirty="0">
-              <a:solidFill>
-                <a:schemeClr val="bg1"/>
-              </a:solidFill>
-            </a:endParaRPr>
-          </a:p>
-          <a:p>
-            <a:r>
-              <a:rPr lang="en-US" b="1" dirty="0">
-                <a:solidFill>
-                  <a:schemeClr val="bg1"/>
-                </a:solidFill>
-              </a:rPr>
-              <a:t>		Generates </a:t>
-            </a:r>
-            <a:r>
-              <a:rPr lang="en-US" b="1" dirty="0" err="1">
-                <a:solidFill>
-                  <a:schemeClr val="bg1"/>
-                </a:solidFill>
-              </a:rPr>
-              <a:t>hashCode</a:t>
-            </a:r>
-            <a:r>
-              <a:rPr lang="en-US" b="1" dirty="0">
-                <a:solidFill>
-                  <a:schemeClr val="bg1"/>
-                </a:solidFill>
-              </a:rPr>
-              <a:t> and equals implementations from the fields of your object..</a:t>
-            </a:r>
-          </a:p>
-          <a:p>
-            <a:r>
-              <a:rPr lang="en-US" b="1" dirty="0">
-                <a:solidFill>
-                  <a:schemeClr val="bg1"/>
-                </a:solidFill>
-              </a:rPr>
-              <a:t>	@</a:t>
-            </a:r>
-            <a:r>
-              <a:rPr lang="en-US" b="1" dirty="0" err="1">
-                <a:solidFill>
-                  <a:schemeClr val="bg1"/>
-                </a:solidFill>
-              </a:rPr>
-              <a:t>NoArgsConstructor</a:t>
-            </a:r>
-            <a:r>
-              <a:rPr lang="en-US" b="1" dirty="0">
-                <a:solidFill>
-                  <a:schemeClr val="bg1"/>
-                </a:solidFill>
-              </a:rPr>
-              <a:t>, and @</a:t>
-            </a:r>
-            <a:r>
-              <a:rPr lang="en-US" b="1" dirty="0" err="1">
-                <a:solidFill>
-                  <a:schemeClr val="bg1"/>
-                </a:solidFill>
-              </a:rPr>
-              <a:t>AllArgsConstructor</a:t>
-            </a:r>
-            <a:endParaRPr lang="en-US" b="1" dirty="0">
-              <a:solidFill>
-                <a:schemeClr val="bg1"/>
-              </a:solidFill>
-            </a:endParaRPr>
-          </a:p>
-          <a:p>
-            <a:r>
-              <a:rPr lang="en-US" b="1" dirty="0">
-                <a:solidFill>
-                  <a:schemeClr val="bg1"/>
-                </a:solidFill>
-              </a:rPr>
-              <a:t>		Constructors made to order: </a:t>
-            </a:r>
-          </a:p>
-          <a:p>
-            <a:r>
-              <a:rPr lang="en-US" b="1" dirty="0">
-                <a:solidFill>
-                  <a:schemeClr val="bg1"/>
-                </a:solidFill>
-              </a:rPr>
-              <a:t>		Generates </a:t>
-            </a:r>
-          </a:p>
-          <a:p>
-            <a:r>
-              <a:rPr lang="en-US" b="1" dirty="0">
-                <a:solidFill>
-                  <a:schemeClr val="bg1"/>
-                </a:solidFill>
-              </a:rPr>
-              <a:t>			no </a:t>
-            </a:r>
-            <a:r>
-              <a:rPr lang="en-US" b="1" dirty="0" err="1">
-                <a:solidFill>
-                  <a:schemeClr val="bg1"/>
-                </a:solidFill>
-              </a:rPr>
-              <a:t>args</a:t>
-            </a:r>
-            <a:r>
-              <a:rPr lang="en-US" b="1" dirty="0">
-                <a:solidFill>
-                  <a:schemeClr val="bg1"/>
-                </a:solidFill>
-              </a:rPr>
-              <a:t> constructors </a:t>
-            </a:r>
-          </a:p>
-          <a:p>
-            <a:r>
-              <a:rPr lang="en-US" b="1" dirty="0">
-                <a:solidFill>
-                  <a:schemeClr val="bg1"/>
-                </a:solidFill>
-              </a:rPr>
-              <a:t>			one argument per final / non-</a:t>
-            </a:r>
-            <a:r>
-              <a:rPr lang="en-US" b="1" dirty="0" err="1">
-                <a:solidFill>
-                  <a:schemeClr val="bg1"/>
-                </a:solidFill>
-              </a:rPr>
-              <a:t>nullfield</a:t>
-            </a:r>
-            <a:r>
-              <a:rPr lang="en-US" b="1" dirty="0">
-                <a:solidFill>
-                  <a:schemeClr val="bg1"/>
-                </a:solidFill>
-              </a:rPr>
-              <a:t>, or one argument for every field.</a:t>
+              <a:t>ExternalizingConfiguration</a:t>
+            </a:r>
+            <a:r>
+              <a:rPr lang="en-US" b="1" dirty="0">
+                <a:solidFill>
+                  <a:schemeClr val="bg1"/>
+                </a:solidFill>
+              </a:rPr>
+              <a:t>\InstructionsForValues.txt</a:t>
             </a:r>
           </a:p>
         </p:txBody>
@@ -6041,7 +6090,7 @@
     </p:spTree>
     <p:extLst>
       <p:ext uri="{BB962C8B-B14F-4D97-AF65-F5344CB8AC3E}">
-        <p14:creationId xmlns:p14="http://schemas.microsoft.com/office/powerpoint/2010/main" val="1278523540"/>
+        <p14:creationId xmlns:p14="http://schemas.microsoft.com/office/powerpoint/2010/main" val="2944743986"/>
       </p:ext>
     </p:extLst>
   </p:cSld>
@@ -6138,7 +6187,7 @@
         <p:spPr>
           <a:xfrm>
             <a:off x="838200" y="1779687"/>
-            <a:ext cx="10515600" cy="3693319"/>
+            <a:ext cx="10515600" cy="4801314"/>
           </a:xfrm>
           <a:prstGeom prst="rect">
             <a:avLst/>
@@ -6151,6 +6200,30 @@
           </a:bodyPr>
           <a:lstStyle/>
           <a:p>
+            <a:r>
+              <a:rPr lang="en-US" b="1" dirty="0">
+                <a:solidFill>
+                  <a:schemeClr val="bg1"/>
+                </a:solidFill>
+              </a:rPr>
+              <a:t>Automatically generate </a:t>
+            </a:r>
+            <a:r>
+              <a:rPr lang="en-US" b="1" dirty="0"/>
+              <a:t>java bytecode </a:t>
+            </a:r>
+          </a:p>
+          <a:p>
+            <a:r>
+              <a:rPr lang="en-US" b="1" dirty="0">
+                <a:solidFill>
+                  <a:schemeClr val="bg1"/>
+                </a:solidFill>
+              </a:rPr>
+              <a:t>Based on some small configurations</a:t>
+            </a:r>
+          </a:p>
+          <a:p>
             <a:endParaRPr lang="en-US" b="1" dirty="0">
               <a:solidFill>
                 <a:schemeClr val="bg1"/>
@@ -6164,27 +6237,17 @@
                   <a:schemeClr val="bg1"/>
                 </a:solidFill>
               </a:rPr>
-              <a:t>	@Data</a:t>
-            </a:r>
-          </a:p>
-          <a:p>
-            <a:r>
-              <a:rPr lang="en-US" b="1" dirty="0">
-                <a:solidFill>
-                  <a:schemeClr val="bg1"/>
-                </a:solidFill>
-              </a:rPr>
-              <a:t>	A shortcut for </a:t>
-            </a:r>
-          </a:p>
-          <a:p>
-            <a:r>
-              <a:rPr lang="en-US" b="1" dirty="0">
-                <a:solidFill>
-                  <a:schemeClr val="bg1"/>
-                </a:solidFill>
-              </a:rPr>
-              <a:t>			@</a:t>
+              <a:t>Some of the important code that can be auto-generated</a:t>
+            </a:r>
+          </a:p>
+          <a:p>
+            <a:r>
+              <a:rPr lang="en-US" b="1" dirty="0">
+                <a:solidFill>
+                  <a:schemeClr val="bg1"/>
+                </a:solidFill>
+              </a:rPr>
+              <a:t>	@</a:t>
             </a:r>
             <a:r>
               <a:rPr lang="en-US" b="1" dirty="0" err="1">
@@ -6192,120 +6255,8 @@
                   <a:schemeClr val="bg1"/>
                 </a:solidFill>
               </a:rPr>
-              <a:t>ToString</a:t>
-            </a:r>
-            <a:r>
-              <a:rPr lang="en-US" b="1" dirty="0">
-                <a:solidFill>
-                  <a:schemeClr val="bg1"/>
-                </a:solidFill>
-              </a:rPr>
-              <a:t>, </a:t>
-            </a:r>
-          </a:p>
-          <a:p>
-            <a:r>
-              <a:rPr lang="en-US" b="1" dirty="0">
-                <a:solidFill>
-                  <a:schemeClr val="bg1"/>
-                </a:solidFill>
-              </a:rPr>
-              <a:t>			@</a:t>
-            </a:r>
-            <a:r>
-              <a:rPr lang="en-US" b="1" dirty="0" err="1">
-                <a:solidFill>
-                  <a:schemeClr val="bg1"/>
-                </a:solidFill>
-              </a:rPr>
-              <a:t>EqualsAndHashCode</a:t>
-            </a:r>
-            <a:r>
-              <a:rPr lang="en-US" b="1" dirty="0">
-                <a:solidFill>
-                  <a:schemeClr val="bg1"/>
-                </a:solidFill>
-              </a:rPr>
-              <a:t>, </a:t>
-            </a:r>
-          </a:p>
-          <a:p>
-            <a:r>
-              <a:rPr lang="en-US" b="1" dirty="0">
-                <a:solidFill>
-                  <a:schemeClr val="bg1"/>
-                </a:solidFill>
-              </a:rPr>
-              <a:t>			@Getter on all fields, </a:t>
-            </a:r>
-          </a:p>
-          <a:p>
-            <a:r>
-              <a:rPr lang="en-US" b="1" dirty="0">
-                <a:solidFill>
-                  <a:schemeClr val="bg1"/>
-                </a:solidFill>
-              </a:rPr>
-              <a:t>			and @Setter on all non-final fields, and @</a:t>
-            </a:r>
-            <a:r>
-              <a:rPr lang="en-US" b="1" dirty="0" err="1">
-                <a:solidFill>
-                  <a:schemeClr val="bg1"/>
-                </a:solidFill>
-              </a:rPr>
-              <a:t>RequiredArgsConstructor</a:t>
-            </a:r>
-            <a:r>
-              <a:rPr lang="en-US" b="1" dirty="0">
-                <a:solidFill>
-                  <a:schemeClr val="bg1"/>
-                </a:solidFill>
-              </a:rPr>
-              <a:t>!</a:t>
-            </a:r>
-          </a:p>
-          <a:p>
-            <a:r>
-              <a:rPr lang="en-US" b="1" dirty="0">
-                <a:solidFill>
-                  <a:schemeClr val="bg1"/>
-                </a:solidFill>
-              </a:rPr>
-              <a:t>	@Value</a:t>
-            </a:r>
-          </a:p>
-          <a:p>
-            <a:r>
-              <a:rPr lang="en-US" b="1" dirty="0">
-                <a:solidFill>
-                  <a:schemeClr val="bg1"/>
-                </a:solidFill>
-              </a:rPr>
-              <a:t>		Immutable classes </a:t>
-            </a:r>
-          </a:p>
-          <a:p>
-            <a:r>
-              <a:rPr lang="en-US" b="1" dirty="0">
-                <a:solidFill>
-                  <a:schemeClr val="bg1"/>
-                </a:solidFill>
-              </a:rPr>
-              <a:t>	@Synchronized</a:t>
-            </a:r>
-          </a:p>
-          <a:p>
-            <a:r>
-              <a:rPr lang="en-US" b="1" dirty="0">
-                <a:solidFill>
-                  <a:schemeClr val="bg1"/>
-                </a:solidFill>
-              </a:rPr>
-              <a:t>		synchronized done right: Don't expose your locks.</a:t>
-            </a:r>
-          </a:p>
-          <a:p>
+              <a:t>NonNull</a:t>
+            </a:r>
             <a:endParaRPr lang="en-US" b="1" dirty="0">
               <a:solidFill>
                 <a:schemeClr val="bg1"/>
@@ -6319,7 +6270,37 @@
                   <a:schemeClr val="bg1"/>
                 </a:solidFill>
               </a:rPr>
-              <a:t>Refer day4\</a:t>
+              <a:t>		Ensure that code doesn't throw NPE.</a:t>
+            </a:r>
+          </a:p>
+          <a:p>
+            <a:r>
+              <a:rPr lang="en-US" b="1" dirty="0">
+                <a:solidFill>
+                  <a:schemeClr val="bg1"/>
+                </a:solidFill>
+              </a:rPr>
+              <a:t>	@Getter/@Setter</a:t>
+            </a:r>
+          </a:p>
+          <a:p>
+            <a:r>
+              <a:rPr lang="en-US" b="1" dirty="0">
+                <a:solidFill>
+                  <a:schemeClr val="bg1"/>
+                </a:solidFill>
+              </a:rPr>
+              <a:t>		Generate getter/setter methods.</a:t>
+            </a:r>
+          </a:p>
+          <a:p>
+            <a:r>
+              <a:rPr lang="en-US" b="1" dirty="0">
+                <a:solidFill>
+                  <a:schemeClr val="bg1"/>
+                </a:solidFill>
+              </a:rPr>
+              <a:t>	@</a:t>
             </a:r>
             <a:r>
               <a:rPr lang="en-US" b="1" dirty="0" err="1">
@@ -6327,15 +6308,182 @@
                   <a:schemeClr val="bg1"/>
                 </a:solidFill>
               </a:rPr>
-              <a:t>ProjectLombok</a:t>
-            </a:r>
-            <a:r>
-              <a:rPr lang="en-US" b="1" dirty="0">
-                <a:solidFill>
-                  <a:schemeClr val="bg1"/>
-                </a:solidFill>
-              </a:rPr>
-              <a:t>\InstructionsForLombok.txt</a:t>
+              <a:t>ToString</a:t>
+            </a:r>
+            <a:endParaRPr lang="en-US" b="1" dirty="0">
+              <a:solidFill>
+                <a:schemeClr val="bg1"/>
+              </a:solidFill>
+            </a:endParaRPr>
+          </a:p>
+          <a:p>
+            <a:r>
+              <a:rPr lang="en-US" b="1" dirty="0">
+                <a:solidFill>
+                  <a:schemeClr val="bg1"/>
+                </a:solidFill>
+              </a:rPr>
+              <a:t>		Generate to string </a:t>
+            </a:r>
+          </a:p>
+          <a:p>
+            <a:r>
+              <a:rPr lang="en-US" b="1" dirty="0">
+                <a:solidFill>
+                  <a:schemeClr val="bg1"/>
+                </a:solidFill>
+              </a:rPr>
+              <a:t>	@</a:t>
+            </a:r>
+            <a:r>
+              <a:rPr lang="en-US" b="1" dirty="0" err="1">
+                <a:solidFill>
+                  <a:schemeClr val="bg1"/>
+                </a:solidFill>
+              </a:rPr>
+              <a:t>EqualsAndHashCode</a:t>
+            </a:r>
+            <a:endParaRPr lang="en-US" b="1" dirty="0">
+              <a:solidFill>
+                <a:schemeClr val="bg1"/>
+              </a:solidFill>
+            </a:endParaRPr>
+          </a:p>
+          <a:p>
+            <a:r>
+              <a:rPr lang="en-US" b="1" dirty="0">
+                <a:solidFill>
+                  <a:schemeClr val="bg1"/>
+                </a:solidFill>
+              </a:rPr>
+              <a:t>		Generates </a:t>
+            </a:r>
+            <a:r>
+              <a:rPr lang="en-US" b="1" dirty="0" err="1">
+                <a:solidFill>
+                  <a:schemeClr val="bg1"/>
+                </a:solidFill>
+              </a:rPr>
+              <a:t>hashCode</a:t>
+            </a:r>
+            <a:r>
+              <a:rPr lang="en-US" b="1" dirty="0">
+                <a:solidFill>
+                  <a:schemeClr val="bg1"/>
+                </a:solidFill>
+              </a:rPr>
+              <a:t> and equals implementations from the fields of your object..</a:t>
+            </a:r>
+          </a:p>
+          <a:p>
+            <a:r>
+              <a:rPr lang="en-US" b="1" dirty="0">
+                <a:solidFill>
+                  <a:schemeClr val="bg1"/>
+                </a:solidFill>
+              </a:rPr>
+              <a:t>	@</a:t>
+            </a:r>
+            <a:r>
+              <a:rPr lang="en-US" b="1" dirty="0" err="1">
+                <a:solidFill>
+                  <a:schemeClr val="bg1"/>
+                </a:solidFill>
+              </a:rPr>
+              <a:t>NoArgsConstructor</a:t>
+            </a:r>
+            <a:r>
+              <a:rPr lang="en-US" b="1" dirty="0">
+                <a:solidFill>
+                  <a:schemeClr val="bg1"/>
+                </a:solidFill>
+              </a:rPr>
+              <a:t>, and @</a:t>
+            </a:r>
+            <a:r>
+              <a:rPr lang="en-US" b="1" dirty="0" err="1">
+                <a:solidFill>
+                  <a:schemeClr val="bg1"/>
+                </a:solidFill>
+              </a:rPr>
+              <a:t>AllArgsConstructor</a:t>
+            </a:r>
+            <a:endParaRPr lang="en-US" b="1" dirty="0">
+              <a:solidFill>
+                <a:schemeClr val="bg1"/>
+              </a:solidFill>
+            </a:endParaRPr>
+          </a:p>
+          <a:p>
+            <a:r>
+              <a:rPr lang="en-US" b="1" dirty="0">
+                <a:solidFill>
+                  <a:schemeClr val="bg1"/>
+                </a:solidFill>
+              </a:rPr>
+              <a:t>		Constructors made to order: </a:t>
+            </a:r>
+          </a:p>
+          <a:p>
+            <a:r>
+              <a:rPr lang="en-US" b="1" dirty="0">
+                <a:solidFill>
+                  <a:schemeClr val="bg1"/>
+                </a:solidFill>
+              </a:rPr>
+              <a:t>		Generates </a:t>
+            </a:r>
+          </a:p>
+          <a:p>
+            <a:r>
+              <a:rPr lang="en-US" b="1" dirty="0">
+                <a:solidFill>
+                  <a:schemeClr val="bg1"/>
+                </a:solidFill>
+              </a:rPr>
+              <a:t>			no </a:t>
+            </a:r>
+            <a:r>
+              <a:rPr lang="en-US" b="1" dirty="0" err="1">
+                <a:solidFill>
+                  <a:schemeClr val="bg1"/>
+                </a:solidFill>
+              </a:rPr>
+              <a:t>args</a:t>
+            </a:r>
+            <a:r>
+              <a:rPr lang="en-US" b="1" dirty="0">
+                <a:solidFill>
+                  <a:schemeClr val="bg1"/>
+                </a:solidFill>
+              </a:rPr>
+              <a:t> constructors </a:t>
+            </a:r>
+          </a:p>
+          <a:p>
+            <a:r>
+              <a:rPr lang="en-US" b="1" dirty="0">
+                <a:solidFill>
+                  <a:schemeClr val="bg1"/>
+                </a:solidFill>
+              </a:rPr>
+              <a:t>			one argument per final / non-</a:t>
+            </a:r>
+            <a:r>
+              <a:rPr lang="en-US" b="1" dirty="0" err="1">
+                <a:solidFill>
+                  <a:schemeClr val="bg1"/>
+                </a:solidFill>
+              </a:rPr>
+              <a:t>nullfield</a:t>
+            </a:r>
+            <a:r>
+              <a:rPr lang="en-US" b="1" dirty="0">
+                <a:solidFill>
+                  <a:schemeClr val="bg1"/>
+                </a:solidFill>
+              </a:rPr>
+              <a:t>, or one argument for every field.</a:t>
             </a:r>
           </a:p>
         </p:txBody>
@@ -6343,7 +6491,7 @@
     </p:spTree>
     <p:extLst>
       <p:ext uri="{BB962C8B-B14F-4D97-AF65-F5344CB8AC3E}">
-        <p14:creationId xmlns:p14="http://schemas.microsoft.com/office/powerpoint/2010/main" val="2729303244"/>
+        <p14:creationId xmlns:p14="http://schemas.microsoft.com/office/powerpoint/2010/main" val="1278523540"/>
       </p:ext>
     </p:extLst>
   </p:cSld>
@@ -6414,7 +6562,7 @@
                 </a:solidFill>
                 <a:latin typeface="+mn-lt"/>
               </a:rPr>
-              <a:t>MVC</a:t>
+              <a:t>Project Lombok</a:t>
             </a:r>
             <a:endParaRPr lang="en-IN" dirty="0">
               <a:solidFill>
@@ -6439,8 +6587,8 @@
         </p:nvSpPr>
         <p:spPr>
           <a:xfrm>
-            <a:off x="838200" y="1910315"/>
-            <a:ext cx="10515600" cy="646331"/>
+            <a:off x="838200" y="1779687"/>
+            <a:ext cx="10515600" cy="3693319"/>
           </a:xfrm>
           <a:prstGeom prst="rect">
             <a:avLst/>
@@ -6460,65 +6608,192 @@
             </a:endParaRPr>
           </a:p>
           <a:p>
+            <a:r>
+              <a:rPr lang="en-US" b="1" dirty="0">
+                <a:solidFill>
+                  <a:schemeClr val="bg1"/>
+                </a:solidFill>
+              </a:rPr>
+              <a:t>	@Data</a:t>
+            </a:r>
+          </a:p>
+          <a:p>
+            <a:r>
+              <a:rPr lang="en-US" b="1" dirty="0">
+                <a:solidFill>
+                  <a:schemeClr val="bg1"/>
+                </a:solidFill>
+              </a:rPr>
+              <a:t>	A shortcut for </a:t>
+            </a:r>
+          </a:p>
+          <a:p>
+            <a:r>
+              <a:rPr lang="en-US" b="1" dirty="0">
+                <a:solidFill>
+                  <a:schemeClr val="bg1"/>
+                </a:solidFill>
+              </a:rPr>
+              <a:t>			@</a:t>
+            </a:r>
+            <a:r>
+              <a:rPr lang="en-US" b="1" dirty="0" err="1">
+                <a:solidFill>
+                  <a:schemeClr val="bg1"/>
+                </a:solidFill>
+              </a:rPr>
+              <a:t>ToString</a:t>
+            </a:r>
+            <a:r>
+              <a:rPr lang="en-US" b="1" dirty="0">
+                <a:solidFill>
+                  <a:schemeClr val="bg1"/>
+                </a:solidFill>
+              </a:rPr>
+              <a:t>, </a:t>
+            </a:r>
+          </a:p>
+          <a:p>
+            <a:r>
+              <a:rPr lang="en-US" b="1" dirty="0">
+                <a:solidFill>
+                  <a:schemeClr val="bg1"/>
+                </a:solidFill>
+              </a:rPr>
+              <a:t>			@</a:t>
+            </a:r>
+            <a:r>
+              <a:rPr lang="en-US" b="1" dirty="0" err="1">
+                <a:solidFill>
+                  <a:schemeClr val="bg1"/>
+                </a:solidFill>
+              </a:rPr>
+              <a:t>EqualsAndHashCode</a:t>
+            </a:r>
+            <a:r>
+              <a:rPr lang="en-US" b="1" dirty="0">
+                <a:solidFill>
+                  <a:schemeClr val="bg1"/>
+                </a:solidFill>
+              </a:rPr>
+              <a:t>, </a:t>
+            </a:r>
+          </a:p>
+          <a:p>
+            <a:r>
+              <a:rPr lang="en-US" b="1" dirty="0">
+                <a:solidFill>
+                  <a:schemeClr val="bg1"/>
+                </a:solidFill>
+              </a:rPr>
+              <a:t>			@Getter on all fields, </a:t>
+            </a:r>
+          </a:p>
+          <a:p>
+            <a:r>
+              <a:rPr lang="en-US" b="1" dirty="0">
+                <a:solidFill>
+                  <a:schemeClr val="bg1"/>
+                </a:solidFill>
+              </a:rPr>
+              <a:t>			and @Setter on all non-final fields, and @</a:t>
+            </a:r>
+            <a:r>
+              <a:rPr lang="en-US" b="1" dirty="0" err="1">
+                <a:solidFill>
+                  <a:schemeClr val="bg1"/>
+                </a:solidFill>
+              </a:rPr>
+              <a:t>RequiredArgsConstructor</a:t>
+            </a:r>
+            <a:r>
+              <a:rPr lang="en-US" b="1" dirty="0">
+                <a:solidFill>
+                  <a:schemeClr val="bg1"/>
+                </a:solidFill>
+              </a:rPr>
+              <a:t>!</a:t>
+            </a:r>
+          </a:p>
+          <a:p>
+            <a:r>
+              <a:rPr lang="en-US" b="1" dirty="0">
+                <a:solidFill>
+                  <a:schemeClr val="bg1"/>
+                </a:solidFill>
+              </a:rPr>
+              <a:t>	@Value</a:t>
+            </a:r>
+          </a:p>
+          <a:p>
+            <a:r>
+              <a:rPr lang="en-US" b="1" dirty="0">
+                <a:solidFill>
+                  <a:schemeClr val="bg1"/>
+                </a:solidFill>
+              </a:rPr>
+              <a:t>		Immutable classes </a:t>
+            </a:r>
+          </a:p>
+          <a:p>
+            <a:r>
+              <a:rPr lang="en-US" b="1" dirty="0">
+                <a:solidFill>
+                  <a:schemeClr val="bg1"/>
+                </a:solidFill>
+              </a:rPr>
+              <a:t>	@Synchronized</a:t>
+            </a:r>
+          </a:p>
+          <a:p>
+            <a:r>
+              <a:rPr lang="en-US" b="1" dirty="0">
+                <a:solidFill>
+                  <a:schemeClr val="bg1"/>
+                </a:solidFill>
+              </a:rPr>
+              <a:t>		synchronized done right: Don't expose your locks.</a:t>
+            </a:r>
+          </a:p>
+          <a:p>
             <a:endParaRPr lang="en-US" b="1" dirty="0">
               <a:solidFill>
                 <a:schemeClr val="bg1"/>
               </a:solidFill>
             </a:endParaRPr>
           </a:p>
-        </p:txBody>
-      </p:sp>
-      <p:pic>
-        <p:nvPicPr>
-          <p:cNvPr id="1026" name="Picture 2" descr="Model View Controller">
-            <a:extLst>
-              <a:ext uri="{FF2B5EF4-FFF2-40B4-BE49-F238E27FC236}">
-                <a16:creationId xmlns:a16="http://schemas.microsoft.com/office/drawing/2014/main" id="{135C88FA-EA89-442A-8B97-B27E6BD5BDAE}"/>
-              </a:ext>
-            </a:extLst>
-          </p:cNvPr>
-          <p:cNvPicPr>
-            <a:picLocks noChangeAspect="1" noChangeArrowheads="1"/>
-          </p:cNvPicPr>
-          <p:nvPr/>
-        </p:nvPicPr>
-        <p:blipFill>
-          <a:blip r:embed="rId2">
-            <a:extLst>
-              <a:ext uri="{28A0092B-C50C-407E-A947-70E740481C1C}">
-                <a14:useLocalDpi xmlns:a14="http://schemas.microsoft.com/office/drawing/2010/main" val="0"/>
-              </a:ext>
-            </a:extLst>
-          </a:blip>
-          <a:srcRect/>
-          <a:stretch>
-            <a:fillRect/>
-          </a:stretch>
-        </p:blipFill>
-        <p:spPr bwMode="auto">
-          <a:xfrm>
-            <a:off x="1153885" y="1690688"/>
-            <a:ext cx="9851571" cy="4623025"/>
-          </a:xfrm>
-          <a:prstGeom prst="rect">
-            <a:avLst/>
-          </a:prstGeom>
-          <a:noFill/>
-          <a:extLst>
-            <a:ext uri="{909E8E84-426E-40DD-AFC4-6F175D3DCCD1}">
-              <a14:hiddenFill xmlns:a14="http://schemas.microsoft.com/office/drawing/2010/main">
-                <a:solidFill>
-                  <a:srgbClr val="FFFFFF"/>
-                </a:solidFill>
-              </a14:hiddenFill>
-            </a:ext>
-          </a:extLst>
-        </p:spPr>
-      </p:pic>
+          <a:p>
+            <a:r>
+              <a:rPr lang="en-US" b="1" dirty="0">
+                <a:solidFill>
+                  <a:schemeClr val="bg1"/>
+                </a:solidFill>
+              </a:rPr>
+              <a:t>Refer day4\</a:t>
+            </a:r>
+            <a:r>
+              <a:rPr lang="en-US" b="1" dirty="0" err="1">
+                <a:solidFill>
+                  <a:schemeClr val="bg1"/>
+                </a:solidFill>
+              </a:rPr>
+              <a:t>ProjectLombok</a:t>
+            </a:r>
+            <a:r>
+              <a:rPr lang="en-US" b="1" dirty="0">
+                <a:solidFill>
+                  <a:schemeClr val="bg1"/>
+                </a:solidFill>
+              </a:rPr>
+              <a:t>\InstructionsForLombok.txt</a:t>
+            </a:r>
+          </a:p>
+        </p:txBody>
+      </p:sp>
     </p:spTree>
     <p:extLst>
       <p:ext uri="{BB962C8B-B14F-4D97-AF65-F5344CB8AC3E}">
-        <p14:creationId xmlns:p14="http://schemas.microsoft.com/office/powerpoint/2010/main" val="2184563566"/>
+        <p14:creationId xmlns:p14="http://schemas.microsoft.com/office/powerpoint/2010/main" val="2729303244"/>
       </p:ext>
     </p:extLst>
   </p:cSld>
@@ -6614,8 +6889,8 @@
         </p:nvSpPr>
         <p:spPr>
           <a:xfrm>
-            <a:off x="729343" y="1779687"/>
-            <a:ext cx="10515600" cy="4247317"/>
+            <a:off x="838200" y="1910315"/>
+            <a:ext cx="10515600" cy="646331"/>
           </a:xfrm>
           <a:prstGeom prst="rect">
             <a:avLst/>
@@ -6628,136 +6903,6 @@
           </a:bodyPr>
           <a:lstStyle/>
           <a:p>
-            <a:r>
-              <a:rPr lang="en-US" b="1" dirty="0">
-                <a:solidFill>
-                  <a:schemeClr val="bg1"/>
-                </a:solidFill>
-              </a:rPr>
-              <a:t>Model:</a:t>
-            </a:r>
-          </a:p>
-          <a:p>
-            <a:r>
-              <a:rPr lang="en-US" b="1" dirty="0">
-                <a:solidFill>
-                  <a:schemeClr val="bg1"/>
-                </a:solidFill>
-              </a:rPr>
-              <a:t>	Corresponds to all the data-related logic that the user works with. </a:t>
-            </a:r>
-          </a:p>
-          <a:p>
-            <a:r>
-              <a:rPr lang="en-US" b="1" dirty="0">
-                <a:solidFill>
-                  <a:schemeClr val="bg1"/>
-                </a:solidFill>
-              </a:rPr>
-              <a:t>		Can represent either the data that is being transferred </a:t>
-            </a:r>
-          </a:p>
-          <a:p>
-            <a:r>
-              <a:rPr lang="en-US" b="1" dirty="0">
-                <a:solidFill>
-                  <a:schemeClr val="bg1"/>
-                </a:solidFill>
-              </a:rPr>
-              <a:t>		between the View and Controller components </a:t>
-            </a:r>
-          </a:p>
-          <a:p>
-            <a:r>
-              <a:rPr lang="en-US" b="1" dirty="0">
-                <a:solidFill>
-                  <a:schemeClr val="bg1"/>
-                </a:solidFill>
-              </a:rPr>
-              <a:t>	or </a:t>
-            </a:r>
-          </a:p>
-          <a:p>
-            <a:r>
-              <a:rPr lang="en-US" b="1" dirty="0">
-                <a:solidFill>
-                  <a:schemeClr val="bg1"/>
-                </a:solidFill>
-              </a:rPr>
-              <a:t>		other business logic-related data.</a:t>
-            </a:r>
-          </a:p>
-          <a:p>
-            <a:r>
-              <a:rPr lang="en-US" b="1" dirty="0">
-                <a:solidFill>
-                  <a:schemeClr val="bg1"/>
-                </a:solidFill>
-              </a:rPr>
-              <a:t>View</a:t>
-            </a:r>
-          </a:p>
-          <a:p>
-            <a:r>
-              <a:rPr lang="en-US" b="1" dirty="0">
-                <a:solidFill>
-                  <a:schemeClr val="bg1"/>
-                </a:solidFill>
-              </a:rPr>
-              <a:t>	Used for all the UI logic of the application. </a:t>
-            </a:r>
-          </a:p>
-          <a:p>
-            <a:r>
-              <a:rPr lang="en-US" b="1" dirty="0">
-                <a:solidFill>
-                  <a:schemeClr val="bg1"/>
-                </a:solidFill>
-              </a:rPr>
-              <a:t>Controller</a:t>
-            </a:r>
-          </a:p>
-          <a:p>
-            <a:r>
-              <a:rPr lang="en-US" b="1" dirty="0">
-                <a:solidFill>
-                  <a:schemeClr val="bg1"/>
-                </a:solidFill>
-              </a:rPr>
-              <a:t>	Acts as an interface between Model and View components </a:t>
-            </a:r>
-          </a:p>
-          <a:p>
-            <a:r>
-              <a:rPr lang="en-US" b="1" dirty="0">
-                <a:solidFill>
-                  <a:schemeClr val="bg1"/>
-                </a:solidFill>
-              </a:rPr>
-              <a:t>	to process all the business logic and </a:t>
-            </a:r>
-          </a:p>
-          <a:p>
-            <a:r>
-              <a:rPr lang="en-US" b="1" dirty="0">
-                <a:solidFill>
-                  <a:schemeClr val="bg1"/>
-                </a:solidFill>
-              </a:rPr>
-              <a:t>	incoming requests, manipulate data using the Model component and </a:t>
-            </a:r>
-          </a:p>
-          <a:p>
-            <a:r>
-              <a:rPr lang="en-US" b="1" dirty="0">
-                <a:solidFill>
-                  <a:schemeClr val="bg1"/>
-                </a:solidFill>
-              </a:rPr>
-              <a:t>	interact with the Views to render the final output. </a:t>
-            </a:r>
-          </a:p>
-          <a:p>
             <a:endParaRPr lang="en-US" b="1" dirty="0">
               <a:solidFill>
                 <a:schemeClr val="bg1"/>
@@ -6765,37 +6910,65 @@
             </a:endParaRPr>
           </a:p>
           <a:p>
-            <a:r>
-              <a:rPr lang="en-US" b="1" dirty="0">
-                <a:solidFill>
-                  <a:schemeClr val="bg1"/>
-                </a:solidFill>
-              </a:rPr>
-              <a:t>Refer training\day4\</a:t>
-            </a:r>
-            <a:r>
-              <a:rPr lang="en-US" b="1" dirty="0" err="1">
-                <a:solidFill>
-                  <a:schemeClr val="bg1"/>
-                </a:solidFill>
-              </a:rPr>
-              <a:t>mvc</a:t>
-            </a:r>
-            <a:r>
-              <a:rPr lang="en-US" b="1" dirty="0">
-                <a:solidFill>
-                  <a:schemeClr val="bg1"/>
-                </a:solidFill>
-              </a:rPr>
-              <a:t>\InstructionsMVC.txt</a:t>
-            </a:r>
-          </a:p>
-        </p:txBody>
-      </p:sp>
+            <a:endParaRPr lang="en-US" b="1" dirty="0">
+              <a:solidFill>
+                <a:schemeClr val="bg1"/>
+              </a:solidFill>
+            </a:endParaRPr>
+          </a:p>
+        </p:txBody>
+      </p:sp>
+      <p:pic>
+        <p:nvPicPr>
+          <p:cNvPr id="1026" name="Picture 2" descr="Model View Controller">
+            <a:extLst>
+              <a:ext uri="{FF2B5EF4-FFF2-40B4-BE49-F238E27FC236}">
+                <a16:creationId xmlns:a16="http://schemas.microsoft.com/office/drawing/2014/main" id="{135C88FA-EA89-442A-8B97-B27E6BD5BDAE}"/>
+              </a:ext>
+            </a:extLst>
+          </p:cNvPr>
+          <p:cNvPicPr>
+            <a:picLocks noChangeAspect="1" noChangeArrowheads="1"/>
+          </p:cNvPicPr>
+          <p:nvPr/>
+        </p:nvPicPr>
+        <p:blipFill>
+          <a:blip r:embed="rId2">
+            <a:extLst>
+              <a:ext uri="{28A0092B-C50C-407E-A947-70E740481C1C}">
+                <a14:useLocalDpi xmlns:a14="http://schemas.microsoft.com/office/drawing/2010/main" val="0"/>
+              </a:ext>
+            </a:extLst>
+          </a:blip>
+          <a:srcRect/>
+          <a:stretch>
+            <a:fillRect/>
+          </a:stretch>
+        </p:blipFill>
+        <p:spPr bwMode="auto">
+          <a:xfrm>
+            <a:off x="1153885" y="1690688"/>
+            <a:ext cx="9851571" cy="4623025"/>
+          </a:xfrm>
+          <a:prstGeom prst="rect">
+            <a:avLst/>
+          </a:prstGeom>
+          <a:noFill/>
+          <a:extLst>
+            <a:ext uri="{909E8E84-426E-40DD-AFC4-6F175D3DCCD1}">
+              <a14:hiddenFill xmlns:a14="http://schemas.microsoft.com/office/drawing/2010/main">
+                <a:solidFill>
+                  <a:srgbClr val="FFFFFF"/>
+                </a:solidFill>
+              </a14:hiddenFill>
+            </a:ext>
+          </a:extLst>
+        </p:spPr>
+      </p:pic>
     </p:spTree>
     <p:extLst>
       <p:ext uri="{BB962C8B-B14F-4D97-AF65-F5344CB8AC3E}">
-        <p14:creationId xmlns:p14="http://schemas.microsoft.com/office/powerpoint/2010/main" val="1089441012"/>
+        <p14:creationId xmlns:p14="http://schemas.microsoft.com/office/powerpoint/2010/main" val="2184563566"/>
       </p:ext>
     </p:extLst>
   </p:cSld>
@@ -6969,6 +7142,283 @@
 </p:sld>
 </file>
 
+<file path=ppt/slides/slide20.xml><?xml version="1.0" encoding="utf-8"?>
+<p:sld xmlns:a="http://schemas.openxmlformats.org/drawingml/2006/main" xmlns:r="http://schemas.openxmlformats.org/officeDocument/2006/relationships" xmlns:p="http://schemas.openxmlformats.org/presentationml/2006/main">
+  <p:cSld>
+    <p:bg>
+      <p:bgPr>
+        <a:solidFill>
+          <a:schemeClr val="tx2">
+            <a:lumMod val="60000"/>
+            <a:lumOff val="40000"/>
+          </a:schemeClr>
+        </a:solidFill>
+        <a:effectLst/>
+      </p:bgPr>
+    </p:bg>
+    <p:spTree>
+      <p:nvGrpSpPr>
+        <p:cNvPr id="1" name=""/>
+        <p:cNvGrpSpPr/>
+        <p:nvPr/>
+      </p:nvGrpSpPr>
+      <p:grpSpPr>
+        <a:xfrm>
+          <a:off x="0" y="0"/>
+          <a:ext cx="0" cy="0"/>
+          <a:chOff x="0" y="0"/>
+          <a:chExt cx="0" cy="0"/>
+        </a:xfrm>
+      </p:grpSpPr>
+      <p:sp>
+        <p:nvSpPr>
+          <p:cNvPr id="2" name="Title 1">
+            <a:extLst>
+              <a:ext uri="{FF2B5EF4-FFF2-40B4-BE49-F238E27FC236}">
+                <a16:creationId xmlns:a16="http://schemas.microsoft.com/office/drawing/2014/main" id="{51F2C05B-3556-493B-855C-1F19ADDBAF69}"/>
+              </a:ext>
+            </a:extLst>
+          </p:cNvPr>
+          <p:cNvSpPr>
+            <a:spLocks noGrp="1"/>
+          </p:cNvSpPr>
+          <p:nvPr>
+            <p:ph type="title"/>
+          </p:nvPr>
+        </p:nvSpPr>
+        <p:spPr>
+          <a:xfrm>
+            <a:off x="838200" y="365125"/>
+            <a:ext cx="11099104" cy="1325563"/>
+          </a:xfrm>
+        </p:spPr>
+        <p:txBody>
+          <a:bodyPr/>
+          <a:lstStyle/>
+          <a:p>
+            <a:r>
+              <a:rPr lang="en-US" dirty="0">
+                <a:solidFill>
+                  <a:schemeClr val="bg1"/>
+                </a:solidFill>
+                <a:latin typeface="+mn-lt"/>
+              </a:rPr>
+              <a:t>MVC</a:t>
+            </a:r>
+            <a:endParaRPr lang="en-IN" dirty="0">
+              <a:solidFill>
+                <a:schemeClr val="bg1"/>
+              </a:solidFill>
+              <a:latin typeface="+mn-lt"/>
+            </a:endParaRPr>
+          </a:p>
+        </p:txBody>
+      </p:sp>
+      <p:sp>
+        <p:nvSpPr>
+          <p:cNvPr id="4" name="TextBox 3">
+            <a:extLst>
+              <a:ext uri="{FF2B5EF4-FFF2-40B4-BE49-F238E27FC236}">
+                <a16:creationId xmlns:a16="http://schemas.microsoft.com/office/drawing/2014/main" id="{A32609F5-383A-417E-B9B0-CE955463E2E4}"/>
+              </a:ext>
+            </a:extLst>
+          </p:cNvPr>
+          <p:cNvSpPr txBox="1"/>
+          <p:nvPr/>
+        </p:nvSpPr>
+        <p:spPr>
+          <a:xfrm>
+            <a:off x="729343" y="1779687"/>
+            <a:ext cx="10515600" cy="4247317"/>
+          </a:xfrm>
+          <a:prstGeom prst="rect">
+            <a:avLst/>
+          </a:prstGeom>
+          <a:noFill/>
+        </p:spPr>
+        <p:txBody>
+          <a:bodyPr wrap="square" rtlCol="0">
+            <a:spAutoFit/>
+          </a:bodyPr>
+          <a:lstStyle/>
+          <a:p>
+            <a:r>
+              <a:rPr lang="en-US" b="1" dirty="0">
+                <a:solidFill>
+                  <a:schemeClr val="bg1"/>
+                </a:solidFill>
+              </a:rPr>
+              <a:t>Model:</a:t>
+            </a:r>
+          </a:p>
+          <a:p>
+            <a:r>
+              <a:rPr lang="en-US" b="1" dirty="0">
+                <a:solidFill>
+                  <a:schemeClr val="bg1"/>
+                </a:solidFill>
+              </a:rPr>
+              <a:t>	Corresponds to all the data-related logic that the user works with. </a:t>
+            </a:r>
+          </a:p>
+          <a:p>
+            <a:r>
+              <a:rPr lang="en-US" b="1" dirty="0">
+                <a:solidFill>
+                  <a:schemeClr val="bg1"/>
+                </a:solidFill>
+              </a:rPr>
+              <a:t>		Can represent either the data that is being transferred </a:t>
+            </a:r>
+          </a:p>
+          <a:p>
+            <a:r>
+              <a:rPr lang="en-US" b="1" dirty="0">
+                <a:solidFill>
+                  <a:schemeClr val="bg1"/>
+                </a:solidFill>
+              </a:rPr>
+              <a:t>		between the View and Controller components </a:t>
+            </a:r>
+          </a:p>
+          <a:p>
+            <a:r>
+              <a:rPr lang="en-US" b="1" dirty="0">
+                <a:solidFill>
+                  <a:schemeClr val="bg1"/>
+                </a:solidFill>
+              </a:rPr>
+              <a:t>	or </a:t>
+            </a:r>
+          </a:p>
+          <a:p>
+            <a:r>
+              <a:rPr lang="en-US" b="1" dirty="0">
+                <a:solidFill>
+                  <a:schemeClr val="bg1"/>
+                </a:solidFill>
+              </a:rPr>
+              <a:t>		other business logic-related data.</a:t>
+            </a:r>
+          </a:p>
+          <a:p>
+            <a:r>
+              <a:rPr lang="en-US" b="1" dirty="0">
+                <a:solidFill>
+                  <a:schemeClr val="bg1"/>
+                </a:solidFill>
+              </a:rPr>
+              <a:t>View</a:t>
+            </a:r>
+          </a:p>
+          <a:p>
+            <a:r>
+              <a:rPr lang="en-US" b="1" dirty="0">
+                <a:solidFill>
+                  <a:schemeClr val="bg1"/>
+                </a:solidFill>
+              </a:rPr>
+              <a:t>	Used for all the UI logic of the application. </a:t>
+            </a:r>
+          </a:p>
+          <a:p>
+            <a:r>
+              <a:rPr lang="en-US" b="1" dirty="0">
+                <a:solidFill>
+                  <a:schemeClr val="bg1"/>
+                </a:solidFill>
+              </a:rPr>
+              <a:t>Controller</a:t>
+            </a:r>
+          </a:p>
+          <a:p>
+            <a:r>
+              <a:rPr lang="en-US" b="1" dirty="0">
+                <a:solidFill>
+                  <a:schemeClr val="bg1"/>
+                </a:solidFill>
+              </a:rPr>
+              <a:t>	Acts as an interface between Model and View components </a:t>
+            </a:r>
+          </a:p>
+          <a:p>
+            <a:r>
+              <a:rPr lang="en-US" b="1" dirty="0">
+                <a:solidFill>
+                  <a:schemeClr val="bg1"/>
+                </a:solidFill>
+              </a:rPr>
+              <a:t>	to process all the business logic and </a:t>
+            </a:r>
+          </a:p>
+          <a:p>
+            <a:r>
+              <a:rPr lang="en-US" b="1" dirty="0">
+                <a:solidFill>
+                  <a:schemeClr val="bg1"/>
+                </a:solidFill>
+              </a:rPr>
+              <a:t>	incoming requests, manipulate data using the Model component and </a:t>
+            </a:r>
+          </a:p>
+          <a:p>
+            <a:r>
+              <a:rPr lang="en-US" b="1" dirty="0">
+                <a:solidFill>
+                  <a:schemeClr val="bg1"/>
+                </a:solidFill>
+              </a:rPr>
+              <a:t>	interact with the Views to render the final output. </a:t>
+            </a:r>
+          </a:p>
+          <a:p>
+            <a:endParaRPr lang="en-US" b="1" dirty="0">
+              <a:solidFill>
+                <a:schemeClr val="bg1"/>
+              </a:solidFill>
+            </a:endParaRPr>
+          </a:p>
+          <a:p>
+            <a:r>
+              <a:rPr lang="en-US" b="1" dirty="0">
+                <a:solidFill>
+                  <a:schemeClr val="bg1"/>
+                </a:solidFill>
+              </a:rPr>
+              <a:t>Refer training\day4\</a:t>
+            </a:r>
+            <a:r>
+              <a:rPr lang="en-US" b="1" dirty="0" err="1">
+                <a:solidFill>
+                  <a:schemeClr val="bg1"/>
+                </a:solidFill>
+              </a:rPr>
+              <a:t>mvc</a:t>
+            </a:r>
+            <a:r>
+              <a:rPr lang="en-US" b="1" dirty="0">
+                <a:solidFill>
+                  <a:schemeClr val="bg1"/>
+                </a:solidFill>
+              </a:rPr>
+              <a:t>\InstructionsMVC.txt</a:t>
+            </a:r>
+          </a:p>
+        </p:txBody>
+      </p:sp>
+    </p:spTree>
+    <p:extLst>
+      <p:ext uri="{BB962C8B-B14F-4D97-AF65-F5344CB8AC3E}">
+        <p14:creationId xmlns:p14="http://schemas.microsoft.com/office/powerpoint/2010/main" val="1089441012"/>
+      </p:ext>
+    </p:extLst>
+  </p:cSld>
+  <p:clrMapOvr>
+    <a:masterClrMapping/>
+  </p:clrMapOvr>
+</p:sld>
+</file>
+
 <file path=ppt/slides/slide3.xml><?xml version="1.0" encoding="utf-8"?>
 <p:sld xmlns:a="http://schemas.openxmlformats.org/drawingml/2006/main" xmlns:r="http://schemas.openxmlformats.org/officeDocument/2006/relationships" xmlns:p="http://schemas.openxmlformats.org/presentationml/2006/main">
   <p:cSld>
@@ -7055,8 +7505,8 @@
         </p:nvSpPr>
         <p:spPr>
           <a:xfrm>
-            <a:off x="482735" y="1779687"/>
-            <a:ext cx="10871065" cy="646331"/>
+            <a:off x="838200" y="1779687"/>
+            <a:ext cx="10515600" cy="3139321"/>
           </a:xfrm>
           <a:prstGeom prst="rect">
             <a:avLst/>
@@ -7075,72 +7525,112 @@
                   <a:schemeClr val="bg1"/>
                 </a:solidFill>
               </a:rPr>
-              <a:t>	How much the system can resist the failure of various systems.</a:t>
-            </a:r>
-          </a:p>
-          <a:p>
-            <a:r>
-              <a:rPr lang="en-US" b="1" dirty="0">
-                <a:solidFill>
-                  <a:schemeClr val="bg1"/>
-                </a:solidFill>
-              </a:rPr>
-              <a:t>	</a:t>
-            </a:r>
-          </a:p>
-        </p:txBody>
-      </p:sp>
-      <p:pic>
-        <p:nvPicPr>
-          <p:cNvPr id="1026" name="Picture 2">
-            <a:extLst>
-              <a:ext uri="{FF2B5EF4-FFF2-40B4-BE49-F238E27FC236}">
-                <a16:creationId xmlns:a16="http://schemas.microsoft.com/office/drawing/2014/main" id="{AE60629C-FD16-4D2A-9E3A-70C3CDE8F09A}"/>
-              </a:ext>
-            </a:extLst>
-          </p:cNvPr>
-          <p:cNvPicPr>
-            <a:picLocks noChangeAspect="1" noChangeArrowheads="1"/>
-          </p:cNvPicPr>
-          <p:nvPr/>
-        </p:nvPicPr>
-        <p:blipFill>
-          <a:blip r:embed="rId2">
-            <a:extLst>
-              <a:ext uri="{28A0092B-C50C-407E-A947-70E740481C1C}">
-                <a14:useLocalDpi xmlns:a14="http://schemas.microsoft.com/office/drawing/2010/main" val="0"/>
-              </a:ext>
-            </a:extLst>
-          </a:blip>
-          <a:srcRect/>
-          <a:stretch>
-            <a:fillRect/>
-          </a:stretch>
-        </p:blipFill>
-        <p:spPr bwMode="auto">
-          <a:xfrm>
-            <a:off x="1153886" y="1357313"/>
-            <a:ext cx="10363200" cy="4804001"/>
-          </a:xfrm>
-          <a:prstGeom prst="rect">
-            <a:avLst/>
-          </a:prstGeom>
-          <a:noFill/>
-          <a:extLst>
-            <a:ext uri="{909E8E84-426E-40DD-AFC4-6F175D3DCCD1}">
-              <a14:hiddenFill xmlns:a14="http://schemas.microsoft.com/office/drawing/2010/main">
-                <a:solidFill>
-                  <a:srgbClr val="FFFFFF"/>
-                </a:solidFill>
-              </a14:hiddenFill>
-            </a:ext>
-          </a:extLst>
-        </p:spPr>
-      </p:pic>
+              <a:t>Fault tolerance</a:t>
+            </a:r>
+          </a:p>
+          <a:p>
+            <a:r>
+              <a:rPr lang="en-US" b="1" dirty="0">
+                <a:solidFill>
+                  <a:schemeClr val="bg1"/>
+                </a:solidFill>
+              </a:rPr>
+              <a:t>	Property that enables a system to </a:t>
+            </a:r>
+          </a:p>
+          <a:p>
+            <a:r>
+              <a:rPr lang="en-US" b="1" dirty="0">
+                <a:solidFill>
+                  <a:schemeClr val="bg1"/>
+                </a:solidFill>
+              </a:rPr>
+              <a:t>	continue operating properly in the </a:t>
+            </a:r>
+          </a:p>
+          <a:p>
+            <a:r>
+              <a:rPr lang="en-US" b="1" dirty="0">
+                <a:solidFill>
+                  <a:schemeClr val="bg1"/>
+                </a:solidFill>
+              </a:rPr>
+              <a:t>	event of the failure of some of its components.</a:t>
+            </a:r>
+          </a:p>
+          <a:p>
+            <a:endParaRPr lang="en-US" b="1" dirty="0">
+              <a:solidFill>
+                <a:schemeClr val="bg1"/>
+              </a:solidFill>
+            </a:endParaRPr>
+          </a:p>
+          <a:p>
+            <a:r>
+              <a:rPr lang="en-US" b="1" dirty="0">
+                <a:solidFill>
+                  <a:schemeClr val="bg1"/>
+                </a:solidFill>
+              </a:rPr>
+              <a:t>Resilience</a:t>
+            </a:r>
+          </a:p>
+          <a:p>
+            <a:r>
+              <a:rPr lang="en-US" b="1" dirty="0">
+                <a:solidFill>
+                  <a:schemeClr val="bg1"/>
+                </a:solidFill>
+              </a:rPr>
+              <a:t>	Ability of a system to rapidly recover and </a:t>
+            </a:r>
+          </a:p>
+          <a:p>
+            <a:r>
+              <a:rPr lang="en-US" b="1" dirty="0">
+                <a:solidFill>
+                  <a:schemeClr val="bg1"/>
+                </a:solidFill>
+              </a:rPr>
+              <a:t>	continue with operations even </a:t>
+            </a:r>
+          </a:p>
+          <a:p>
+            <a:r>
+              <a:rPr lang="en-US" b="1" dirty="0">
+                <a:solidFill>
+                  <a:schemeClr val="bg1"/>
+                </a:solidFill>
+              </a:rPr>
+              <a:t>	when certain failures or errors occur with </a:t>
+            </a:r>
+          </a:p>
+          <a:p>
+            <a:r>
+              <a:rPr lang="en-US" b="1" dirty="0">
+                <a:solidFill>
+                  <a:schemeClr val="bg1"/>
+                </a:solidFill>
+              </a:rPr>
+              <a:t>	limited disruption that </a:t>
+            </a:r>
+          </a:p>
+          <a:p>
+            <a:r>
+              <a:rPr lang="en-US" b="1" dirty="0">
+                <a:solidFill>
+                  <a:schemeClr val="bg1"/>
+                </a:solidFill>
+              </a:rPr>
+              <a:t>	could otherwise affect the progress	</a:t>
+            </a:r>
+          </a:p>
+        </p:txBody>
+      </p:sp>
     </p:spTree>
     <p:extLst>
       <p:ext uri="{BB962C8B-B14F-4D97-AF65-F5344CB8AC3E}">
-        <p14:creationId xmlns:p14="http://schemas.microsoft.com/office/powerpoint/2010/main" val="3869855552"/>
+        <p14:creationId xmlns:p14="http://schemas.microsoft.com/office/powerpoint/2010/main" val="327213579"/>
       </p:ext>
     </p:extLst>
   </p:cSld>
@@ -7236,8 +7726,8 @@
         </p:nvSpPr>
         <p:spPr>
           <a:xfrm>
-            <a:off x="838200" y="1779687"/>
-            <a:ext cx="10515600" cy="3139321"/>
+            <a:off x="482735" y="1779687"/>
+            <a:ext cx="10871065" cy="646331"/>
           </a:xfrm>
           <a:prstGeom prst="rect">
             <a:avLst/>
@@ -7256,112 +7746,72 @@
                   <a:schemeClr val="bg1"/>
                 </a:solidFill>
               </a:rPr>
-              <a:t>Fault tolerance</a:t>
-            </a:r>
-          </a:p>
-          <a:p>
-            <a:r>
-              <a:rPr lang="en-US" b="1" dirty="0">
-                <a:solidFill>
-                  <a:schemeClr val="bg1"/>
-                </a:solidFill>
-              </a:rPr>
-              <a:t>	Property that enables a system to </a:t>
-            </a:r>
-          </a:p>
-          <a:p>
-            <a:r>
-              <a:rPr lang="en-US" b="1" dirty="0">
-                <a:solidFill>
-                  <a:schemeClr val="bg1"/>
-                </a:solidFill>
-              </a:rPr>
-              <a:t>	continue operating properly in the </a:t>
-            </a:r>
-          </a:p>
-          <a:p>
-            <a:r>
-              <a:rPr lang="en-US" b="1" dirty="0">
-                <a:solidFill>
-                  <a:schemeClr val="bg1"/>
-                </a:solidFill>
-              </a:rPr>
-              <a:t>	event of the failure of some of its components.</a:t>
-            </a:r>
-          </a:p>
-          <a:p>
-            <a:endParaRPr lang="en-US" b="1" dirty="0">
-              <a:solidFill>
-                <a:schemeClr val="bg1"/>
-              </a:solidFill>
-            </a:endParaRPr>
-          </a:p>
-          <a:p>
-            <a:r>
-              <a:rPr lang="en-US" b="1" dirty="0">
-                <a:solidFill>
-                  <a:schemeClr val="bg1"/>
-                </a:solidFill>
-              </a:rPr>
-              <a:t>Resilience</a:t>
-            </a:r>
-          </a:p>
-          <a:p>
-            <a:r>
-              <a:rPr lang="en-US" b="1" dirty="0">
-                <a:solidFill>
-                  <a:schemeClr val="bg1"/>
-                </a:solidFill>
-              </a:rPr>
-              <a:t>	Ability of a system to rapidly recover and </a:t>
-            </a:r>
-          </a:p>
-          <a:p>
-            <a:r>
-              <a:rPr lang="en-US" b="1" dirty="0">
-                <a:solidFill>
-                  <a:schemeClr val="bg1"/>
-                </a:solidFill>
-              </a:rPr>
-              <a:t>	continue with operations even </a:t>
-            </a:r>
-          </a:p>
-          <a:p>
-            <a:r>
-              <a:rPr lang="en-US" b="1" dirty="0">
-                <a:solidFill>
-                  <a:schemeClr val="bg1"/>
-                </a:solidFill>
-              </a:rPr>
-              <a:t>	when certain failures or errors occur with </a:t>
-            </a:r>
-          </a:p>
-          <a:p>
-            <a:r>
-              <a:rPr lang="en-US" b="1" dirty="0">
-                <a:solidFill>
-                  <a:schemeClr val="bg1"/>
-                </a:solidFill>
-              </a:rPr>
-              <a:t>	limited disruption that </a:t>
-            </a:r>
-          </a:p>
-          <a:p>
-            <a:r>
-              <a:rPr lang="en-US" b="1" dirty="0">
-                <a:solidFill>
-                  <a:schemeClr val="bg1"/>
-                </a:solidFill>
-              </a:rPr>
-              <a:t>	could otherwise affect the progress	</a:t>
-            </a:r>
-          </a:p>
-        </p:txBody>
-      </p:sp>
+              <a:t>	How much the system can resist the failure of various systems.</a:t>
+            </a:r>
+          </a:p>
+          <a:p>
+            <a:r>
+              <a:rPr lang="en-US" b="1" dirty="0">
+                <a:solidFill>
+                  <a:schemeClr val="bg1"/>
+                </a:solidFill>
+              </a:rPr>
+              <a:t>	</a:t>
+            </a:r>
+          </a:p>
+        </p:txBody>
+      </p:sp>
+      <p:pic>
+        <p:nvPicPr>
+          <p:cNvPr id="1026" name="Picture 2">
+            <a:extLst>
+              <a:ext uri="{FF2B5EF4-FFF2-40B4-BE49-F238E27FC236}">
+                <a16:creationId xmlns:a16="http://schemas.microsoft.com/office/drawing/2014/main" id="{AE60629C-FD16-4D2A-9E3A-70C3CDE8F09A}"/>
+              </a:ext>
+            </a:extLst>
+          </p:cNvPr>
+          <p:cNvPicPr>
+            <a:picLocks noChangeAspect="1" noChangeArrowheads="1"/>
+          </p:cNvPicPr>
+          <p:nvPr/>
+        </p:nvPicPr>
+        <p:blipFill>
+          <a:blip r:embed="rId2">
+            <a:extLst>
+              <a:ext uri="{28A0092B-C50C-407E-A947-70E740481C1C}">
+                <a14:useLocalDpi xmlns:a14="http://schemas.microsoft.com/office/drawing/2010/main" val="0"/>
+              </a:ext>
+            </a:extLst>
+          </a:blip>
+          <a:srcRect/>
+          <a:stretch>
+            <a:fillRect/>
+          </a:stretch>
+        </p:blipFill>
+        <p:spPr bwMode="auto">
+          <a:xfrm>
+            <a:off x="1153886" y="1357313"/>
+            <a:ext cx="10363200" cy="4804001"/>
+          </a:xfrm>
+          <a:prstGeom prst="rect">
+            <a:avLst/>
+          </a:prstGeom>
+          <a:noFill/>
+          <a:extLst>
+            <a:ext uri="{909E8E84-426E-40DD-AFC4-6F175D3DCCD1}">
+              <a14:hiddenFill xmlns:a14="http://schemas.microsoft.com/office/drawing/2010/main">
+                <a:solidFill>
+                  <a:srgbClr val="FFFFFF"/>
+                </a:solidFill>
+              </a14:hiddenFill>
+            </a:ext>
+          </a:extLst>
+        </p:spPr>
+      </p:pic>
     </p:spTree>
     <p:extLst>
       <p:ext uri="{BB962C8B-B14F-4D97-AF65-F5344CB8AC3E}">
-        <p14:creationId xmlns:p14="http://schemas.microsoft.com/office/powerpoint/2010/main" val="327213579"/>
+        <p14:creationId xmlns:p14="http://schemas.microsoft.com/office/powerpoint/2010/main" val="3869855552"/>
       </p:ext>
     </p:extLst>
   </p:cSld>
@@ -7764,7 +8214,7 @@
                   <a:schemeClr val="bg1"/>
                 </a:solidFill>
               </a:rPr>
-              <a:t>	Waiting for an established solution	</a:t>
+              <a:t>	Waiting for an established solution</a:t>
             </a:r>
           </a:p>
         </p:txBody>
@@ -8056,7 +8506,7 @@
         <p:spPr>
           <a:xfrm>
             <a:off x="838200" y="1779687"/>
-            <a:ext cx="10515600" cy="2862322"/>
+            <a:ext cx="10515600" cy="1754326"/>
           </a:xfrm>
           <a:prstGeom prst="rect">
             <a:avLst/>
@@ -8113,78 +8563,6 @@
                 </a:solidFill>
               </a:rPr>
               <a:t>	</a:t>
-            </a:r>
-          </a:p>
-          <a:p>
-            <a:r>
-              <a:rPr lang="en-US" b="1" dirty="0">
-                <a:solidFill>
-                  <a:schemeClr val="bg1"/>
-                </a:solidFill>
-              </a:rPr>
-              <a:t>2.1. Spring retry annotations</a:t>
-            </a:r>
-          </a:p>
-          <a:p>
-            <a:r>
-              <a:rPr lang="en-US" b="1" dirty="0">
-                <a:solidFill>
-                  <a:schemeClr val="bg1"/>
-                </a:solidFill>
-              </a:rPr>
-              <a:t>	@</a:t>
-            </a:r>
-            <a:r>
-              <a:rPr lang="en-US" b="1" dirty="0" err="1">
-                <a:solidFill>
-                  <a:schemeClr val="bg1"/>
-                </a:solidFill>
-              </a:rPr>
-              <a:t>EnableRetry</a:t>
-            </a:r>
-            <a:r>
-              <a:rPr lang="en-US" b="1" dirty="0">
-                <a:solidFill>
-                  <a:schemeClr val="bg1"/>
-                </a:solidFill>
-              </a:rPr>
-              <a:t> – to enable spring retry in spring boot project</a:t>
-            </a:r>
-          </a:p>
-          <a:p>
-            <a:r>
-              <a:rPr lang="en-US" b="1" dirty="0">
-                <a:solidFill>
-                  <a:schemeClr val="bg1"/>
-                </a:solidFill>
-              </a:rPr>
-              <a:t>	@</a:t>
-            </a:r>
-            <a:r>
-              <a:rPr lang="en-US" b="1" dirty="0" err="1">
-                <a:solidFill>
-                  <a:schemeClr val="bg1"/>
-                </a:solidFill>
-              </a:rPr>
-              <a:t>Retryable</a:t>
-            </a:r>
-            <a:r>
-              <a:rPr lang="en-US" b="1" dirty="0">
-                <a:solidFill>
-                  <a:schemeClr val="bg1"/>
-                </a:solidFill>
-              </a:rPr>
-              <a:t> – to indicate any method to be a candidate of retry</a:t>
-            </a:r>
-          </a:p>
-          <a:p>
-            <a:r>
-              <a:rPr lang="en-US" b="1" dirty="0">
-                <a:solidFill>
-                  <a:schemeClr val="bg1"/>
-                </a:solidFill>
-              </a:rPr>
-              <a:t>	@Recover – to specify fallback method!</a:t>
             </a:r>
           </a:p>
         </p:txBody>
@@ -8263,7 +8641,7 @@
                 </a:solidFill>
                 <a:latin typeface="+mn-lt"/>
               </a:rPr>
-              <a:t>Retry</a:t>
+              <a:t>Retry – Not a great idea always</a:t>
             </a:r>
             <a:endParaRPr lang="en-IN" dirty="0">
               <a:solidFill>
@@ -8289,7 +8667,7 @@
         <p:spPr>
           <a:xfrm>
             <a:off x="838200" y="1779687"/>
-            <a:ext cx="10515600" cy="1477328"/>
+            <a:ext cx="10515600" cy="4247317"/>
           </a:xfrm>
           <a:prstGeom prst="rect">
             <a:avLst/>
@@ -8308,7 +8686,7 @@
                   <a:schemeClr val="bg1"/>
                 </a:solidFill>
               </a:rPr>
-              <a:t>D:\PraiseTheLord\HSBGInfotech\Others\vilas\microservices\training\4\Retries\Instructions</a:t>
+              <a:t>A -&gt; B -&gt; C -&gt; D</a:t>
             </a:r>
           </a:p>
           <a:p>
@@ -8325,7 +8703,7 @@
                   <a:schemeClr val="bg1"/>
                 </a:solidFill>
               </a:rPr>
-              <a:t>Or </a:t>
+              <a:t>If each of them are configured for 3 retries and D fails consistently</a:t>
             </a:r>
           </a:p>
           <a:p>
@@ -8342,7 +8720,142 @@
                   <a:schemeClr val="bg1"/>
                 </a:solidFill>
               </a:rPr>
-              <a:t>https://howtodoinjava.com/spring-boot2/spring-retry-module/</a:t>
+              <a:t>so B will face 3x load, C — 9x and D — 27x!. </a:t>
+            </a:r>
+          </a:p>
+          <a:p>
+            <a:r>
+              <a:rPr lang="en-US" b="1" dirty="0">
+                <a:solidFill>
+                  <a:schemeClr val="bg1"/>
+                </a:solidFill>
+              </a:rPr>
+              <a:t>This will create a storm of requests.</a:t>
+            </a:r>
+          </a:p>
+          <a:p>
+            <a:endParaRPr lang="en-US" b="1" dirty="0">
+              <a:solidFill>
+                <a:schemeClr val="bg1"/>
+              </a:solidFill>
+            </a:endParaRPr>
+          </a:p>
+          <a:p>
+            <a:r>
+              <a:rPr lang="en-US" b="1" dirty="0">
+                <a:solidFill>
+                  <a:schemeClr val="bg1"/>
+                </a:solidFill>
+              </a:rPr>
+              <a:t>Solution:</a:t>
+            </a:r>
+          </a:p>
+          <a:p>
+            <a:r>
+              <a:rPr lang="en-US" b="1" dirty="0">
+                <a:solidFill>
+                  <a:schemeClr val="bg1"/>
+                </a:solidFill>
+              </a:rPr>
+              <a:t>	Distinguish </a:t>
+            </a:r>
+            <a:r>
+              <a:rPr lang="en-US" b="1" dirty="0" err="1">
+                <a:solidFill>
+                  <a:schemeClr val="bg1"/>
+                </a:solidFill>
+              </a:rPr>
+              <a:t>retryable</a:t>
+            </a:r>
+            <a:r>
+              <a:rPr lang="en-US" b="1" dirty="0">
+                <a:solidFill>
+                  <a:schemeClr val="bg1"/>
+                </a:solidFill>
+              </a:rPr>
+              <a:t> errors from non-</a:t>
+            </a:r>
+            <a:r>
+              <a:rPr lang="en-US" b="1" dirty="0" err="1">
+                <a:solidFill>
+                  <a:schemeClr val="bg1"/>
+                </a:solidFill>
+              </a:rPr>
+              <a:t>retryable</a:t>
+            </a:r>
+            <a:r>
+              <a:rPr lang="en-US" b="1" dirty="0">
+                <a:solidFill>
+                  <a:schemeClr val="bg1"/>
+                </a:solidFill>
+              </a:rPr>
+              <a:t>. </a:t>
+            </a:r>
+          </a:p>
+          <a:p>
+            <a:r>
+              <a:rPr lang="en-US" b="1" dirty="0">
+                <a:solidFill>
+                  <a:schemeClr val="bg1"/>
+                </a:solidFill>
+              </a:rPr>
+              <a:t>	It’s pointless to retry all request, </a:t>
+            </a:r>
+          </a:p>
+          <a:p>
+            <a:r>
+              <a:rPr lang="en-US" b="1" dirty="0">
+                <a:solidFill>
+                  <a:schemeClr val="bg1"/>
+                </a:solidFill>
+              </a:rPr>
+              <a:t>		when user doesn’t have permissions or payload doesn’t structured properly. </a:t>
+            </a:r>
+          </a:p>
+          <a:p>
+            <a:r>
+              <a:rPr lang="en-US" b="1" dirty="0">
+                <a:solidFill>
+                  <a:schemeClr val="bg1"/>
+                </a:solidFill>
+              </a:rPr>
+              <a:t>	Adopt error budgeting — </a:t>
+            </a:r>
+          </a:p>
+          <a:p>
+            <a:r>
+              <a:rPr lang="en-US" b="1" dirty="0">
+                <a:solidFill>
+                  <a:schemeClr val="bg1"/>
+                </a:solidFill>
+              </a:rPr>
+              <a:t>		Say 3 retries in D fails, A should stop making request. This could be 2</a:t>
+            </a:r>
+            <a:r>
+              <a:rPr lang="en-US" b="1" baseline="30000" dirty="0">
+                <a:solidFill>
+                  <a:schemeClr val="bg1"/>
+                </a:solidFill>
+              </a:rPr>
+              <a:t>nd</a:t>
+            </a:r>
+            <a:r>
+              <a:rPr lang="en-US" b="1" dirty="0">
+                <a:solidFill>
+                  <a:schemeClr val="bg1"/>
+                </a:solidFill>
+              </a:rPr>
+              <a:t> request of A though.</a:t>
+            </a:r>
+          </a:p>
+          <a:p>
+            <a:r>
+              <a:rPr lang="en-US" b="1" dirty="0">
+                <a:solidFill>
+                  <a:schemeClr val="bg1"/>
+                </a:solidFill>
+              </a:rPr>
+              <a:t>	Isn’t that similar to Circuit breaker???</a:t>
             </a:r>
           </a:p>
         </p:txBody>
@@ -8350,7 +8863,7 @@
     </p:spTree>
     <p:extLst>
       <p:ext uri="{BB962C8B-B14F-4D97-AF65-F5344CB8AC3E}">
-        <p14:creationId xmlns:p14="http://schemas.microsoft.com/office/powerpoint/2010/main" val="3156689497"/>
+        <p14:creationId xmlns:p14="http://schemas.microsoft.com/office/powerpoint/2010/main" val="770807598"/>
       </p:ext>
     </p:extLst>
   </p:cSld>
